--- a/Bravery - Brilliantly Lazy (Automation).pptx
+++ b/Bravery - Brilliantly Lazy (Automation).pptx
@@ -5,10 +5,10 @@
     <p:sldMasterId id="2147483648" r:id="rId1"/>
   </p:sldMasterIdLst>
   <p:notesMasterIdLst>
-    <p:notesMasterId r:id="rId12"/>
+    <p:notesMasterId r:id="rId14"/>
   </p:notesMasterIdLst>
   <p:handoutMasterIdLst>
-    <p:handoutMasterId r:id="rId13"/>
+    <p:handoutMasterId r:id="rId15"/>
   </p:handoutMasterIdLst>
   <p:sldIdLst>
     <p:sldId id="450" r:id="rId2"/>
@@ -19,8 +19,10 @@
     <p:sldId id="474" r:id="rId7"/>
     <p:sldId id="476" r:id="rId8"/>
     <p:sldId id="477" r:id="rId9"/>
-    <p:sldId id="470" r:id="rId10"/>
-    <p:sldId id="466" r:id="rId11"/>
+    <p:sldId id="478" r:id="rId10"/>
+    <p:sldId id="479" r:id="rId11"/>
+    <p:sldId id="470" r:id="rId12"/>
+    <p:sldId id="466" r:id="rId13"/>
   </p:sldIdLst>
   <p:sldSz cx="12192000" cy="6858000"/>
   <p:notesSz cx="6858000" cy="9313863"/>
@@ -304,7 +306,7 @@
               <a:pPr>
                 <a:defRPr/>
               </a:pPr>
-              <a:t>10/8/2021</a:t>
+              <a:t>10/9/2021</a:t>
             </a:fld>
             <a:endParaRPr lang="en-US"/>
           </a:p>
@@ -519,7 +521,7 @@
               <a:pPr>
                 <a:defRPr/>
               </a:pPr>
-              <a:t>10/8/2021</a:t>
+              <a:t>10/9/2021</a:t>
             </a:fld>
             <a:endParaRPr lang="en-US"/>
           </a:p>
@@ -1992,7 +1994,7 @@
               </a14:hiddenLine>
             </a:ext>
             <a:ext uri="{FAA26D3D-D897-4be2-8F04-BA451C77F1D7}">
-              <ma14:placeholderFlag xmlns:ma14="http://schemas.microsoft.com/office/mac/drawingml/2011/main" xmlns="" val="1"/>
+              <ma14:placeholderFlag xmlns="" xmlns:ma14="http://schemas.microsoft.com/office/mac/drawingml/2011/main" val="1"/>
             </a:ext>
           </a:extLst>
         </p:spPr>
@@ -2053,7 +2055,7 @@
               </a14:hiddenLine>
             </a:ext>
             <a:ext uri="{FAA26D3D-D897-4be2-8F04-BA451C77F1D7}">
-              <ma14:placeholderFlag xmlns:ma14="http://schemas.microsoft.com/office/mac/drawingml/2011/main" xmlns="" val="1"/>
+              <ma14:placeholderFlag xmlns="" xmlns:ma14="http://schemas.microsoft.com/office/mac/drawingml/2011/main" val="1"/>
             </a:ext>
           </a:extLst>
         </p:spPr>
@@ -2149,7 +2151,7 @@
               <a:pPr>
                 <a:defRPr/>
               </a:pPr>
-              <a:t>October 8, 2021</a:t>
+              <a:t>October 9, 2021</a:t>
             </a:fld>
             <a:endParaRPr lang="en-US"/>
           </a:p>
@@ -2888,6 +2890,726 @@
           <p:cNvPr id="2" name="Title 1">
             <a:extLst>
               <a:ext uri="{FF2B5EF4-FFF2-40B4-BE49-F238E27FC236}">
+                <a16:creationId xmlns:a16="http://schemas.microsoft.com/office/drawing/2014/main" id="{3B75E9DE-0B45-47E9-8400-AA526490CEC7}"/>
+              </a:ext>
+            </a:extLst>
+          </p:cNvPr>
+          <p:cNvSpPr>
+            <a:spLocks noGrp="1"/>
+          </p:cNvSpPr>
+          <p:nvPr>
+            <p:ph type="ctrTitle"/>
+          </p:nvPr>
+        </p:nvSpPr>
+        <p:spPr/>
+        <p:txBody>
+          <a:bodyPr/>
+          <a:lstStyle/>
+          <a:p>
+            <a:r>
+              <a:rPr lang="en-US" dirty="0">
+                <a:solidFill>
+                  <a:schemeClr val="tx1"/>
+                </a:solidFill>
+              </a:rPr>
+              <a:t>Additional Resources</a:t>
+            </a:r>
+          </a:p>
+        </p:txBody>
+      </p:sp>
+      <p:sp>
+        <p:nvSpPr>
+          <p:cNvPr id="4" name="Text Placeholder 2">
+            <a:extLst>
+              <a:ext uri="{FF2B5EF4-FFF2-40B4-BE49-F238E27FC236}">
+                <a16:creationId xmlns:a16="http://schemas.microsoft.com/office/drawing/2014/main" id="{72B0C312-A9D5-48B5-8006-5A22F86127C9}"/>
+              </a:ext>
+            </a:extLst>
+          </p:cNvPr>
+          <p:cNvSpPr txBox="1">
+            <a:spLocks/>
+          </p:cNvSpPr>
+          <p:nvPr/>
+        </p:nvSpPr>
+        <p:spPr bwMode="auto">
+          <a:xfrm>
+            <a:off x="406400" y="1117599"/>
+            <a:ext cx="10993967" cy="4076701"/>
+          </a:xfrm>
+          <a:prstGeom prst="rect">
+            <a:avLst/>
+          </a:prstGeom>
+          <a:noFill/>
+          <a:ln>
+            <a:noFill/>
+          </a:ln>
+          <a:extLst>
+            <a:ext uri="{909E8E84-426E-40DD-AFC4-6F175D3DCCD1}">
+              <a14:hiddenFill xmlns:a14="http://schemas.microsoft.com/office/drawing/2010/main">
+                <a:solidFill>
+                  <a:srgbClr val="FFFFFF"/>
+                </a:solidFill>
+              </a14:hiddenFill>
+            </a:ext>
+            <a:ext uri="{91240B29-F687-4F45-9708-019B960494DF}">
+              <a14:hiddenLine xmlns:a14="http://schemas.microsoft.com/office/drawing/2010/main" w="9525">
+                <a:solidFill>
+                  <a:srgbClr val="000000"/>
+                </a:solidFill>
+                <a:miter lim="800000"/>
+                <a:headEnd/>
+                <a:tailEnd/>
+              </a14:hiddenLine>
+            </a:ext>
+            <a:ext uri="{FAA26D3D-D897-4be2-8F04-BA451C77F1D7}">
+              <ma14:placeholderFlag xmlns="" xmlns:ma14="http://schemas.microsoft.com/office/mac/drawingml/2011/main" val="1"/>
+            </a:ext>
+          </a:extLst>
+        </p:spPr>
+        <p:txBody>
+          <a:bodyPr vert="horz" wrap="square" lIns="91440" tIns="45720" rIns="91440" bIns="45720" numCol="1" anchor="t" anchorCtr="0" compatLnSpc="1">
+            <a:prstTxWarp prst="textNoShape">
+              <a:avLst/>
+            </a:prstTxWarp>
+          </a:bodyPr>
+          <a:lstStyle>
+            <a:lvl1pPr marL="365760" indent="-365760" algn="l" rtl="0" eaLnBrk="0" fontAlgn="base" hangingPunct="0">
+              <a:spcBef>
+                <a:spcPct val="0"/>
+              </a:spcBef>
+              <a:spcAft>
+                <a:spcPct val="0"/>
+              </a:spcAft>
+              <a:buClr>
+                <a:srgbClr val="008BAC"/>
+              </a:buClr>
+              <a:buSzPct val="70000"/>
+              <a:buFont typeface="Wingdings" panose="05000000000000000000" pitchFamily="2" charset="2"/>
+              <a:buChar char="§"/>
+              <a:defRPr lang="en-US" sz="2800" b="0" i="0" kern="1200" smtClean="0">
+                <a:solidFill>
+                  <a:srgbClr val="285B7C"/>
+                </a:solidFill>
+                <a:latin typeface="+mj-lt"/>
+                <a:ea typeface="Lato" panose="020F0502020204030203" pitchFamily="34" charset="0"/>
+                <a:cs typeface="Lato" panose="020F0502020204030203" pitchFamily="34" charset="0"/>
+              </a:defRPr>
+            </a:lvl1pPr>
+            <a:lvl2pPr marL="742950" indent="-342900" algn="l" rtl="0" eaLnBrk="1" fontAlgn="base" hangingPunct="1">
+              <a:spcBef>
+                <a:spcPts val="500"/>
+              </a:spcBef>
+              <a:spcAft>
+                <a:spcPct val="0"/>
+              </a:spcAft>
+              <a:buClr>
+                <a:srgbClr val="008BAC"/>
+              </a:buClr>
+              <a:buFont typeface="Wingdings" panose="05000000000000000000" pitchFamily="2" charset="2"/>
+              <a:buChar char="§"/>
+              <a:defRPr sz="2000" b="0" i="0" kern="1200">
+                <a:solidFill>
+                  <a:srgbClr val="5E6976"/>
+                </a:solidFill>
+                <a:latin typeface="+mj-lt"/>
+                <a:ea typeface="Lato" panose="020F0502020204030203" pitchFamily="34" charset="0"/>
+                <a:cs typeface="Lato" panose="020F0502020204030203" pitchFamily="34" charset="0"/>
+              </a:defRPr>
+            </a:lvl2pPr>
+            <a:lvl3pPr marL="858838" indent="-228600" algn="l" rtl="0" eaLnBrk="1" fontAlgn="base" hangingPunct="1">
+              <a:spcBef>
+                <a:spcPts val="500"/>
+              </a:spcBef>
+              <a:spcAft>
+                <a:spcPct val="0"/>
+              </a:spcAft>
+              <a:buClr>
+                <a:srgbClr val="008BAC"/>
+              </a:buClr>
+              <a:buSzPct val="60000"/>
+              <a:buFont typeface="Wingdings" panose="05000000000000000000" pitchFamily="2" charset="2"/>
+              <a:buChar char="§"/>
+              <a:defRPr kern="1200">
+                <a:solidFill>
+                  <a:schemeClr val="tx1"/>
+                </a:solidFill>
+                <a:latin typeface="+mj-lt"/>
+                <a:ea typeface="Lato" panose="020F0502020204030203" pitchFamily="34" charset="0"/>
+                <a:cs typeface="Lato" panose="020F0502020204030203" pitchFamily="34" charset="0"/>
+              </a:defRPr>
+            </a:lvl3pPr>
+            <a:lvl4pPr marL="1144587" indent="-285750" algn="l" rtl="0" eaLnBrk="1" fontAlgn="base" hangingPunct="1">
+              <a:spcBef>
+                <a:spcPts val="500"/>
+              </a:spcBef>
+              <a:spcAft>
+                <a:spcPct val="0"/>
+              </a:spcAft>
+              <a:buClr>
+                <a:srgbClr val="008BAC"/>
+              </a:buClr>
+              <a:buFont typeface="Wingdings" panose="05000000000000000000" pitchFamily="2" charset="2"/>
+              <a:buChar char="§"/>
+              <a:defRPr sz="1600" kern="1200">
+                <a:solidFill>
+                  <a:schemeClr val="tx1"/>
+                </a:solidFill>
+                <a:latin typeface="+mj-lt"/>
+                <a:ea typeface="Lato" panose="020F0502020204030203" pitchFamily="34" charset="0"/>
+                <a:cs typeface="Lato" panose="020F0502020204030203" pitchFamily="34" charset="0"/>
+              </a:defRPr>
+            </a:lvl4pPr>
+            <a:lvl5pPr marL="2057400" indent="-228600" algn="l" rtl="0" eaLnBrk="1" fontAlgn="base" hangingPunct="1">
+              <a:spcBef>
+                <a:spcPts val="500"/>
+              </a:spcBef>
+              <a:spcAft>
+                <a:spcPct val="0"/>
+              </a:spcAft>
+              <a:buClr>
+                <a:srgbClr val="008BAC"/>
+              </a:buClr>
+              <a:buFont typeface="Wingdings" charset="2"/>
+              <a:buChar char="§"/>
+              <a:defRPr sz="1400" kern="1200">
+                <a:solidFill>
+                  <a:schemeClr val="tx1"/>
+                </a:solidFill>
+                <a:latin typeface="+mj-lt"/>
+                <a:ea typeface="Lato" panose="020F0502020204030203" pitchFamily="34" charset="0"/>
+                <a:cs typeface="Lato" panose="020F0502020204030203" pitchFamily="34" charset="0"/>
+              </a:defRPr>
+            </a:lvl5pPr>
+            <a:lvl6pPr marL="2514600" indent="-228600" algn="l" defTabSz="914400" rtl="0" eaLnBrk="1" latinLnBrk="0" hangingPunct="1">
+              <a:lnSpc>
+                <a:spcPct val="90000"/>
+              </a:lnSpc>
+              <a:spcBef>
+                <a:spcPts val="500"/>
+              </a:spcBef>
+              <a:buFont typeface="Arial"/>
+              <a:buChar char="•"/>
+              <a:defRPr sz="1800" kern="1200">
+                <a:solidFill>
+                  <a:schemeClr val="tx1"/>
+                </a:solidFill>
+                <a:latin typeface="+mn-lt"/>
+                <a:ea typeface="+mn-ea"/>
+                <a:cs typeface="+mn-cs"/>
+              </a:defRPr>
+            </a:lvl6pPr>
+            <a:lvl7pPr marL="2971800" indent="-228600" algn="l" defTabSz="914400" rtl="0" eaLnBrk="1" latinLnBrk="0" hangingPunct="1">
+              <a:lnSpc>
+                <a:spcPct val="90000"/>
+              </a:lnSpc>
+              <a:spcBef>
+                <a:spcPts val="500"/>
+              </a:spcBef>
+              <a:buFont typeface="Arial"/>
+              <a:buChar char="•"/>
+              <a:defRPr sz="1800" kern="1200">
+                <a:solidFill>
+                  <a:schemeClr val="tx1"/>
+                </a:solidFill>
+                <a:latin typeface="+mn-lt"/>
+                <a:ea typeface="+mn-ea"/>
+                <a:cs typeface="+mn-cs"/>
+              </a:defRPr>
+            </a:lvl7pPr>
+            <a:lvl8pPr marL="3429000" indent="-228600" algn="l" defTabSz="914400" rtl="0" eaLnBrk="1" latinLnBrk="0" hangingPunct="1">
+              <a:lnSpc>
+                <a:spcPct val="90000"/>
+              </a:lnSpc>
+              <a:spcBef>
+                <a:spcPts val="500"/>
+              </a:spcBef>
+              <a:buFont typeface="Arial"/>
+              <a:buChar char="•"/>
+              <a:defRPr sz="1800" kern="1200">
+                <a:solidFill>
+                  <a:schemeClr val="tx1"/>
+                </a:solidFill>
+                <a:latin typeface="+mn-lt"/>
+                <a:ea typeface="+mn-ea"/>
+                <a:cs typeface="+mn-cs"/>
+              </a:defRPr>
+            </a:lvl8pPr>
+            <a:lvl9pPr marL="3886200" indent="-228600" algn="l" defTabSz="914400" rtl="0" eaLnBrk="1" latinLnBrk="0" hangingPunct="1">
+              <a:lnSpc>
+                <a:spcPct val="90000"/>
+              </a:lnSpc>
+              <a:spcBef>
+                <a:spcPts val="500"/>
+              </a:spcBef>
+              <a:buFont typeface="Arial"/>
+              <a:buChar char="•"/>
+              <a:defRPr sz="1800" kern="1200">
+                <a:solidFill>
+                  <a:schemeClr val="tx1"/>
+                </a:solidFill>
+                <a:latin typeface="+mn-lt"/>
+                <a:ea typeface="+mn-ea"/>
+                <a:cs typeface="+mn-cs"/>
+              </a:defRPr>
+            </a:lvl9pPr>
+          </a:lstStyle>
+          <a:p>
+            <a:pPr marL="228600" indent="-228600">
+              <a:spcBef>
+                <a:spcPts val="600"/>
+              </a:spcBef>
+              <a:buClr>
+                <a:srgbClr val="285B7C"/>
+              </a:buClr>
+              <a:buFont typeface="Wingdings" panose="05000000000000000000" pitchFamily="2" charset="2"/>
+              <a:buChar char="Ø"/>
+            </a:pPr>
+            <a:r>
+              <a:rPr lang="en-US" sz="2000" b="1" dirty="0"/>
+              <a:t>Slides, Data &amp; Scripts</a:t>
+            </a:r>
+          </a:p>
+          <a:p>
+            <a:pPr marL="377190" lvl="1" indent="0">
+              <a:spcBef>
+                <a:spcPts val="600"/>
+              </a:spcBef>
+              <a:buClr>
+                <a:srgbClr val="285B7C"/>
+              </a:buClr>
+              <a:buNone/>
+            </a:pPr>
+            <a:r>
+              <a:rPr lang="en-US" sz="1200" b="1" dirty="0">
+                <a:hlinkClick r:id="rId2"/>
+              </a:rPr>
+              <a:t>https://github.com/newtpm/iia-birmingham</a:t>
+            </a:r>
+            <a:endParaRPr lang="en-US" sz="1200" b="1" dirty="0"/>
+          </a:p>
+          <a:p>
+            <a:pPr marL="377190" lvl="1" indent="0">
+              <a:spcBef>
+                <a:spcPts val="600"/>
+              </a:spcBef>
+              <a:buClr>
+                <a:srgbClr val="285B7C"/>
+              </a:buClr>
+              <a:buNone/>
+            </a:pPr>
+            <a:endParaRPr lang="en-US" sz="1000" dirty="0">
+              <a:solidFill>
+                <a:srgbClr val="285B7C"/>
+              </a:solidFill>
+            </a:endParaRPr>
+          </a:p>
+          <a:p>
+            <a:pPr marL="228600" indent="-228600">
+              <a:spcBef>
+                <a:spcPts val="600"/>
+              </a:spcBef>
+              <a:buClr>
+                <a:srgbClr val="285B7C"/>
+              </a:buClr>
+              <a:buFont typeface="Wingdings" panose="05000000000000000000" pitchFamily="2" charset="2"/>
+              <a:buChar char="Ø"/>
+            </a:pPr>
+            <a:r>
+              <a:rPr lang="en-US" sz="2000" b="1" dirty="0"/>
+              <a:t>Getting Started with R – RStudio</a:t>
+            </a:r>
+          </a:p>
+          <a:p>
+            <a:pPr marL="377190" lvl="1" indent="0">
+              <a:spcBef>
+                <a:spcPts val="600"/>
+              </a:spcBef>
+              <a:buClr>
+                <a:srgbClr val="285B7C"/>
+              </a:buClr>
+              <a:buNone/>
+            </a:pPr>
+            <a:r>
+              <a:rPr lang="en-US" sz="1200" b="1" dirty="0">
+                <a:hlinkClick r:id="rId3"/>
+              </a:rPr>
+              <a:t>https://www.rstudio.com/</a:t>
+            </a:r>
+          </a:p>
+          <a:p>
+            <a:pPr marL="377190" lvl="1" indent="0">
+              <a:spcBef>
+                <a:spcPts val="600"/>
+              </a:spcBef>
+              <a:buClr>
+                <a:srgbClr val="285B7C"/>
+              </a:buClr>
+              <a:buNone/>
+            </a:pPr>
+            <a:r>
+              <a:rPr lang="en-US" sz="1200" b="1" dirty="0">
+                <a:hlinkClick r:id="rId3"/>
+              </a:rPr>
+              <a:t>https://education.rstudio.com/learn/beginner/</a:t>
+            </a:r>
+            <a:endParaRPr lang="en-US" sz="1200" b="1" dirty="0"/>
+          </a:p>
+          <a:p>
+            <a:pPr marL="377190" lvl="1" indent="0">
+              <a:spcBef>
+                <a:spcPts val="600"/>
+              </a:spcBef>
+              <a:buClr>
+                <a:srgbClr val="285B7C"/>
+              </a:buClr>
+              <a:buNone/>
+            </a:pPr>
+            <a:endParaRPr lang="en-US" sz="1200" b="1" dirty="0"/>
+          </a:p>
+          <a:p>
+            <a:pPr marL="228600" lvl="1" indent="-228600" eaLnBrk="0" hangingPunct="0">
+              <a:spcBef>
+                <a:spcPts val="600"/>
+              </a:spcBef>
+              <a:buClr>
+                <a:srgbClr val="285B7C"/>
+              </a:buClr>
+              <a:buSzPct val="70000"/>
+              <a:buFont typeface="Wingdings" panose="05000000000000000000" pitchFamily="2" charset="2"/>
+              <a:buChar char="Ø"/>
+            </a:pPr>
+            <a:r>
+              <a:rPr lang="en-US" b="1" dirty="0">
+                <a:solidFill>
+                  <a:srgbClr val="285B7C"/>
+                </a:solidFill>
+              </a:rPr>
+              <a:t>Tidy Tuesday</a:t>
+            </a:r>
+            <a:endParaRPr lang="en-US" sz="1200" b="1" dirty="0"/>
+          </a:p>
+          <a:p>
+            <a:pPr marL="377190" lvl="1" indent="0">
+              <a:spcBef>
+                <a:spcPts val="600"/>
+              </a:spcBef>
+              <a:buClr>
+                <a:srgbClr val="285B7C"/>
+              </a:buClr>
+              <a:buNone/>
+            </a:pPr>
+            <a:r>
+              <a:rPr lang="en-US" sz="1200" b="1" dirty="0">
+                <a:hlinkClick r:id="rId4"/>
+              </a:rPr>
+              <a:t>https://github.com/rfordatascience/tidytuesday</a:t>
+            </a:r>
+            <a:endParaRPr lang="en-US" sz="1200" b="1" dirty="0"/>
+          </a:p>
+          <a:p>
+            <a:pPr marL="377190" lvl="1" indent="0">
+              <a:spcBef>
+                <a:spcPts val="600"/>
+              </a:spcBef>
+              <a:buClr>
+                <a:srgbClr val="285B7C"/>
+              </a:buClr>
+              <a:buNone/>
+            </a:pPr>
+            <a:r>
+              <a:rPr lang="en-US" sz="1200" b="1" dirty="0">
+                <a:hlinkClick r:id="rId5"/>
+              </a:rPr>
+              <a:t>https://www.youtube.com/playlist?list=PL19ev-r1GBwkuyiwnxoHTRC8TTqP8OEi8</a:t>
+            </a:r>
+            <a:endParaRPr lang="en-US" sz="1200" b="1" dirty="0"/>
+          </a:p>
+          <a:p>
+            <a:pPr marL="377190" lvl="1" indent="0">
+              <a:spcBef>
+                <a:spcPts val="600"/>
+              </a:spcBef>
+              <a:buClr>
+                <a:srgbClr val="285B7C"/>
+              </a:buClr>
+              <a:buNone/>
+            </a:pPr>
+            <a:endParaRPr lang="en-US" sz="1200" b="1" dirty="0"/>
+          </a:p>
+          <a:p>
+            <a:pPr marL="377190" lvl="1" indent="0">
+              <a:spcBef>
+                <a:spcPts val="600"/>
+              </a:spcBef>
+              <a:buClr>
+                <a:srgbClr val="285B7C"/>
+              </a:buClr>
+              <a:buNone/>
+            </a:pPr>
+            <a:endParaRPr lang="en-US" sz="1200" b="1" dirty="0"/>
+          </a:p>
+          <a:p>
+            <a:pPr marL="377190" lvl="1" indent="0">
+              <a:spcBef>
+                <a:spcPts val="600"/>
+              </a:spcBef>
+              <a:buClr>
+                <a:srgbClr val="285B7C"/>
+              </a:buClr>
+              <a:buNone/>
+            </a:pPr>
+            <a:endParaRPr lang="en-US" sz="1200" b="1" dirty="0"/>
+          </a:p>
+          <a:p>
+            <a:pPr marL="0" indent="0">
+              <a:buFont typeface="Wingdings" panose="05000000000000000000" pitchFamily="2" charset="2"/>
+              <a:buNone/>
+            </a:pPr>
+            <a:endParaRPr lang="en-US" sz="2000" dirty="0"/>
+          </a:p>
+        </p:txBody>
+      </p:sp>
+    </p:spTree>
+    <p:extLst>
+      <p:ext uri="{BB962C8B-B14F-4D97-AF65-F5344CB8AC3E}">
+        <p14:creationId xmlns:p14="http://schemas.microsoft.com/office/powerpoint/2010/main" val="1828745366"/>
+      </p:ext>
+    </p:extLst>
+  </p:cSld>
+  <p:clrMapOvr>
+    <a:masterClrMapping/>
+  </p:clrMapOvr>
+  <p:timing>
+    <p:tnLst>
+      <p:par>
+        <p:cTn id="1" dur="indefinite" restart="never" nodeType="tmRoot">
+          <p:childTnLst>
+            <p:seq concurrent="1" nextAc="seek">
+              <p:cTn id="2" dur="indefinite" nodeType="mainSeq">
+                <p:childTnLst>
+                  <p:par>
+                    <p:cTn id="3" fill="hold">
+                      <p:stCondLst>
+                        <p:cond delay="indefinite"/>
+                      </p:stCondLst>
+                      <p:childTnLst>
+                        <p:par>
+                          <p:cTn id="4" fill="hold">
+                            <p:stCondLst>
+                              <p:cond delay="0"/>
+                            </p:stCondLst>
+                            <p:childTnLst>
+                              <p:par>
+                                <p:cTn id="5" presetID="42" presetClass="entr" presetSubtype="0" fill="hold" grpId="0" nodeType="clickEffect">
+                                  <p:stCondLst>
+                                    <p:cond delay="0"/>
+                                  </p:stCondLst>
+                                  <p:childTnLst>
+                                    <p:set>
+                                      <p:cBhvr>
+                                        <p:cTn id="6" dur="1" fill="hold">
+                                          <p:stCondLst>
+                                            <p:cond delay="0"/>
+                                          </p:stCondLst>
+                                        </p:cTn>
+                                        <p:tgtEl>
+                                          <p:spTgt spid="4"/>
+                                        </p:tgtEl>
+                                        <p:attrNameLst>
+                                          <p:attrName>style.visibility</p:attrName>
+                                        </p:attrNameLst>
+                                      </p:cBhvr>
+                                      <p:to>
+                                        <p:strVal val="visible"/>
+                                      </p:to>
+                                    </p:set>
+                                    <p:animEffect transition="in" filter="fade">
+                                      <p:cBhvr>
+                                        <p:cTn id="7" dur="1000"/>
+                                        <p:tgtEl>
+                                          <p:spTgt spid="4"/>
+                                        </p:tgtEl>
+                                      </p:cBhvr>
+                                    </p:animEffect>
+                                    <p:anim calcmode="lin" valueType="num">
+                                      <p:cBhvr>
+                                        <p:cTn id="8" dur="1000" fill="hold"/>
+                                        <p:tgtEl>
+                                          <p:spTgt spid="4"/>
+                                        </p:tgtEl>
+                                        <p:attrNameLst>
+                                          <p:attrName>ppt_x</p:attrName>
+                                        </p:attrNameLst>
+                                      </p:cBhvr>
+                                      <p:tavLst>
+                                        <p:tav tm="0">
+                                          <p:val>
+                                            <p:strVal val="#ppt_x"/>
+                                          </p:val>
+                                        </p:tav>
+                                        <p:tav tm="100000">
+                                          <p:val>
+                                            <p:strVal val="#ppt_x"/>
+                                          </p:val>
+                                        </p:tav>
+                                      </p:tavLst>
+                                    </p:anim>
+                                    <p:anim calcmode="lin" valueType="num">
+                                      <p:cBhvr>
+                                        <p:cTn id="9" dur="1000" fill="hold"/>
+                                        <p:tgtEl>
+                                          <p:spTgt spid="4"/>
+                                        </p:tgtEl>
+                                        <p:attrNameLst>
+                                          <p:attrName>ppt_y</p:attrName>
+                                        </p:attrNameLst>
+                                      </p:cBhvr>
+                                      <p:tavLst>
+                                        <p:tav tm="0">
+                                          <p:val>
+                                            <p:strVal val="#ppt_y+.1"/>
+                                          </p:val>
+                                        </p:tav>
+                                        <p:tav tm="100000">
+                                          <p:val>
+                                            <p:strVal val="#ppt_y"/>
+                                          </p:val>
+                                        </p:tav>
+                                      </p:tavLst>
+                                    </p:anim>
+                                  </p:childTnLst>
+                                </p:cTn>
+                              </p:par>
+                            </p:childTnLst>
+                          </p:cTn>
+                        </p:par>
+                      </p:childTnLst>
+                    </p:cTn>
+                  </p:par>
+                </p:childTnLst>
+              </p:cTn>
+              <p:prevCondLst>
+                <p:cond evt="onPrev" delay="0">
+                  <p:tgtEl>
+                    <p:sldTgt/>
+                  </p:tgtEl>
+                </p:cond>
+              </p:prevCondLst>
+              <p:nextCondLst>
+                <p:cond evt="onNext" delay="0">
+                  <p:tgtEl>
+                    <p:sldTgt/>
+                  </p:tgtEl>
+                </p:cond>
+              </p:nextCondLst>
+            </p:seq>
+          </p:childTnLst>
+        </p:cTn>
+      </p:par>
+    </p:tnLst>
+    <p:bldLst>
+      <p:bldP spid="4" grpId="0"/>
+    </p:bldLst>
+  </p:timing>
+</p:sld>
+</file>
+
+<file path=ppt/slides/slide11.xml><?xml version="1.0" encoding="utf-8"?>
+<p:sld xmlns:a="http://schemas.openxmlformats.org/drawingml/2006/main" xmlns:r="http://schemas.openxmlformats.org/officeDocument/2006/relationships" xmlns:p="http://schemas.openxmlformats.org/presentationml/2006/main">
+  <p:cSld>
+    <p:spTree>
+      <p:nvGrpSpPr>
+        <p:cNvPr id="1" name=""/>
+        <p:cNvGrpSpPr/>
+        <p:nvPr/>
+      </p:nvGrpSpPr>
+      <p:grpSpPr>
+        <a:xfrm>
+          <a:off x="0" y="0"/>
+          <a:ext cx="0" cy="0"/>
+          <a:chOff x="0" y="0"/>
+          <a:chExt cx="0" cy="0"/>
+        </a:xfrm>
+      </p:grpSpPr>
+      <p:sp>
+        <p:nvSpPr>
+          <p:cNvPr id="2" name="Title 1">
+            <a:extLst>
+              <a:ext uri="{FF2B5EF4-FFF2-40B4-BE49-F238E27FC236}">
+                <a16:creationId xmlns:a16="http://schemas.microsoft.com/office/drawing/2014/main" id="{6F224860-9A1A-4481-9763-8D9FAFC2B45B}"/>
+              </a:ext>
+            </a:extLst>
+          </p:cNvPr>
+          <p:cNvSpPr>
+            <a:spLocks noGrp="1"/>
+          </p:cNvSpPr>
+          <p:nvPr>
+            <p:ph type="ctrTitle"/>
+          </p:nvPr>
+        </p:nvSpPr>
+        <p:spPr>
+          <a:xfrm>
+            <a:off x="406400" y="2284366"/>
+            <a:ext cx="9794444" cy="1144633"/>
+          </a:xfrm>
+        </p:spPr>
+        <p:txBody>
+          <a:bodyPr/>
+          <a:lstStyle/>
+          <a:p>
+            <a:pPr>
+              <a:lnSpc>
+                <a:spcPct val="90000"/>
+              </a:lnSpc>
+            </a:pPr>
+            <a:r>
+              <a:rPr lang="en-US" dirty="0">
+                <a:solidFill>
+                  <a:schemeClr val="tx1"/>
+                </a:solidFill>
+                <a:latin typeface="+mj-lt"/>
+                <a:cs typeface="Segoe UI" panose="020B0502040204020203" pitchFamily="34" charset="0"/>
+              </a:rPr>
+              <a:t>Additional Slides</a:t>
+            </a:r>
+          </a:p>
+        </p:txBody>
+      </p:sp>
+    </p:spTree>
+    <p:extLst>
+      <p:ext uri="{BB962C8B-B14F-4D97-AF65-F5344CB8AC3E}">
+        <p14:creationId xmlns:p14="http://schemas.microsoft.com/office/powerpoint/2010/main" val="782269127"/>
+      </p:ext>
+    </p:extLst>
+  </p:cSld>
+  <p:clrMapOvr>
+    <a:masterClrMapping/>
+  </p:clrMapOvr>
+</p:sld>
+</file>
+
+<file path=ppt/slides/slide12.xml><?xml version="1.0" encoding="utf-8"?>
+<p:sld xmlns:a="http://schemas.openxmlformats.org/drawingml/2006/main" xmlns:r="http://schemas.openxmlformats.org/officeDocument/2006/relationships" xmlns:p="http://schemas.openxmlformats.org/presentationml/2006/main">
+  <p:cSld>
+    <p:spTree>
+      <p:nvGrpSpPr>
+        <p:cNvPr id="1" name=""/>
+        <p:cNvGrpSpPr/>
+        <p:nvPr/>
+      </p:nvGrpSpPr>
+      <p:grpSpPr>
+        <a:xfrm>
+          <a:off x="0" y="0"/>
+          <a:ext cx="0" cy="0"/>
+          <a:chOff x="0" y="0"/>
+          <a:chExt cx="0" cy="0"/>
+        </a:xfrm>
+      </p:grpSpPr>
+      <p:sp>
+        <p:nvSpPr>
+          <p:cNvPr id="2" name="Title 1">
+            <a:extLst>
+              <a:ext uri="{FF2B5EF4-FFF2-40B4-BE49-F238E27FC236}">
                 <a16:creationId xmlns:a16="http://schemas.microsoft.com/office/drawing/2014/main" id="{2EC1C568-73A4-4493-A67D-FC3663EAD741}"/>
               </a:ext>
             </a:extLst>
@@ -3565,7 +4287,7 @@
               </a14:hiddenLine>
             </a:ext>
             <a:ext uri="{FAA26D3D-D897-4be2-8F04-BA451C77F1D7}">
-              <ma14:placeholderFlag xmlns:ma14="http://schemas.microsoft.com/office/mac/drawingml/2011/main" xmlns="" val="1"/>
+              <ma14:placeholderFlag xmlns="" xmlns:ma14="http://schemas.microsoft.com/office/mac/drawingml/2011/main" val="1"/>
             </a:ext>
           </a:extLst>
         </p:spPr>
@@ -4049,7 +4771,7 @@
               </a14:hiddenLine>
             </a:ext>
             <a:ext uri="{FAA26D3D-D897-4be2-8F04-BA451C77F1D7}">
-              <ma14:placeholderFlag xmlns="" xmlns:ma14="http://schemas.microsoft.com/office/mac/drawingml/2011/main" val="1"/>
+              <ma14:placeholderFlag xmlns:ma14="http://schemas.microsoft.com/office/mac/drawingml/2011/main" xmlns="" val="1"/>
             </a:ext>
           </a:extLst>
         </p:spPr>
@@ -4994,7 +5716,7 @@
               </a14:hiddenLine>
             </a:ext>
             <a:ext uri="{FAA26D3D-D897-4be2-8F04-BA451C77F1D7}">
-              <ma14:placeholderFlag xmlns="" xmlns:ma14="http://schemas.microsoft.com/office/mac/drawingml/2011/main" val="1"/>
+              <ma14:placeholderFlag xmlns:ma14="http://schemas.microsoft.com/office/mac/drawingml/2011/main" xmlns="" val="1"/>
             </a:ext>
           </a:extLst>
         </p:spPr>
@@ -6103,7 +6825,7 @@
               </a14:hiddenLine>
             </a:ext>
             <a:ext uri="{FAA26D3D-D897-4be2-8F04-BA451C77F1D7}">
-              <ma14:placeholderFlag xmlns="" xmlns:ma14="http://schemas.microsoft.com/office/mac/drawingml/2011/main" val="1"/>
+              <ma14:placeholderFlag xmlns:ma14="http://schemas.microsoft.com/office/mac/drawingml/2011/main" xmlns="" val="1"/>
             </a:ext>
           </a:extLst>
         </p:spPr>
@@ -6559,7 +7281,7 @@
           <p:cNvPr id="2" name="Title 1">
             <a:extLst>
               <a:ext uri="{FF2B5EF4-FFF2-40B4-BE49-F238E27FC236}">
-                <a16:creationId xmlns:a16="http://schemas.microsoft.com/office/drawing/2014/main" id="{6F224860-9A1A-4481-9763-8D9FAFC2B45B}"/>
+                <a16:creationId xmlns:a16="http://schemas.microsoft.com/office/drawing/2014/main" id="{3B75E9DE-0B45-47E9-8400-AA526490CEC7}"/>
               </a:ext>
             </a:extLst>
           </p:cNvPr>
@@ -6570,44 +7292,372 @@
             <p:ph type="ctrTitle"/>
           </p:nvPr>
         </p:nvSpPr>
-        <p:spPr>
-          <a:xfrm>
-            <a:off x="406400" y="2284366"/>
-            <a:ext cx="9794444" cy="1144633"/>
-          </a:xfrm>
-        </p:spPr>
+        <p:spPr/>
         <p:txBody>
           <a:bodyPr/>
           <a:lstStyle/>
           <a:p>
-            <a:pPr>
-              <a:lnSpc>
-                <a:spcPct val="90000"/>
-              </a:lnSpc>
-            </a:pPr>
             <a:r>
               <a:rPr lang="en-US" dirty="0">
                 <a:solidFill>
                   <a:schemeClr val="tx1"/>
                 </a:solidFill>
-                <a:latin typeface="+mj-lt"/>
-                <a:cs typeface="Segoe UI" panose="020B0502040204020203" pitchFamily="34" charset="0"/>
               </a:rPr>
-              <a:t>Additional Slides</a:t>
+              <a:t>Today’s Load Function</a:t>
             </a:r>
           </a:p>
         </p:txBody>
       </p:sp>
+      <p:sp>
+        <p:nvSpPr>
+          <p:cNvPr id="3" name="TextBox 2">
+            <a:extLst>
+              <a:ext uri="{FF2B5EF4-FFF2-40B4-BE49-F238E27FC236}">
+                <a16:creationId xmlns:a16="http://schemas.microsoft.com/office/drawing/2014/main" id="{75074EFB-2DA3-4947-A782-4C55AAE65B6B}"/>
+              </a:ext>
+            </a:extLst>
+          </p:cNvPr>
+          <p:cNvSpPr txBox="1"/>
+          <p:nvPr/>
+        </p:nvSpPr>
+        <p:spPr>
+          <a:xfrm>
+            <a:off x="2789753" y="1832861"/>
+            <a:ext cx="2336800" cy="307777"/>
+          </a:xfrm>
+          <a:prstGeom prst="rect">
+            <a:avLst/>
+          </a:prstGeom>
+          <a:noFill/>
+        </p:spPr>
+        <p:txBody>
+          <a:bodyPr wrap="square" rtlCol="0">
+            <a:spAutoFit/>
+          </a:bodyPr>
+          <a:lstStyle/>
+          <a:p>
+            <a:r>
+              <a:rPr lang="en-US" sz="1400" b="1" dirty="0" err="1">
+                <a:solidFill>
+                  <a:srgbClr val="285B7C"/>
+                </a:solidFill>
+                <a:latin typeface="Calibri Light" panose="020F0302020204030204" pitchFamily="34" charset="0"/>
+                <a:cs typeface="Calibri Light" panose="020F0302020204030204" pitchFamily="34" charset="0"/>
+              </a:rPr>
+              <a:t>pcard_load</a:t>
+            </a:r>
+            <a:r>
+              <a:rPr lang="en-US" sz="1400" b="1" dirty="0">
+                <a:solidFill>
+                  <a:srgbClr val="285B7C"/>
+                </a:solidFill>
+                <a:latin typeface="Calibri Light" panose="020F0302020204030204" pitchFamily="34" charset="0"/>
+                <a:cs typeface="Calibri Light" panose="020F0302020204030204" pitchFamily="34" charset="0"/>
+              </a:rPr>
+              <a:t>{</a:t>
+            </a:r>
+          </a:p>
+        </p:txBody>
+      </p:sp>
+      <p:sp>
+        <p:nvSpPr>
+          <p:cNvPr id="7" name="TextBox 6">
+            <a:extLst>
+              <a:ext uri="{FF2B5EF4-FFF2-40B4-BE49-F238E27FC236}">
+                <a16:creationId xmlns:a16="http://schemas.microsoft.com/office/drawing/2014/main" id="{5D385C5E-93EC-4DB9-B1C5-26D0E625F901}"/>
+              </a:ext>
+            </a:extLst>
+          </p:cNvPr>
+          <p:cNvSpPr txBox="1"/>
+          <p:nvPr/>
+        </p:nvSpPr>
+        <p:spPr>
+          <a:xfrm>
+            <a:off x="7848599" y="4440315"/>
+            <a:ext cx="1553633" cy="307777"/>
+          </a:xfrm>
+          <a:prstGeom prst="rect">
+            <a:avLst/>
+          </a:prstGeom>
+          <a:noFill/>
+        </p:spPr>
+        <p:txBody>
+          <a:bodyPr wrap="square" rtlCol="0">
+            <a:spAutoFit/>
+          </a:bodyPr>
+          <a:lstStyle/>
+          <a:p>
+            <a:r>
+              <a:rPr lang="en-US" sz="1400" b="1" dirty="0">
+                <a:solidFill>
+                  <a:srgbClr val="285B7C"/>
+                </a:solidFill>
+                <a:latin typeface="Calibri Light" panose="020F0302020204030204" pitchFamily="34" charset="0"/>
+                <a:cs typeface="Calibri Light" panose="020F0302020204030204" pitchFamily="34" charset="0"/>
+              </a:rPr>
+              <a:t>}</a:t>
+            </a:r>
+          </a:p>
+        </p:txBody>
+      </p:sp>
+      <p:sp>
+        <p:nvSpPr>
+          <p:cNvPr id="8" name="TextBox 7">
+            <a:extLst>
+              <a:ext uri="{FF2B5EF4-FFF2-40B4-BE49-F238E27FC236}">
+                <a16:creationId xmlns:a16="http://schemas.microsoft.com/office/drawing/2014/main" id="{67F23A1F-32D6-46EB-A4E4-EB5D23446BBF}"/>
+              </a:ext>
+            </a:extLst>
+          </p:cNvPr>
+          <p:cNvSpPr txBox="1"/>
+          <p:nvPr/>
+        </p:nvSpPr>
+        <p:spPr>
+          <a:xfrm>
+            <a:off x="1841500" y="5422900"/>
+            <a:ext cx="2650067" cy="369332"/>
+          </a:xfrm>
+          <a:prstGeom prst="rect">
+            <a:avLst/>
+          </a:prstGeom>
+          <a:noFill/>
+        </p:spPr>
+        <p:txBody>
+          <a:bodyPr wrap="square" rtlCol="0">
+            <a:spAutoFit/>
+          </a:bodyPr>
+          <a:lstStyle/>
+          <a:p>
+            <a:r>
+              <a:rPr lang="en-US" dirty="0">
+                <a:solidFill>
+                  <a:srgbClr val="285B7C"/>
+                </a:solidFill>
+                <a:latin typeface="Calibri Light" panose="020F0302020204030204" pitchFamily="34" charset="0"/>
+                <a:cs typeface="Calibri Light" panose="020F0302020204030204" pitchFamily="34" charset="0"/>
+              </a:rPr>
+              <a:t>~~ 3-4 hours of excel work</a:t>
+            </a:r>
+          </a:p>
+        </p:txBody>
+      </p:sp>
+      <p:sp>
+        <p:nvSpPr>
+          <p:cNvPr id="9" name="TextBox 8">
+            <a:extLst>
+              <a:ext uri="{FF2B5EF4-FFF2-40B4-BE49-F238E27FC236}">
+                <a16:creationId xmlns:a16="http://schemas.microsoft.com/office/drawing/2014/main" id="{2F9D8529-BB52-44FE-89E9-F376D7CF2877}"/>
+              </a:ext>
+            </a:extLst>
+          </p:cNvPr>
+          <p:cNvSpPr txBox="1"/>
+          <p:nvPr/>
+        </p:nvSpPr>
+        <p:spPr>
+          <a:xfrm>
+            <a:off x="5050367" y="5413923"/>
+            <a:ext cx="3437466" cy="646331"/>
+          </a:xfrm>
+          <a:prstGeom prst="rect">
+            <a:avLst/>
+          </a:prstGeom>
+          <a:noFill/>
+        </p:spPr>
+        <p:txBody>
+          <a:bodyPr wrap="square" rtlCol="0">
+            <a:spAutoFit/>
+          </a:bodyPr>
+          <a:lstStyle/>
+          <a:p>
+            <a:r>
+              <a:rPr lang="en-US" dirty="0">
+                <a:solidFill>
+                  <a:srgbClr val="285B7C"/>
+                </a:solidFill>
+                <a:latin typeface="Calibri Light" panose="020F0302020204030204" pitchFamily="34" charset="0"/>
+                <a:cs typeface="Calibri Light" panose="020F0302020204030204" pitchFamily="34" charset="0"/>
+              </a:rPr>
+              <a:t>~~ 4 seconds of runtime</a:t>
+            </a:r>
+          </a:p>
+          <a:p>
+            <a:r>
+              <a:rPr lang="en-US" dirty="0">
+                <a:solidFill>
+                  <a:srgbClr val="285B7C"/>
+                </a:solidFill>
+                <a:latin typeface="Calibri Light" panose="020F0302020204030204" pitchFamily="34" charset="0"/>
+                <a:cs typeface="Calibri Light" panose="020F0302020204030204" pitchFamily="34" charset="0"/>
+              </a:rPr>
+              <a:t>~~ 1-2 hours of setup (once)</a:t>
+            </a:r>
+          </a:p>
+        </p:txBody>
+      </p:sp>
+      <p:pic>
+        <p:nvPicPr>
+          <p:cNvPr id="10" name="Picture 9">
+            <a:extLst>
+              <a:ext uri="{FF2B5EF4-FFF2-40B4-BE49-F238E27FC236}">
+                <a16:creationId xmlns:a16="http://schemas.microsoft.com/office/drawing/2014/main" id="{DC81DFF1-3788-4523-8AAC-4FAAF50E7866}"/>
+              </a:ext>
+            </a:extLst>
+          </p:cNvPr>
+          <p:cNvPicPr>
+            <a:picLocks noChangeAspect="1"/>
+          </p:cNvPicPr>
+          <p:nvPr/>
+        </p:nvPicPr>
+        <p:blipFill>
+          <a:blip r:embed="rId2"/>
+          <a:stretch>
+            <a:fillRect/>
+          </a:stretch>
+        </p:blipFill>
+        <p:spPr>
+          <a:xfrm>
+            <a:off x="3704960" y="2421995"/>
+            <a:ext cx="3148013" cy="1819275"/>
+          </a:xfrm>
+          <a:prstGeom prst="rect">
+            <a:avLst/>
+          </a:prstGeom>
+        </p:spPr>
+      </p:pic>
     </p:spTree>
     <p:extLst>
       <p:ext uri="{BB962C8B-B14F-4D97-AF65-F5344CB8AC3E}">
-        <p14:creationId xmlns:p14="http://schemas.microsoft.com/office/powerpoint/2010/main" val="782269127"/>
+        <p14:creationId xmlns:p14="http://schemas.microsoft.com/office/powerpoint/2010/main" val="4124519301"/>
       </p:ext>
     </p:extLst>
   </p:cSld>
   <p:clrMapOvr>
     <a:masterClrMapping/>
   </p:clrMapOvr>
+  <p:timing>
+    <p:tnLst>
+      <p:par>
+        <p:cTn id="1" dur="indefinite" restart="never" nodeType="tmRoot">
+          <p:childTnLst>
+            <p:seq concurrent="1" nextAc="seek">
+              <p:cTn id="2" dur="indefinite" nodeType="mainSeq">
+                <p:childTnLst>
+                  <p:par>
+                    <p:cTn id="3" fill="hold">
+                      <p:stCondLst>
+                        <p:cond delay="indefinite"/>
+                      </p:stCondLst>
+                      <p:childTnLst>
+                        <p:par>
+                          <p:cTn id="4" fill="hold">
+                            <p:stCondLst>
+                              <p:cond delay="0"/>
+                            </p:stCondLst>
+                            <p:childTnLst>
+                              <p:par>
+                                <p:cTn id="5" presetID="2" presetClass="entr" presetSubtype="4" fill="hold" grpId="0" nodeType="clickEffect">
+                                  <p:stCondLst>
+                                    <p:cond delay="0"/>
+                                  </p:stCondLst>
+                                  <p:childTnLst>
+                                    <p:set>
+                                      <p:cBhvr>
+                                        <p:cTn id="6" dur="1" fill="hold">
+                                          <p:stCondLst>
+                                            <p:cond delay="0"/>
+                                          </p:stCondLst>
+                                        </p:cTn>
+                                        <p:tgtEl>
+                                          <p:spTgt spid="9"/>
+                                        </p:tgtEl>
+                                        <p:attrNameLst>
+                                          <p:attrName>style.visibility</p:attrName>
+                                        </p:attrNameLst>
+                                      </p:cBhvr>
+                                      <p:to>
+                                        <p:strVal val="visible"/>
+                                      </p:to>
+                                    </p:set>
+                                    <p:anim calcmode="lin" valueType="num">
+                                      <p:cBhvr additive="base">
+                                        <p:cTn id="7" dur="500" fill="hold"/>
+                                        <p:tgtEl>
+                                          <p:spTgt spid="9"/>
+                                        </p:tgtEl>
+                                        <p:attrNameLst>
+                                          <p:attrName>ppt_x</p:attrName>
+                                        </p:attrNameLst>
+                                      </p:cBhvr>
+                                      <p:tavLst>
+                                        <p:tav tm="0">
+                                          <p:val>
+                                            <p:strVal val="#ppt_x"/>
+                                          </p:val>
+                                        </p:tav>
+                                        <p:tav tm="100000">
+                                          <p:val>
+                                            <p:strVal val="#ppt_x"/>
+                                          </p:val>
+                                        </p:tav>
+                                      </p:tavLst>
+                                    </p:anim>
+                                    <p:anim calcmode="lin" valueType="num">
+                                      <p:cBhvr additive="base">
+                                        <p:cTn id="8" dur="500" fill="hold"/>
+                                        <p:tgtEl>
+                                          <p:spTgt spid="9"/>
+                                        </p:tgtEl>
+                                        <p:attrNameLst>
+                                          <p:attrName>ppt_y</p:attrName>
+                                        </p:attrNameLst>
+                                      </p:cBhvr>
+                                      <p:tavLst>
+                                        <p:tav tm="0">
+                                          <p:val>
+                                            <p:strVal val="1+#ppt_h/2"/>
+                                          </p:val>
+                                        </p:tav>
+                                        <p:tav tm="100000">
+                                          <p:val>
+                                            <p:strVal val="#ppt_y"/>
+                                          </p:val>
+                                        </p:tav>
+                                      </p:tavLst>
+                                    </p:anim>
+                                  </p:childTnLst>
+                                </p:cTn>
+                              </p:par>
+                            </p:childTnLst>
+                          </p:cTn>
+                        </p:par>
+                      </p:childTnLst>
+                    </p:cTn>
+                  </p:par>
+                </p:childTnLst>
+              </p:cTn>
+              <p:prevCondLst>
+                <p:cond evt="onPrev" delay="0">
+                  <p:tgtEl>
+                    <p:sldTgt/>
+                  </p:tgtEl>
+                </p:cond>
+              </p:prevCondLst>
+              <p:nextCondLst>
+                <p:cond evt="onNext" delay="0">
+                  <p:tgtEl>
+                    <p:sldTgt/>
+                  </p:tgtEl>
+                </p:cond>
+              </p:nextCondLst>
+            </p:seq>
+          </p:childTnLst>
+        </p:cTn>
+      </p:par>
+    </p:tnLst>
+    <p:bldLst>
+      <p:bldP spid="9" grpId="0"/>
+    </p:bldLst>
+  </p:timing>
 </p:sld>
 </file>
 

--- a/Bravery - Brilliantly Lazy (Automation).pptx
+++ b/Bravery - Brilliantly Lazy (Automation).pptx
@@ -5,28 +5,25 @@
     <p:sldMasterId id="2147483648" r:id="rId1"/>
   </p:sldMasterIdLst>
   <p:notesMasterIdLst>
-    <p:notesMasterId r:id="rId18"/>
+    <p:notesMasterId r:id="rId15"/>
   </p:notesMasterIdLst>
   <p:handoutMasterIdLst>
-    <p:handoutMasterId r:id="rId19"/>
+    <p:handoutMasterId r:id="rId16"/>
   </p:handoutMasterIdLst>
   <p:sldIdLst>
     <p:sldId id="450" r:id="rId2"/>
-    <p:sldId id="453" r:id="rId3"/>
-    <p:sldId id="456" r:id="rId4"/>
-    <p:sldId id="454" r:id="rId5"/>
-    <p:sldId id="473" r:id="rId6"/>
-    <p:sldId id="480" r:id="rId7"/>
-    <p:sldId id="481" r:id="rId8"/>
-    <p:sldId id="482" r:id="rId9"/>
-    <p:sldId id="474" r:id="rId10"/>
-    <p:sldId id="476" r:id="rId11"/>
-    <p:sldId id="477" r:id="rId12"/>
-    <p:sldId id="478" r:id="rId13"/>
-    <p:sldId id="483" r:id="rId14"/>
-    <p:sldId id="479" r:id="rId15"/>
-    <p:sldId id="470" r:id="rId16"/>
-    <p:sldId id="466" r:id="rId17"/>
+    <p:sldId id="456" r:id="rId3"/>
+    <p:sldId id="454" r:id="rId4"/>
+    <p:sldId id="473" r:id="rId5"/>
+    <p:sldId id="481" r:id="rId6"/>
+    <p:sldId id="482" r:id="rId7"/>
+    <p:sldId id="474" r:id="rId8"/>
+    <p:sldId id="476" r:id="rId9"/>
+    <p:sldId id="477" r:id="rId10"/>
+    <p:sldId id="478" r:id="rId11"/>
+    <p:sldId id="484" r:id="rId12"/>
+    <p:sldId id="483" r:id="rId13"/>
+    <p:sldId id="479" r:id="rId14"/>
   </p:sldIdLst>
   <p:sldSz cx="12192000" cy="6858000"/>
   <p:notesSz cx="6858000" cy="9313863"/>
@@ -968,7 +965,7 @@
       <dgm:prSet phldrT="[Text]"/>
       <dgm:spPr>
         <a:solidFill>
-          <a:srgbClr val="0070C0"/>
+          <a:srgbClr val="285B7C"/>
         </a:solidFill>
       </dgm:spPr>
       <dgm:t>
@@ -977,6 +974,11 @@
         <a:p>
           <a:r>
             <a:rPr lang="en-US" dirty="0">
+              <a:solidFill>
+                <a:schemeClr val="bg1">
+                  <a:lumMod val="85000"/>
+                </a:schemeClr>
+              </a:solidFill>
               <a:latin typeface="+mj-lt"/>
             </a:rPr>
             <a:t>Platform</a:t>
@@ -1098,7 +1100,7 @@
       <dgm:prSet phldrT="[Text]"/>
       <dgm:spPr>
         <a:solidFill>
-          <a:srgbClr val="0070C0"/>
+          <a:srgbClr val="285B7C"/>
         </a:solidFill>
       </dgm:spPr>
       <dgm:t>
@@ -1107,6 +1109,11 @@
         <a:p>
           <a:r>
             <a:rPr lang="en-US" dirty="0">
+              <a:solidFill>
+                <a:schemeClr val="bg1">
+                  <a:lumMod val="85000"/>
+                </a:schemeClr>
+              </a:solidFill>
               <a:latin typeface="+mj-lt"/>
             </a:rPr>
             <a:t>Application</a:t>
@@ -1228,10 +1235,7 @@
       <dgm:prSet phldrT="[Text]"/>
       <dgm:spPr>
         <a:solidFill>
-          <a:schemeClr val="accent6">
-            <a:lumMod val="60000"/>
-            <a:lumOff val="40000"/>
-          </a:schemeClr>
+          <a:srgbClr val="008BAC"/>
         </a:solidFill>
       </dgm:spPr>
       <dgm:t>
@@ -1240,6 +1244,11 @@
         <a:p>
           <a:r>
             <a:rPr lang="en-US" dirty="0">
+              <a:solidFill>
+                <a:schemeClr val="bg1">
+                  <a:lumMod val="85000"/>
+                </a:schemeClr>
+              </a:solidFill>
               <a:latin typeface="+mj-lt"/>
             </a:rPr>
             <a:t>Excel</a:t>
@@ -1317,10 +1326,7 @@
       <dgm:prSet/>
       <dgm:spPr>
         <a:solidFill>
-          <a:schemeClr val="accent6">
-            <a:lumMod val="60000"/>
-            <a:lumOff val="40000"/>
-          </a:schemeClr>
+          <a:srgbClr val="008BAC"/>
         </a:solidFill>
       </dgm:spPr>
       <dgm:t>
@@ -1329,6 +1335,11 @@
         <a:p>
           <a:r>
             <a:rPr lang="en-US" dirty="0">
+              <a:solidFill>
+                <a:schemeClr val="bg1">
+                  <a:lumMod val="85000"/>
+                </a:schemeClr>
+              </a:solidFill>
               <a:latin typeface="+mj-lt"/>
             </a:rPr>
             <a:t>Code First</a:t>
@@ -1484,6 +1495,50 @@
         </a:p>
       </dgm:t>
     </dgm:pt>
+    <dgm:pt modelId="{E30136A1-B9CE-499A-BE15-7C100285EFBA}">
+      <dgm:prSet phldrT="[Text]"/>
+      <dgm:spPr>
+        <a:solidFill>
+          <a:schemeClr val="bg1">
+            <a:lumMod val="75000"/>
+          </a:schemeClr>
+        </a:solidFill>
+      </dgm:spPr>
+      <dgm:t>
+        <a:bodyPr/>
+        <a:lstStyle/>
+        <a:p>
+          <a:r>
+            <a:rPr lang="en-US" dirty="0">
+              <a:latin typeface="+mj-lt"/>
+            </a:rPr>
+            <a:t>Pivots</a:t>
+          </a:r>
+        </a:p>
+      </dgm:t>
+    </dgm:pt>
+    <dgm:pt modelId="{0B441607-2AF8-4C72-81D5-4F3074D4AB57}" type="parTrans" cxnId="{AB3E2126-4E0A-416F-B126-628DE5C13D1B}">
+      <dgm:prSet/>
+      <dgm:spPr/>
+      <dgm:t>
+        <a:bodyPr/>
+        <a:lstStyle/>
+        <a:p>
+          <a:endParaRPr lang="en-US"/>
+        </a:p>
+      </dgm:t>
+    </dgm:pt>
+    <dgm:pt modelId="{F2EED177-3912-4263-B690-A996DE541F4D}" type="sibTrans" cxnId="{AB3E2126-4E0A-416F-B126-628DE5C13D1B}">
+      <dgm:prSet/>
+      <dgm:spPr/>
+      <dgm:t>
+        <a:bodyPr/>
+        <a:lstStyle/>
+        <a:p>
+          <a:endParaRPr lang="en-US"/>
+        </a:p>
+      </dgm:t>
+    </dgm:pt>
     <dgm:pt modelId="{03464983-3E84-493F-89B4-2F8651EA7F9D}" type="pres">
       <dgm:prSet presAssocID="{6C61A4D1-0202-499E-9DE2-453741D99856}" presName="theList" presStyleCnt="0">
         <dgm:presLayoutVars>
@@ -1515,7 +1570,7 @@
       <dgm:spPr/>
     </dgm:pt>
     <dgm:pt modelId="{6C10860E-658A-40FB-A569-66BDBFF47FD6}" type="pres">
-      <dgm:prSet presAssocID="{99539144-66A9-4520-B4E2-DDC92AEF9E34}" presName="childNode" presStyleLbl="node1" presStyleIdx="0" presStyleCnt="8">
+      <dgm:prSet presAssocID="{99539144-66A9-4520-B4E2-DDC92AEF9E34}" presName="childNode" presStyleLbl="node1" presStyleIdx="0" presStyleCnt="9">
         <dgm:presLayoutVars>
           <dgm:bulletEnabled val="1"/>
         </dgm:presLayoutVars>
@@ -1527,7 +1582,7 @@
       <dgm:spPr/>
     </dgm:pt>
     <dgm:pt modelId="{D4F25621-99DE-411B-9EA5-16C722667910}" type="pres">
-      <dgm:prSet presAssocID="{5A848B4C-6966-4683-8A1C-8928ECEBB2B3}" presName="childNode" presStyleLbl="node1" presStyleIdx="1" presStyleCnt="8">
+      <dgm:prSet presAssocID="{5A848B4C-6966-4683-8A1C-8928ECEBB2B3}" presName="childNode" presStyleLbl="node1" presStyleIdx="1" presStyleCnt="9">
         <dgm:presLayoutVars>
           <dgm:bulletEnabled val="1"/>
         </dgm:presLayoutVars>
@@ -1559,7 +1614,7 @@
       <dgm:spPr/>
     </dgm:pt>
     <dgm:pt modelId="{24675C35-C9D8-49F7-A63C-19EEB07E8A28}" type="pres">
-      <dgm:prSet presAssocID="{C8ECFECA-BC10-4BC0-B51A-704FA5200C58}" presName="childNode" presStyleLbl="node1" presStyleIdx="2" presStyleCnt="8">
+      <dgm:prSet presAssocID="{C8ECFECA-BC10-4BC0-B51A-704FA5200C58}" presName="childNode" presStyleLbl="node1" presStyleIdx="2" presStyleCnt="9">
         <dgm:presLayoutVars>
           <dgm:bulletEnabled val="1"/>
         </dgm:presLayoutVars>
@@ -1571,7 +1626,7 @@
       <dgm:spPr/>
     </dgm:pt>
     <dgm:pt modelId="{9D7D8098-779F-4C91-8B8B-196046CB29EA}" type="pres">
-      <dgm:prSet presAssocID="{30814B49-A55D-4630-B1DA-5C1EBF608210}" presName="childNode" presStyleLbl="node1" presStyleIdx="3" presStyleCnt="8">
+      <dgm:prSet presAssocID="{30814B49-A55D-4630-B1DA-5C1EBF608210}" presName="childNode" presStyleLbl="node1" presStyleIdx="3" presStyleCnt="9">
         <dgm:presLayoutVars>
           <dgm:bulletEnabled val="1"/>
         </dgm:presLayoutVars>
@@ -1603,7 +1658,7 @@
       <dgm:spPr/>
     </dgm:pt>
     <dgm:pt modelId="{FFCA3C0B-5F66-44DF-BE87-B7253A90ABF6}" type="pres">
-      <dgm:prSet presAssocID="{A6B661E1-1BED-40C9-BF06-5C2303E52015}" presName="childNode" presStyleLbl="node1" presStyleIdx="4" presStyleCnt="8" custScaleY="108085">
+      <dgm:prSet presAssocID="{A6B661E1-1BED-40C9-BF06-5C2303E52015}" presName="childNode" presStyleLbl="node1" presStyleIdx="4" presStyleCnt="9" custScaleY="108085">
         <dgm:presLayoutVars>
           <dgm:bulletEnabled val="1"/>
         </dgm:presLayoutVars>
@@ -1614,8 +1669,20 @@
       <dgm:prSet presAssocID="{A6B661E1-1BED-40C9-BF06-5C2303E52015}" presName="aSpace2" presStyleCnt="0"/>
       <dgm:spPr/>
     </dgm:pt>
+    <dgm:pt modelId="{E8CBEFA5-9BD3-4156-BC56-8C2EF503C16E}" type="pres">
+      <dgm:prSet presAssocID="{E30136A1-B9CE-499A-BE15-7C100285EFBA}" presName="childNode" presStyleLbl="node1" presStyleIdx="5" presStyleCnt="9" custScaleX="90517" custScaleY="32643" custLinFactY="9340" custLinFactNeighborX="2897" custLinFactNeighborY="100000">
+        <dgm:presLayoutVars>
+          <dgm:bulletEnabled val="1"/>
+        </dgm:presLayoutVars>
+      </dgm:prSet>
+      <dgm:spPr/>
+    </dgm:pt>
+    <dgm:pt modelId="{CCACCA5D-C64D-4618-932E-F116ECAE1349}" type="pres">
+      <dgm:prSet presAssocID="{E30136A1-B9CE-499A-BE15-7C100285EFBA}" presName="aSpace2" presStyleCnt="0"/>
+      <dgm:spPr/>
+    </dgm:pt>
     <dgm:pt modelId="{6C4E939C-35C2-4908-AC4C-9C1E856E2ECE}" type="pres">
-      <dgm:prSet presAssocID="{7D374E7C-8C83-41D2-BC72-68B780E17573}" presName="childNode" presStyleLbl="node1" presStyleIdx="5" presStyleCnt="8" custLinFactX="39280" custLinFactY="-98014" custLinFactNeighborX="100000" custLinFactNeighborY="-100000">
+      <dgm:prSet presAssocID="{7D374E7C-8C83-41D2-BC72-68B780E17573}" presName="childNode" presStyleLbl="node1" presStyleIdx="6" presStyleCnt="9" custLinFactX="39280" custLinFactY="-98014" custLinFactNeighborX="100000" custLinFactNeighborY="-100000">
         <dgm:presLayoutVars>
           <dgm:bulletEnabled val="1"/>
         </dgm:presLayoutVars>
@@ -1647,7 +1714,7 @@
       <dgm:spPr/>
     </dgm:pt>
     <dgm:pt modelId="{4EDAD886-A2D4-4686-851F-CAD90BF6E5F0}" type="pres">
-      <dgm:prSet presAssocID="{075F0845-CC67-46D3-8530-D8485A34BADC}" presName="childNode" presStyleLbl="node1" presStyleIdx="6" presStyleCnt="8">
+      <dgm:prSet presAssocID="{075F0845-CC67-46D3-8530-D8485A34BADC}" presName="childNode" presStyleLbl="node1" presStyleIdx="7" presStyleCnt="9">
         <dgm:presLayoutVars>
           <dgm:bulletEnabled val="1"/>
         </dgm:presLayoutVars>
@@ -1659,7 +1726,7 @@
       <dgm:spPr/>
     </dgm:pt>
     <dgm:pt modelId="{A8624CAB-A13E-48F2-B60B-ED2FAED673A6}" type="pres">
-      <dgm:prSet presAssocID="{D8E3C466-4854-41E8-933C-02741656928F}" presName="childNode" presStyleLbl="node1" presStyleIdx="7" presStyleCnt="8">
+      <dgm:prSet presAssocID="{D8E3C466-4854-41E8-933C-02741656928F}" presName="childNode" presStyleLbl="node1" presStyleIdx="8" presStyleCnt="9">
         <dgm:presLayoutVars>
           <dgm:bulletEnabled val="1"/>
         </dgm:presLayoutVars>
@@ -1672,6 +1739,7 @@
     <dgm:cxn modelId="{CB11E809-50D3-44CF-BE97-1D8DB846BD80}" srcId="{3C4896E4-323E-44DE-96B3-92EB392C5E79}" destId="{D8E3C466-4854-41E8-933C-02741656928F}" srcOrd="1" destOrd="0" parTransId="{BDED71E5-DA92-4D1C-9736-0F56D87EDA90}" sibTransId="{05113BFD-4D39-4F77-B077-FFA0D65F3C7D}"/>
     <dgm:cxn modelId="{36D0E41F-078B-4185-A557-24B9215A06B9}" type="presOf" srcId="{12F35B78-AAB6-481D-9FC7-DE611C84163B}" destId="{8AFBAE98-11D1-4ACE-9B3A-487B531919A2}" srcOrd="0" destOrd="0" presId="urn:microsoft.com/office/officeart/2005/8/layout/lProcess2"/>
     <dgm:cxn modelId="{A8892B21-058E-4AAB-ABA8-B6B7BFC45687}" type="presOf" srcId="{A32CD211-53C8-4462-B6C2-757DE1293760}" destId="{B8481C84-21F6-422E-873D-81CC5A5F2870}" srcOrd="0" destOrd="0" presId="urn:microsoft.com/office/officeart/2005/8/layout/lProcess2"/>
+    <dgm:cxn modelId="{AB3E2126-4E0A-416F-B126-628DE5C13D1B}" srcId="{A32CD211-53C8-4462-B6C2-757DE1293760}" destId="{E30136A1-B9CE-499A-BE15-7C100285EFBA}" srcOrd="1" destOrd="0" parTransId="{0B441607-2AF8-4C72-81D5-4F3074D4AB57}" sibTransId="{F2EED177-3912-4263-B690-A996DE541F4D}"/>
     <dgm:cxn modelId="{CBC1D72E-A487-4E1F-8655-65DAC147D45D}" type="presOf" srcId="{3454EF16-1FC6-4051-9E0C-AE501AD6DD7C}" destId="{56EA9CB1-ED50-4F4C-9B9B-86EC91E85B2E}" srcOrd="1" destOrd="0" presId="urn:microsoft.com/office/officeart/2005/8/layout/lProcess2"/>
     <dgm:cxn modelId="{FD155B35-EC03-4A4F-8736-0E277FDBF8FC}" srcId="{6C61A4D1-0202-499E-9DE2-453741D99856}" destId="{3C4896E4-323E-44DE-96B3-92EB392C5E79}" srcOrd="3" destOrd="0" parTransId="{60A68B4C-E9A3-46B5-BFF7-790C11A34491}" sibTransId="{45FC8716-59BD-4B29-B2E4-68F994E04126}"/>
     <dgm:cxn modelId="{49B29938-468D-4AF4-BC07-354188D2FF9C}" srcId="{3C4896E4-323E-44DE-96B3-92EB392C5E79}" destId="{075F0845-CC67-46D3-8530-D8485A34BADC}" srcOrd="0" destOrd="0" parTransId="{AC25D7F6-7188-4304-AD75-7A4256A54C1B}" sibTransId="{2EA0E2DB-3CDF-4C13-98DA-C7D41F724948}"/>
@@ -1688,7 +1756,8 @@
     <dgm:cxn modelId="{4C6A7388-FBC6-445C-A4CB-68D9FCF04B5B}" type="presOf" srcId="{A6B661E1-1BED-40C9-BF06-5C2303E52015}" destId="{FFCA3C0B-5F66-44DF-BE87-B7253A90ABF6}" srcOrd="0" destOrd="0" presId="urn:microsoft.com/office/officeart/2005/8/layout/lProcess2"/>
     <dgm:cxn modelId="{96E78690-8B42-4A74-B624-8CF2EF8C6DC7}" srcId="{A32CD211-53C8-4462-B6C2-757DE1293760}" destId="{A6B661E1-1BED-40C9-BF06-5C2303E52015}" srcOrd="0" destOrd="0" parTransId="{76D7722B-5F9E-47E1-ADC2-D7207FF57487}" sibTransId="{D252F61E-B598-4A30-AC6A-3C9471519ACE}"/>
     <dgm:cxn modelId="{236CA990-A79A-44AB-90A6-68D3B93204D6}" type="presOf" srcId="{3C4896E4-323E-44DE-96B3-92EB392C5E79}" destId="{AAFCCB92-49DC-48BC-AEF9-2C928644528F}" srcOrd="1" destOrd="0" presId="urn:microsoft.com/office/officeart/2005/8/layout/lProcess2"/>
-    <dgm:cxn modelId="{4E4E6B9C-DB1B-410D-8593-976DA885F733}" srcId="{A32CD211-53C8-4462-B6C2-757DE1293760}" destId="{7D374E7C-8C83-41D2-BC72-68B780E17573}" srcOrd="1" destOrd="0" parTransId="{29A4085F-2EC9-4F9C-8FD5-0DA7D8AEE9B0}" sibTransId="{8E836BB0-1C9C-4423-98EC-D85BB06AB4B3}"/>
+    <dgm:cxn modelId="{4E4E6B9C-DB1B-410D-8593-976DA885F733}" srcId="{A32CD211-53C8-4462-B6C2-757DE1293760}" destId="{7D374E7C-8C83-41D2-BC72-68B780E17573}" srcOrd="2" destOrd="0" parTransId="{29A4085F-2EC9-4F9C-8FD5-0DA7D8AEE9B0}" sibTransId="{8E836BB0-1C9C-4423-98EC-D85BB06AB4B3}"/>
+    <dgm:cxn modelId="{9DB3C8A1-E3EE-49AB-A1E2-739649AE3929}" type="presOf" srcId="{E30136A1-B9CE-499A-BE15-7C100285EFBA}" destId="{E8CBEFA5-9BD3-4156-BC56-8C2EF503C16E}" srcOrd="0" destOrd="0" presId="urn:microsoft.com/office/officeart/2005/8/layout/lProcess2"/>
     <dgm:cxn modelId="{6AE04EA3-A1A7-400E-B2FE-1D08A2856BA6}" srcId="{6C61A4D1-0202-499E-9DE2-453741D99856}" destId="{3454EF16-1FC6-4051-9E0C-AE501AD6DD7C}" srcOrd="0" destOrd="0" parTransId="{1A605688-F6ED-4039-8D52-4A002F52EE00}" sibTransId="{908B0FC0-73D0-413B-9BF6-823919348F40}"/>
     <dgm:cxn modelId="{420051AE-38E1-42CC-8A6B-874A28D95916}" type="presOf" srcId="{12F35B78-AAB6-481D-9FC7-DE611C84163B}" destId="{B43D6642-8BF3-4863-9987-98DF88BB3F8F}" srcOrd="1" destOrd="0" presId="urn:microsoft.com/office/officeart/2005/8/layout/lProcess2"/>
     <dgm:cxn modelId="{5CB909CB-B44B-467F-BAD4-B40C22381AC5}" type="presOf" srcId="{6C61A4D1-0202-499E-9DE2-453741D99856}" destId="{03464983-3E84-493F-89B4-2F8651EA7F9D}" srcOrd="0" destOrd="0" presId="urn:microsoft.com/office/officeart/2005/8/layout/lProcess2"/>
@@ -1722,7 +1791,9 @@
     <dgm:cxn modelId="{87DB157B-BAEB-48E9-AA42-1BF23C7262A9}" type="presParOf" srcId="{1B98D79A-D112-47EF-8484-8A0054766386}" destId="{F0394922-E53A-48E2-A24C-A3BEB7AD08AD}" srcOrd="0" destOrd="0" presId="urn:microsoft.com/office/officeart/2005/8/layout/lProcess2"/>
     <dgm:cxn modelId="{558FD28E-5500-4355-B5D8-494213A81FE6}" type="presParOf" srcId="{F0394922-E53A-48E2-A24C-A3BEB7AD08AD}" destId="{FFCA3C0B-5F66-44DF-BE87-B7253A90ABF6}" srcOrd="0" destOrd="0" presId="urn:microsoft.com/office/officeart/2005/8/layout/lProcess2"/>
     <dgm:cxn modelId="{9FE9FB00-CAF9-49A9-9DD2-6BDA067330DA}" type="presParOf" srcId="{F0394922-E53A-48E2-A24C-A3BEB7AD08AD}" destId="{FEF1D3D4-DE54-4E10-8EDE-BB891907ABD1}" srcOrd="1" destOrd="0" presId="urn:microsoft.com/office/officeart/2005/8/layout/lProcess2"/>
-    <dgm:cxn modelId="{8C18CCD7-5ABF-4168-BAB7-0F063B4D0D42}" type="presParOf" srcId="{F0394922-E53A-48E2-A24C-A3BEB7AD08AD}" destId="{6C4E939C-35C2-4908-AC4C-9C1E856E2ECE}" srcOrd="2" destOrd="0" presId="urn:microsoft.com/office/officeart/2005/8/layout/lProcess2"/>
+    <dgm:cxn modelId="{4009623C-8D11-48DB-B31E-DD17F0A3EE10}" type="presParOf" srcId="{F0394922-E53A-48E2-A24C-A3BEB7AD08AD}" destId="{E8CBEFA5-9BD3-4156-BC56-8C2EF503C16E}" srcOrd="2" destOrd="0" presId="urn:microsoft.com/office/officeart/2005/8/layout/lProcess2"/>
+    <dgm:cxn modelId="{0DC0D8C7-A9EA-46E8-B016-188B0201C00D}" type="presParOf" srcId="{F0394922-E53A-48E2-A24C-A3BEB7AD08AD}" destId="{CCACCA5D-C64D-4618-932E-F116ECAE1349}" srcOrd="3" destOrd="0" presId="urn:microsoft.com/office/officeart/2005/8/layout/lProcess2"/>
+    <dgm:cxn modelId="{8C18CCD7-5ABF-4168-BAB7-0F063B4D0D42}" type="presParOf" srcId="{F0394922-E53A-48E2-A24C-A3BEB7AD08AD}" destId="{6C4E939C-35C2-4908-AC4C-9C1E856E2ECE}" srcOrd="4" destOrd="0" presId="urn:microsoft.com/office/officeart/2005/8/layout/lProcess2"/>
     <dgm:cxn modelId="{E40EA3DC-B9F2-4DB7-BF42-58DBD8A1D468}" type="presParOf" srcId="{03464983-3E84-493F-89B4-2F8651EA7F9D}" destId="{204FA165-0C85-40A1-AB1A-7D9D402E57F0}" srcOrd="5" destOrd="0" presId="urn:microsoft.com/office/officeart/2005/8/layout/lProcess2"/>
     <dgm:cxn modelId="{B0C7FE4B-7790-4662-A001-ECF11DEA7095}" type="presParOf" srcId="{03464983-3E84-493F-89B4-2F8651EA7F9D}" destId="{19CBD9A1-AC5F-4B60-B9B7-049FBFA2ED25}" srcOrd="6" destOrd="0" presId="urn:microsoft.com/office/officeart/2005/8/layout/lProcess2"/>
     <dgm:cxn modelId="{C1C05B32-6E67-4F1A-89ED-D30A0CBBF65C}" type="presParOf" srcId="{19CBD9A1-AC5F-4B60-B9B7-049FBFA2ED25}" destId="{2DB495E5-119F-4792-B3D7-F12B836D7A9E}" srcOrd="0" destOrd="0" presId="urn:microsoft.com/office/officeart/2005/8/layout/lProcess2"/>
@@ -1767,7 +1838,7 @@
           </a:avLst>
         </a:prstGeom>
         <a:solidFill>
-          <a:srgbClr val="0070C0"/>
+          <a:srgbClr val="285B7C"/>
         </a:solidFill>
         <a:ln>
           <a:noFill/>
@@ -1818,6 +1889,11 @@
           </a:pPr>
           <a:r>
             <a:rPr lang="en-US" sz="2200" kern="1200" dirty="0">
+              <a:solidFill>
+                <a:schemeClr val="bg1">
+                  <a:lumMod val="85000"/>
+                </a:schemeClr>
+              </a:solidFill>
               <a:latin typeface="+mj-lt"/>
             </a:rPr>
             <a:t>Platform</a:t>
@@ -1878,12 +1954,12 @@
         </a:fontRef>
       </dsp:style>
       <dsp:txBody>
-        <a:bodyPr spcFirstLastPara="0" vert="horz" wrap="square" lIns="53340" tIns="40005" rIns="53340" bIns="40005" numCol="1" spcCol="1270" anchor="ctr" anchorCtr="0">
+        <a:bodyPr spcFirstLastPara="0" vert="horz" wrap="square" lIns="43180" tIns="32385" rIns="43180" bIns="32385" numCol="1" spcCol="1270" anchor="ctr" anchorCtr="0">
           <a:noAutofit/>
         </a:bodyPr>
         <a:lstStyle/>
         <a:p>
-          <a:pPr marL="0" lvl="0" indent="0" algn="ctr" defTabSz="933450">
+          <a:pPr marL="0" lvl="0" indent="0" algn="ctr" defTabSz="755650">
             <a:lnSpc>
               <a:spcPct val="90000"/>
             </a:lnSpc>
@@ -1896,7 +1972,7 @@
             <a:buNone/>
           </a:pPr>
           <a:r>
-            <a:rPr lang="en-US" sz="2100" kern="1200" dirty="0">
+            <a:rPr lang="en-US" sz="1700" kern="1200" dirty="0">
               <a:latin typeface="+mj-lt"/>
             </a:rPr>
             <a:t>RPA</a:t>
@@ -1957,12 +2033,12 @@
         </a:fontRef>
       </dsp:style>
       <dsp:txBody>
-        <a:bodyPr spcFirstLastPara="0" vert="horz" wrap="square" lIns="53340" tIns="40005" rIns="53340" bIns="40005" numCol="1" spcCol="1270" anchor="ctr" anchorCtr="0">
+        <a:bodyPr spcFirstLastPara="0" vert="horz" wrap="square" lIns="43180" tIns="32385" rIns="43180" bIns="32385" numCol="1" spcCol="1270" anchor="ctr" anchorCtr="0">
           <a:noAutofit/>
         </a:bodyPr>
         <a:lstStyle/>
         <a:p>
-          <a:pPr marL="0" lvl="0" indent="0" algn="ctr" defTabSz="933450">
+          <a:pPr marL="0" lvl="0" indent="0" algn="ctr" defTabSz="755650">
             <a:lnSpc>
               <a:spcPct val="90000"/>
             </a:lnSpc>
@@ -1975,7 +2051,7 @@
             <a:buNone/>
           </a:pPr>
           <a:r>
-            <a:rPr lang="en-US" sz="2100" kern="1200" dirty="0">
+            <a:rPr lang="en-US" sz="1700" kern="1200" dirty="0">
               <a:latin typeface="+mj-lt"/>
             </a:rPr>
             <a:t>Low-No Code</a:t>
@@ -2003,7 +2079,7 @@
           </a:avLst>
         </a:prstGeom>
         <a:solidFill>
-          <a:srgbClr val="0070C0"/>
+          <a:srgbClr val="285B7C"/>
         </a:solidFill>
         <a:ln>
           <a:noFill/>
@@ -2054,6 +2130,11 @@
           </a:pPr>
           <a:r>
             <a:rPr lang="en-US" sz="2200" kern="1200" dirty="0">
+              <a:solidFill>
+                <a:schemeClr val="bg1">
+                  <a:lumMod val="85000"/>
+                </a:schemeClr>
+              </a:solidFill>
               <a:latin typeface="+mj-lt"/>
             </a:rPr>
             <a:t>Application</a:t>
@@ -2114,12 +2195,12 @@
         </a:fontRef>
       </dsp:style>
       <dsp:txBody>
-        <a:bodyPr spcFirstLastPara="0" vert="horz" wrap="square" lIns="53340" tIns="40005" rIns="53340" bIns="40005" numCol="1" spcCol="1270" anchor="ctr" anchorCtr="0">
+        <a:bodyPr spcFirstLastPara="0" vert="horz" wrap="square" lIns="43180" tIns="32385" rIns="43180" bIns="32385" numCol="1" spcCol="1270" anchor="ctr" anchorCtr="0">
           <a:noAutofit/>
         </a:bodyPr>
         <a:lstStyle/>
         <a:p>
-          <a:pPr marL="0" lvl="0" indent="0" algn="ctr" defTabSz="933450">
+          <a:pPr marL="0" lvl="0" indent="0" algn="ctr" defTabSz="755650">
             <a:lnSpc>
               <a:spcPct val="90000"/>
             </a:lnSpc>
@@ -2132,7 +2213,7 @@
             <a:buNone/>
           </a:pPr>
           <a:r>
-            <a:rPr lang="en-US" sz="2100" kern="1200" dirty="0">
+            <a:rPr lang="en-US" sz="1700" kern="1200" dirty="0">
               <a:latin typeface="+mj-lt"/>
             </a:rPr>
             <a:t>BI Tools	</a:t>
@@ -2193,12 +2274,12 @@
         </a:fontRef>
       </dsp:style>
       <dsp:txBody>
-        <a:bodyPr spcFirstLastPara="0" vert="horz" wrap="square" lIns="53340" tIns="40005" rIns="53340" bIns="40005" numCol="1" spcCol="1270" anchor="ctr" anchorCtr="0">
+        <a:bodyPr spcFirstLastPara="0" vert="horz" wrap="square" lIns="43180" tIns="32385" rIns="43180" bIns="32385" numCol="1" spcCol="1270" anchor="ctr" anchorCtr="0">
           <a:noAutofit/>
         </a:bodyPr>
         <a:lstStyle/>
         <a:p>
-          <a:pPr marL="0" lvl="0" indent="0" algn="ctr" defTabSz="933450">
+          <a:pPr marL="0" lvl="0" indent="0" algn="ctr" defTabSz="755650">
             <a:lnSpc>
               <a:spcPct val="90000"/>
             </a:lnSpc>
@@ -2211,7 +2292,7 @@
             <a:buNone/>
           </a:pPr>
           <a:r>
-            <a:rPr lang="en-US" sz="2100" kern="1200" dirty="0">
+            <a:rPr lang="en-US" sz="1700" kern="1200" dirty="0">
               <a:latin typeface="+mj-lt"/>
             </a:rPr>
             <a:t>Data Tools</a:t>
@@ -2239,10 +2320,7 @@
           </a:avLst>
         </a:prstGeom>
         <a:solidFill>
-          <a:schemeClr val="accent6">
-            <a:lumMod val="60000"/>
-            <a:lumOff val="40000"/>
-          </a:schemeClr>
+          <a:srgbClr val="008BAC"/>
         </a:solidFill>
         <a:ln>
           <a:noFill/>
@@ -2293,6 +2371,11 @@
           </a:pPr>
           <a:r>
             <a:rPr lang="en-US" sz="2200" kern="1200" dirty="0">
+              <a:solidFill>
+                <a:schemeClr val="bg1">
+                  <a:lumMod val="85000"/>
+                </a:schemeClr>
+              </a:solidFill>
               <a:latin typeface="+mj-lt"/>
             </a:rPr>
             <a:t>Excel</a:t>
@@ -2311,8 +2394,8 @@
       </dsp:nvSpPr>
       <dsp:spPr>
         <a:xfrm>
-          <a:off x="3232768" y="1260518"/>
-          <a:ext cx="1148908" cy="1319588"/>
+          <a:off x="3232768" y="1260446"/>
+          <a:ext cx="1148908" cy="1086211"/>
         </a:xfrm>
         <a:prstGeom prst="roundRect">
           <a:avLst>
@@ -2353,12 +2436,12 @@
         </a:fontRef>
       </dsp:style>
       <dsp:txBody>
-        <a:bodyPr spcFirstLastPara="0" vert="horz" wrap="square" lIns="53340" tIns="40005" rIns="53340" bIns="40005" numCol="1" spcCol="1270" anchor="ctr" anchorCtr="0">
+        <a:bodyPr spcFirstLastPara="0" vert="horz" wrap="square" lIns="43180" tIns="32385" rIns="43180" bIns="32385" numCol="1" spcCol="1270" anchor="ctr" anchorCtr="0">
           <a:noAutofit/>
         </a:bodyPr>
         <a:lstStyle/>
         <a:p>
-          <a:pPr marL="0" lvl="0" indent="0" algn="ctr" defTabSz="933450">
+          <a:pPr marL="0" lvl="0" indent="0" algn="ctr" defTabSz="755650">
             <a:lnSpc>
               <a:spcPct val="90000"/>
             </a:lnSpc>
@@ -2371,7 +2454,7 @@
             <a:buNone/>
           </a:pPr>
           <a:r>
-            <a:rPr lang="en-US" sz="2100" kern="1200" dirty="0">
+            <a:rPr lang="en-US" sz="1700" kern="1200" dirty="0">
               <a:latin typeface="+mj-lt"/>
             </a:rPr>
             <a:t>Macros</a:t>
@@ -2379,8 +2462,87 @@
         </a:p>
       </dsp:txBody>
       <dsp:txXfrm>
-        <a:off x="3266418" y="1294168"/>
-        <a:ext cx="1081608" cy="1252288"/>
+        <a:off x="3264582" y="1292260"/>
+        <a:ext cx="1085280" cy="1022583"/>
+      </dsp:txXfrm>
+    </dsp:sp>
+    <dsp:sp modelId="{E8CBEFA5-9BD3-4156-BC56-8C2EF503C16E}">
+      <dsp:nvSpPr>
+        <dsp:cNvPr id="0" name=""/>
+        <dsp:cNvSpPr/>
+      </dsp:nvSpPr>
+      <dsp:spPr>
+        <a:xfrm>
+          <a:off x="3320528" y="2749739"/>
+          <a:ext cx="1039957" cy="328049"/>
+        </a:xfrm>
+        <a:prstGeom prst="roundRect">
+          <a:avLst>
+            <a:gd name="adj" fmla="val 10000"/>
+          </a:avLst>
+        </a:prstGeom>
+        <a:solidFill>
+          <a:schemeClr val="bg1">
+            <a:lumMod val="75000"/>
+          </a:schemeClr>
+        </a:solidFill>
+        <a:ln>
+          <a:noFill/>
+        </a:ln>
+        <a:effectLst/>
+        <a:scene3d>
+          <a:camera prst="orthographicFront"/>
+          <a:lightRig rig="threePt" dir="t">
+            <a:rot lat="0" lon="0" rev="7500000"/>
+          </a:lightRig>
+        </a:scene3d>
+        <a:sp3d prstMaterial="plastic">
+          <a:bevelT w="127000" h="25400" prst="relaxedInset"/>
+        </a:sp3d>
+      </dsp:spPr>
+      <dsp:style>
+        <a:lnRef idx="0">
+          <a:scrgbClr r="0" g="0" b="0"/>
+        </a:lnRef>
+        <a:fillRef idx="3">
+          <a:scrgbClr r="0" g="0" b="0"/>
+        </a:fillRef>
+        <a:effectRef idx="2">
+          <a:scrgbClr r="0" g="0" b="0"/>
+        </a:effectRef>
+        <a:fontRef idx="minor">
+          <a:schemeClr val="lt1"/>
+        </a:fontRef>
+      </dsp:style>
+      <dsp:txBody>
+        <a:bodyPr spcFirstLastPara="0" vert="horz" wrap="square" lIns="43180" tIns="32385" rIns="43180" bIns="32385" numCol="1" spcCol="1270" anchor="ctr" anchorCtr="0">
+          <a:noAutofit/>
+        </a:bodyPr>
+        <a:lstStyle/>
+        <a:p>
+          <a:pPr marL="0" lvl="0" indent="0" algn="ctr" defTabSz="755650">
+            <a:lnSpc>
+              <a:spcPct val="90000"/>
+            </a:lnSpc>
+            <a:spcBef>
+              <a:spcPct val="0"/>
+            </a:spcBef>
+            <a:spcAft>
+              <a:spcPct val="35000"/>
+            </a:spcAft>
+            <a:buNone/>
+          </a:pPr>
+          <a:r>
+            <a:rPr lang="en-US" sz="1700" kern="1200" dirty="0">
+              <a:latin typeface="+mj-lt"/>
+            </a:rPr>
+            <a:t>Pivots</a:t>
+          </a:r>
+        </a:p>
+      </dsp:txBody>
+      <dsp:txXfrm>
+        <a:off x="3330136" y="2759347"/>
+        <a:ext cx="1020741" cy="308833"/>
       </dsp:txXfrm>
     </dsp:sp>
     <dsp:sp modelId="{6C4E939C-35C2-4908-AC4C-9C1E856E2ECE}">
@@ -2390,8 +2552,8 @@
       </dsp:nvSpPr>
       <dsp:spPr>
         <a:xfrm>
-          <a:off x="4832968" y="1383473"/>
-          <a:ext cx="1148908" cy="1220879"/>
+          <a:off x="4832968" y="1844314"/>
+          <a:ext cx="1148908" cy="1004960"/>
         </a:xfrm>
         <a:prstGeom prst="roundRect">
           <a:avLst>
@@ -2465,12 +2627,12 @@
         </a:fontRef>
       </dsp:style>
       <dsp:txBody>
-        <a:bodyPr spcFirstLastPara="0" vert="horz" wrap="square" lIns="53340" tIns="40005" rIns="53340" bIns="40005" numCol="1" spcCol="1270" anchor="ctr" anchorCtr="0">
+        <a:bodyPr spcFirstLastPara="0" vert="horz" wrap="square" lIns="43180" tIns="32385" rIns="43180" bIns="32385" numCol="1" spcCol="1270" anchor="ctr" anchorCtr="0">
           <a:noAutofit/>
         </a:bodyPr>
         <a:lstStyle/>
         <a:p>
-          <a:pPr marL="0" lvl="0" indent="0" algn="ctr" defTabSz="933450">
+          <a:pPr marL="0" lvl="0" indent="0" algn="ctr" defTabSz="755650">
             <a:lnSpc>
               <a:spcPct val="90000"/>
             </a:lnSpc>
@@ -2483,7 +2645,7 @@
             <a:buNone/>
           </a:pPr>
           <a:r>
-            <a:rPr lang="en-US" sz="2100" kern="1200" dirty="0">
+            <a:rPr lang="en-US" sz="1700" kern="1200" dirty="0">
               <a:latin typeface="+mj-lt"/>
             </a:rPr>
             <a:t>Macros</a:t>
@@ -2491,8 +2653,8 @@
         </a:p>
       </dsp:txBody>
       <dsp:txXfrm>
-        <a:off x="4866618" y="1417123"/>
-        <a:ext cx="1081608" cy="1153579"/>
+        <a:off x="4862402" y="1873748"/>
+        <a:ext cx="1090040" cy="946092"/>
       </dsp:txXfrm>
     </dsp:sp>
     <dsp:sp modelId="{2DB495E5-119F-4792-B3D7-F12B836D7A9E}">
@@ -2511,10 +2673,7 @@
           </a:avLst>
         </a:prstGeom>
         <a:solidFill>
-          <a:schemeClr val="accent6">
-            <a:lumMod val="60000"/>
-            <a:lumOff val="40000"/>
-          </a:schemeClr>
+          <a:srgbClr val="008BAC"/>
         </a:solidFill>
         <a:ln>
           <a:noFill/>
@@ -2565,6 +2724,11 @@
           </a:pPr>
           <a:r>
             <a:rPr lang="en-US" sz="2200" kern="1200" dirty="0">
+              <a:solidFill>
+                <a:schemeClr val="bg1">
+                  <a:lumMod val="85000"/>
+                </a:schemeClr>
+              </a:solidFill>
               <a:latin typeface="+mj-lt"/>
             </a:rPr>
             <a:t>Code First</a:t>
@@ -2625,12 +2789,12 @@
         </a:fontRef>
       </dsp:style>
       <dsp:txBody>
-        <a:bodyPr spcFirstLastPara="0" vert="horz" wrap="square" lIns="53340" tIns="40005" rIns="53340" bIns="40005" numCol="1" spcCol="1270" anchor="ctr" anchorCtr="0">
+        <a:bodyPr spcFirstLastPara="0" vert="horz" wrap="square" lIns="43180" tIns="32385" rIns="43180" bIns="32385" numCol="1" spcCol="1270" anchor="ctr" anchorCtr="0">
           <a:noAutofit/>
         </a:bodyPr>
         <a:lstStyle/>
         <a:p>
-          <a:pPr marL="0" lvl="0" indent="0" algn="ctr" defTabSz="933450">
+          <a:pPr marL="0" lvl="0" indent="0" algn="ctr" defTabSz="755650">
             <a:lnSpc>
               <a:spcPct val="90000"/>
             </a:lnSpc>
@@ -2643,7 +2807,7 @@
             <a:buNone/>
           </a:pPr>
           <a:r>
-            <a:rPr lang="en-US" sz="2100" kern="1200" dirty="0">
+            <a:rPr lang="en-US" sz="1700" kern="1200" dirty="0">
               <a:latin typeface="+mj-lt"/>
             </a:rPr>
             <a:t>R</a:t>
@@ -2704,12 +2868,12 @@
         </a:fontRef>
       </dsp:style>
       <dsp:txBody>
-        <a:bodyPr spcFirstLastPara="0" vert="horz" wrap="square" lIns="53340" tIns="40005" rIns="53340" bIns="40005" numCol="1" spcCol="1270" anchor="ctr" anchorCtr="0">
+        <a:bodyPr spcFirstLastPara="0" vert="horz" wrap="square" lIns="43180" tIns="32385" rIns="43180" bIns="32385" numCol="1" spcCol="1270" anchor="ctr" anchorCtr="0">
           <a:noAutofit/>
         </a:bodyPr>
         <a:lstStyle/>
         <a:p>
-          <a:pPr marL="0" lvl="0" indent="0" algn="ctr" defTabSz="933450">
+          <a:pPr marL="0" lvl="0" indent="0" algn="ctr" defTabSz="755650">
             <a:lnSpc>
               <a:spcPct val="90000"/>
             </a:lnSpc>
@@ -2722,7 +2886,7 @@
             <a:buNone/>
           </a:pPr>
           <a:r>
-            <a:rPr lang="en-US" sz="2100" kern="1200" dirty="0">
+            <a:rPr lang="en-US" sz="1700" kern="1200" dirty="0">
               <a:latin typeface="+mj-lt"/>
             </a:rPr>
             <a:t>Python</a:t>
@@ -4334,7 +4498,7 @@
               <a:pPr>
                 <a:defRPr/>
               </a:pPr>
-              <a:t>10/17/2021</a:t>
+              <a:t>10/21/2021</a:t>
             </a:fld>
             <a:endParaRPr lang="en-US"/>
           </a:p>
@@ -4549,7 +4713,7 @@
               <a:pPr>
                 <a:defRPr/>
               </a:pPr>
-              <a:t>10/17/2021</a:t>
+              <a:t>10/21/2021</a:t>
             </a:fld>
             <a:endParaRPr lang="en-US"/>
           </a:p>
@@ -6179,7 +6343,7 @@
               <a:pPr>
                 <a:defRPr/>
               </a:pPr>
-              <a:t>October 17, 2021</a:t>
+              <a:t>October 21, 2021</a:t>
             </a:fld>
             <a:endParaRPr lang="en-US"/>
           </a:p>
@@ -6940,349 +7104,24 @@
                   <a:schemeClr val="tx1"/>
                 </a:solidFill>
               </a:rPr>
-              <a:t>Conceptual Model for Automation</a:t>
+              <a:t>Today’s Function – DC </a:t>
             </a:r>
-          </a:p>
-        </p:txBody>
-      </p:sp>
-      <p:sp>
-        <p:nvSpPr>
-          <p:cNvPr id="4" name="Text Placeholder 2">
-            <a:extLst>
-              <a:ext uri="{FF2B5EF4-FFF2-40B4-BE49-F238E27FC236}">
-                <a16:creationId xmlns:a16="http://schemas.microsoft.com/office/drawing/2014/main" id="{72B0C312-A9D5-48B5-8006-5A22F86127C9}"/>
-              </a:ext>
-            </a:extLst>
-          </p:cNvPr>
-          <p:cNvSpPr txBox="1">
-            <a:spLocks/>
-          </p:cNvSpPr>
-          <p:nvPr/>
-        </p:nvSpPr>
-        <p:spPr bwMode="auto">
-          <a:xfrm>
-            <a:off x="406400" y="1117600"/>
-            <a:ext cx="10993967" cy="698500"/>
-          </a:xfrm>
-          <a:prstGeom prst="rect">
-            <a:avLst/>
-          </a:prstGeom>
-          <a:noFill/>
-          <a:ln>
-            <a:noFill/>
-          </a:ln>
-          <a:extLst>
-            <a:ext uri="{909E8E84-426E-40DD-AFC4-6F175D3DCCD1}">
-              <a14:hiddenFill xmlns:a14="http://schemas.microsoft.com/office/drawing/2010/main">
-                <a:solidFill>
-                  <a:srgbClr val="FFFFFF"/>
-                </a:solidFill>
-              </a14:hiddenFill>
-            </a:ext>
-            <a:ext uri="{91240B29-F687-4F45-9708-019B960494DF}">
-              <a14:hiddenLine xmlns:a14="http://schemas.microsoft.com/office/drawing/2010/main" w="9525">
-                <a:solidFill>
-                  <a:srgbClr val="000000"/>
-                </a:solidFill>
-                <a:miter lim="800000"/>
-                <a:headEnd/>
-                <a:tailEnd/>
-              </a14:hiddenLine>
-            </a:ext>
-            <a:ext uri="{FAA26D3D-D897-4be2-8F04-BA451C77F1D7}">
-              <ma14:placeholderFlag xmlns="" xmlns:ma14="http://schemas.microsoft.com/office/mac/drawingml/2011/main" val="1"/>
-            </a:ext>
-          </a:extLst>
-        </p:spPr>
-        <p:txBody>
-          <a:bodyPr vert="horz" wrap="square" lIns="91440" tIns="45720" rIns="91440" bIns="45720" numCol="1" anchor="t" anchorCtr="0" compatLnSpc="1">
-            <a:prstTxWarp prst="textNoShape">
-              <a:avLst/>
-            </a:prstTxWarp>
-          </a:bodyPr>
-          <a:lstStyle>
-            <a:lvl1pPr marL="365760" indent="-365760" algn="l" rtl="0" eaLnBrk="0" fontAlgn="base" hangingPunct="0">
-              <a:spcBef>
-                <a:spcPct val="0"/>
-              </a:spcBef>
-              <a:spcAft>
-                <a:spcPct val="0"/>
-              </a:spcAft>
-              <a:buClr>
-                <a:srgbClr val="008BAC"/>
-              </a:buClr>
-              <a:buSzPct val="70000"/>
-              <a:buFont typeface="Wingdings" panose="05000000000000000000" pitchFamily="2" charset="2"/>
-              <a:buChar char="§"/>
-              <a:defRPr lang="en-US" sz="2800" b="0" i="0" kern="1200" smtClean="0">
-                <a:solidFill>
-                  <a:srgbClr val="285B7C"/>
-                </a:solidFill>
-                <a:latin typeface="+mj-lt"/>
-                <a:ea typeface="Lato" panose="020F0502020204030203" pitchFamily="34" charset="0"/>
-                <a:cs typeface="Lato" panose="020F0502020204030203" pitchFamily="34" charset="0"/>
-              </a:defRPr>
-            </a:lvl1pPr>
-            <a:lvl2pPr marL="742950" indent="-342900" algn="l" rtl="0" eaLnBrk="1" fontAlgn="base" hangingPunct="1">
-              <a:spcBef>
-                <a:spcPts val="500"/>
-              </a:spcBef>
-              <a:spcAft>
-                <a:spcPct val="0"/>
-              </a:spcAft>
-              <a:buClr>
-                <a:srgbClr val="008BAC"/>
-              </a:buClr>
-              <a:buFont typeface="Wingdings" panose="05000000000000000000" pitchFamily="2" charset="2"/>
-              <a:buChar char="§"/>
-              <a:defRPr sz="2000" b="0" i="0" kern="1200">
-                <a:solidFill>
-                  <a:srgbClr val="5E6976"/>
-                </a:solidFill>
-                <a:latin typeface="+mj-lt"/>
-                <a:ea typeface="Lato" panose="020F0502020204030203" pitchFamily="34" charset="0"/>
-                <a:cs typeface="Lato" panose="020F0502020204030203" pitchFamily="34" charset="0"/>
-              </a:defRPr>
-            </a:lvl2pPr>
-            <a:lvl3pPr marL="858838" indent="-228600" algn="l" rtl="0" eaLnBrk="1" fontAlgn="base" hangingPunct="1">
-              <a:spcBef>
-                <a:spcPts val="500"/>
-              </a:spcBef>
-              <a:spcAft>
-                <a:spcPct val="0"/>
-              </a:spcAft>
-              <a:buClr>
-                <a:srgbClr val="008BAC"/>
-              </a:buClr>
-              <a:buSzPct val="60000"/>
-              <a:buFont typeface="Wingdings" panose="05000000000000000000" pitchFamily="2" charset="2"/>
-              <a:buChar char="§"/>
-              <a:defRPr kern="1200">
+            <a:r>
+              <a:rPr lang="en-US" dirty="0" err="1">
                 <a:solidFill>
                   <a:schemeClr val="tx1"/>
                 </a:solidFill>
-                <a:latin typeface="+mj-lt"/>
-                <a:ea typeface="Lato" panose="020F0502020204030203" pitchFamily="34" charset="0"/>
-                <a:cs typeface="Lato" panose="020F0502020204030203" pitchFamily="34" charset="0"/>
-              </a:defRPr>
-            </a:lvl3pPr>
-            <a:lvl4pPr marL="1144587" indent="-285750" algn="l" rtl="0" eaLnBrk="1" fontAlgn="base" hangingPunct="1">
-              <a:spcBef>
-                <a:spcPts val="500"/>
-              </a:spcBef>
-              <a:spcAft>
-                <a:spcPct val="0"/>
-              </a:spcAft>
-              <a:buClr>
-                <a:srgbClr val="008BAC"/>
-              </a:buClr>
-              <a:buFont typeface="Wingdings" panose="05000000000000000000" pitchFamily="2" charset="2"/>
-              <a:buChar char="§"/>
-              <a:defRPr sz="1600" kern="1200">
+              </a:rPr>
+              <a:t>PCards</a:t>
+            </a:r>
+            <a:r>
+              <a:rPr lang="en-US" dirty="0">
                 <a:solidFill>
                   <a:schemeClr val="tx1"/>
                 </a:solidFill>
-                <a:latin typeface="+mj-lt"/>
-                <a:ea typeface="Lato" panose="020F0502020204030203" pitchFamily="34" charset="0"/>
-                <a:cs typeface="Lato" panose="020F0502020204030203" pitchFamily="34" charset="0"/>
-              </a:defRPr>
-            </a:lvl4pPr>
-            <a:lvl5pPr marL="2057400" indent="-228600" algn="l" rtl="0" eaLnBrk="1" fontAlgn="base" hangingPunct="1">
-              <a:spcBef>
-                <a:spcPts val="500"/>
-              </a:spcBef>
-              <a:spcAft>
-                <a:spcPct val="0"/>
-              </a:spcAft>
-              <a:buClr>
-                <a:srgbClr val="008BAC"/>
-              </a:buClr>
-              <a:buFont typeface="Wingdings" charset="2"/>
-              <a:buChar char="§"/>
-              <a:defRPr sz="1400" kern="1200">
-                <a:solidFill>
-                  <a:schemeClr val="tx1"/>
-                </a:solidFill>
-                <a:latin typeface="+mj-lt"/>
-                <a:ea typeface="Lato" panose="020F0502020204030203" pitchFamily="34" charset="0"/>
-                <a:cs typeface="Lato" panose="020F0502020204030203" pitchFamily="34" charset="0"/>
-              </a:defRPr>
-            </a:lvl5pPr>
-            <a:lvl6pPr marL="2514600" indent="-228600" algn="l" defTabSz="914400" rtl="0" eaLnBrk="1" latinLnBrk="0" hangingPunct="1">
-              <a:lnSpc>
-                <a:spcPct val="90000"/>
-              </a:lnSpc>
-              <a:spcBef>
-                <a:spcPts val="500"/>
-              </a:spcBef>
-              <a:buFont typeface="Arial"/>
-              <a:buChar char="•"/>
-              <a:defRPr sz="1800" kern="1200">
-                <a:solidFill>
-                  <a:schemeClr val="tx1"/>
-                </a:solidFill>
-                <a:latin typeface="+mn-lt"/>
-                <a:ea typeface="+mn-ea"/>
-                <a:cs typeface="+mn-cs"/>
-              </a:defRPr>
-            </a:lvl6pPr>
-            <a:lvl7pPr marL="2971800" indent="-228600" algn="l" defTabSz="914400" rtl="0" eaLnBrk="1" latinLnBrk="0" hangingPunct="1">
-              <a:lnSpc>
-                <a:spcPct val="90000"/>
-              </a:lnSpc>
-              <a:spcBef>
-                <a:spcPts val="500"/>
-              </a:spcBef>
-              <a:buFont typeface="Arial"/>
-              <a:buChar char="•"/>
-              <a:defRPr sz="1800" kern="1200">
-                <a:solidFill>
-                  <a:schemeClr val="tx1"/>
-                </a:solidFill>
-                <a:latin typeface="+mn-lt"/>
-                <a:ea typeface="+mn-ea"/>
-                <a:cs typeface="+mn-cs"/>
-              </a:defRPr>
-            </a:lvl7pPr>
-            <a:lvl8pPr marL="3429000" indent="-228600" algn="l" defTabSz="914400" rtl="0" eaLnBrk="1" latinLnBrk="0" hangingPunct="1">
-              <a:lnSpc>
-                <a:spcPct val="90000"/>
-              </a:lnSpc>
-              <a:spcBef>
-                <a:spcPts val="500"/>
-              </a:spcBef>
-              <a:buFont typeface="Arial"/>
-              <a:buChar char="•"/>
-              <a:defRPr sz="1800" kern="1200">
-                <a:solidFill>
-                  <a:schemeClr val="tx1"/>
-                </a:solidFill>
-                <a:latin typeface="+mn-lt"/>
-                <a:ea typeface="+mn-ea"/>
-                <a:cs typeface="+mn-cs"/>
-              </a:defRPr>
-            </a:lvl8pPr>
-            <a:lvl9pPr marL="3886200" indent="-228600" algn="l" defTabSz="914400" rtl="0" eaLnBrk="1" latinLnBrk="0" hangingPunct="1">
-              <a:lnSpc>
-                <a:spcPct val="90000"/>
-              </a:lnSpc>
-              <a:spcBef>
-                <a:spcPts val="500"/>
-              </a:spcBef>
-              <a:buFont typeface="Arial"/>
-              <a:buChar char="•"/>
-              <a:defRPr sz="1800" kern="1200">
-                <a:solidFill>
-                  <a:schemeClr val="tx1"/>
-                </a:solidFill>
-                <a:latin typeface="+mn-lt"/>
-                <a:ea typeface="+mn-ea"/>
-                <a:cs typeface="+mn-cs"/>
-              </a:defRPr>
-            </a:lvl9pPr>
-          </a:lstStyle>
-          <a:p>
-            <a:pPr marL="228600" indent="-228600">
-              <a:spcBef>
-                <a:spcPts val="600"/>
-              </a:spcBef>
-              <a:buClr>
-                <a:srgbClr val="285B7C"/>
-              </a:buClr>
-              <a:buFont typeface="Wingdings" panose="05000000000000000000" pitchFamily="2" charset="2"/>
-              <a:buChar char="Ø"/>
-            </a:pPr>
-            <a:r>
-              <a:rPr lang="en-US" sz="2000" b="1" dirty="0"/>
-              <a:t>Step 2: Wrap it in a Function</a:t>
+              </a:rPr>
+              <a:t> Data</a:t>
             </a:r>
-            <a:endParaRPr lang="en-US" sz="2000" dirty="0"/>
-          </a:p>
-          <a:p>
-            <a:pPr marL="400050" lvl="1" indent="0">
-              <a:buClr>
-                <a:schemeClr val="tx2">
-                  <a:lumMod val="75000"/>
-                </a:schemeClr>
-              </a:buClr>
-              <a:buSzPct val="60000"/>
-              <a:buFont typeface="Wingdings" panose="05000000000000000000" pitchFamily="2" charset="2"/>
-              <a:buNone/>
-            </a:pPr>
-            <a:endParaRPr lang="en-US" sz="1800" dirty="0">
-              <a:solidFill>
-                <a:srgbClr val="285B7C"/>
-              </a:solidFill>
-            </a:endParaRPr>
-          </a:p>
-          <a:p>
-            <a:pPr marL="0" indent="0">
-              <a:buFont typeface="Wingdings" panose="05000000000000000000" pitchFamily="2" charset="2"/>
-              <a:buNone/>
-            </a:pPr>
-            <a:endParaRPr lang="en-US" sz="2000" dirty="0"/>
-          </a:p>
-        </p:txBody>
-      </p:sp>
-      <p:sp>
-        <p:nvSpPr>
-          <p:cNvPr id="6" name="Callout: Down Arrow 5">
-            <a:extLst>
-              <a:ext uri="{FF2B5EF4-FFF2-40B4-BE49-F238E27FC236}">
-                <a16:creationId xmlns:a16="http://schemas.microsoft.com/office/drawing/2014/main" id="{7EB3AF05-2177-4363-8DED-B333A894F557}"/>
-              </a:ext>
-            </a:extLst>
-          </p:cNvPr>
-          <p:cNvSpPr/>
-          <p:nvPr/>
-        </p:nvSpPr>
-        <p:spPr>
-          <a:xfrm>
-            <a:off x="4368787" y="2620434"/>
-            <a:ext cx="757766" cy="448734"/>
-          </a:xfrm>
-          <a:prstGeom prst="downArrowCallout">
-            <a:avLst/>
-          </a:prstGeom>
-          <a:noFill/>
-          <a:ln w="9525" cap="flat" cmpd="sng" algn="ctr">
-            <a:solidFill>
-              <a:schemeClr val="bg2">
-                <a:lumMod val="75000"/>
-              </a:schemeClr>
-            </a:solidFill>
-            <a:prstDash val="solid"/>
-            <a:round/>
-            <a:headEnd type="none" w="med" len="med"/>
-            <a:tailEnd type="none" w="med" len="med"/>
-          </a:ln>
-        </p:spPr>
-        <p:style>
-          <a:lnRef idx="0">
-            <a:scrgbClr r="0" g="0" b="0"/>
-          </a:lnRef>
-          <a:fillRef idx="0">
-            <a:scrgbClr r="0" g="0" b="0"/>
-          </a:fillRef>
-          <a:effectRef idx="0">
-            <a:scrgbClr r="0" g="0" b="0"/>
-          </a:effectRef>
-          <a:fontRef idx="minor">
-            <a:schemeClr val="accent1"/>
-          </a:fontRef>
-        </p:style>
-        <p:txBody>
-          <a:bodyPr rtlCol="0" anchor="ctr"/>
-          <a:lstStyle/>
-          <a:p>
-            <a:pPr algn="ctr"/>
-            <a:endParaRPr lang="en-US">
-              <a:solidFill>
-                <a:schemeClr val="bg2">
-                  <a:lumMod val="90000"/>
-                </a:schemeClr>
-              </a:solidFill>
-            </a:endParaRPr>
           </a:p>
         </p:txBody>
       </p:sp>
@@ -7291,7 +7130,7 @@
           <p:cNvPr id="7" name="TextBox 6">
             <a:extLst>
               <a:ext uri="{FF2B5EF4-FFF2-40B4-BE49-F238E27FC236}">
-                <a16:creationId xmlns:a16="http://schemas.microsoft.com/office/drawing/2014/main" id="{4B1CE677-D066-4F3B-B3DA-4F3E68230577}"/>
+                <a16:creationId xmlns:a16="http://schemas.microsoft.com/office/drawing/2014/main" id="{5D385C5E-93EC-4DB9-B1C5-26D0E625F901}"/>
               </a:ext>
             </a:extLst>
           </p:cNvPr>
@@ -7300,540 +7139,7 @@
         </p:nvSpPr>
         <p:spPr>
           <a:xfrm>
-            <a:off x="4459803" y="2620434"/>
-            <a:ext cx="575733" cy="261610"/>
-          </a:xfrm>
-          <a:prstGeom prst="rect">
-            <a:avLst/>
-          </a:prstGeom>
-          <a:noFill/>
-          <a:ln>
-            <a:noFill/>
-          </a:ln>
-        </p:spPr>
-        <p:txBody>
-          <a:bodyPr wrap="square" rtlCol="0">
-            <a:spAutoFit/>
-          </a:bodyPr>
-          <a:lstStyle/>
-          <a:p>
-            <a:r>
-              <a:rPr lang="en-US" sz="1050" dirty="0">
-                <a:solidFill>
-                  <a:schemeClr val="bg2">
-                    <a:lumMod val="90000"/>
-                  </a:schemeClr>
-                </a:solidFill>
-                <a:latin typeface="Calibri Light" panose="020F0302020204030204" pitchFamily="34" charset="0"/>
-                <a:cs typeface="Calibri Light" panose="020F0302020204030204" pitchFamily="34" charset="0"/>
-              </a:rPr>
-              <a:t>Task 1</a:t>
-            </a:r>
-          </a:p>
-        </p:txBody>
-      </p:sp>
-      <p:sp>
-        <p:nvSpPr>
-          <p:cNvPr id="8" name="Callout: Down Arrow 7">
-            <a:extLst>
-              <a:ext uri="{FF2B5EF4-FFF2-40B4-BE49-F238E27FC236}">
-                <a16:creationId xmlns:a16="http://schemas.microsoft.com/office/drawing/2014/main" id="{4DE042DD-16FE-4C30-AE4A-C2E426F16778}"/>
-              </a:ext>
-            </a:extLst>
-          </p:cNvPr>
-          <p:cNvSpPr/>
-          <p:nvPr/>
-        </p:nvSpPr>
-        <p:spPr>
-          <a:xfrm>
-            <a:off x="4368787" y="3069168"/>
-            <a:ext cx="757766" cy="448734"/>
-          </a:xfrm>
-          <a:prstGeom prst="downArrowCallout">
-            <a:avLst/>
-          </a:prstGeom>
-          <a:noFill/>
-          <a:ln w="9525" cap="flat" cmpd="sng" algn="ctr">
-            <a:solidFill>
-              <a:schemeClr val="bg2">
-                <a:lumMod val="75000"/>
-              </a:schemeClr>
-            </a:solidFill>
-            <a:prstDash val="solid"/>
-            <a:round/>
-            <a:headEnd type="none" w="med" len="med"/>
-            <a:tailEnd type="none" w="med" len="med"/>
-          </a:ln>
-        </p:spPr>
-        <p:style>
-          <a:lnRef idx="0">
-            <a:scrgbClr r="0" g="0" b="0"/>
-          </a:lnRef>
-          <a:fillRef idx="0">
-            <a:scrgbClr r="0" g="0" b="0"/>
-          </a:fillRef>
-          <a:effectRef idx="0">
-            <a:scrgbClr r="0" g="0" b="0"/>
-          </a:effectRef>
-          <a:fontRef idx="minor">
-            <a:schemeClr val="accent1"/>
-          </a:fontRef>
-        </p:style>
-        <p:txBody>
-          <a:bodyPr rtlCol="0" anchor="ctr"/>
-          <a:lstStyle/>
-          <a:p>
-            <a:pPr algn="ctr"/>
-            <a:endParaRPr lang="en-US">
-              <a:solidFill>
-                <a:schemeClr val="bg2">
-                  <a:lumMod val="90000"/>
-                </a:schemeClr>
-              </a:solidFill>
-            </a:endParaRPr>
-          </a:p>
-        </p:txBody>
-      </p:sp>
-      <p:sp>
-        <p:nvSpPr>
-          <p:cNvPr id="9" name="TextBox 8">
-            <a:extLst>
-              <a:ext uri="{FF2B5EF4-FFF2-40B4-BE49-F238E27FC236}">
-                <a16:creationId xmlns:a16="http://schemas.microsoft.com/office/drawing/2014/main" id="{C3C0AEDA-5868-44DF-9AFA-12A7940569D6}"/>
-              </a:ext>
-            </a:extLst>
-          </p:cNvPr>
-          <p:cNvSpPr txBox="1"/>
-          <p:nvPr/>
-        </p:nvSpPr>
-        <p:spPr>
-          <a:xfrm>
-            <a:off x="4459803" y="3069168"/>
-            <a:ext cx="575733" cy="261610"/>
-          </a:xfrm>
-          <a:prstGeom prst="rect">
-            <a:avLst/>
-          </a:prstGeom>
-          <a:noFill/>
-          <a:ln>
-            <a:noFill/>
-          </a:ln>
-        </p:spPr>
-        <p:txBody>
-          <a:bodyPr wrap="square" rtlCol="0">
-            <a:spAutoFit/>
-          </a:bodyPr>
-          <a:lstStyle/>
-          <a:p>
-            <a:r>
-              <a:rPr lang="en-US" sz="1050" dirty="0">
-                <a:solidFill>
-                  <a:schemeClr val="bg2">
-                    <a:lumMod val="90000"/>
-                  </a:schemeClr>
-                </a:solidFill>
-                <a:latin typeface="Calibri Light" panose="020F0302020204030204" pitchFamily="34" charset="0"/>
-                <a:cs typeface="Calibri Light" panose="020F0302020204030204" pitchFamily="34" charset="0"/>
-              </a:rPr>
-              <a:t>Task 2</a:t>
-            </a:r>
-          </a:p>
-        </p:txBody>
-      </p:sp>
-      <p:sp>
-        <p:nvSpPr>
-          <p:cNvPr id="10" name="Callout: Down Arrow 9">
-            <a:extLst>
-              <a:ext uri="{FF2B5EF4-FFF2-40B4-BE49-F238E27FC236}">
-                <a16:creationId xmlns:a16="http://schemas.microsoft.com/office/drawing/2014/main" id="{B2880903-2218-43EB-A21B-D2EF16C43204}"/>
-              </a:ext>
-            </a:extLst>
-          </p:cNvPr>
-          <p:cNvSpPr/>
-          <p:nvPr/>
-        </p:nvSpPr>
-        <p:spPr>
-          <a:xfrm>
-            <a:off x="4364552" y="4487336"/>
-            <a:ext cx="757766" cy="448734"/>
-          </a:xfrm>
-          <a:prstGeom prst="downArrowCallout">
-            <a:avLst/>
-          </a:prstGeom>
-          <a:noFill/>
-          <a:ln w="9525" cap="flat" cmpd="sng" algn="ctr">
-            <a:solidFill>
-              <a:schemeClr val="bg2">
-                <a:lumMod val="75000"/>
-              </a:schemeClr>
-            </a:solidFill>
-            <a:prstDash val="solid"/>
-            <a:round/>
-            <a:headEnd type="none" w="med" len="med"/>
-            <a:tailEnd type="none" w="med" len="med"/>
-          </a:ln>
-        </p:spPr>
-        <p:style>
-          <a:lnRef idx="0">
-            <a:scrgbClr r="0" g="0" b="0"/>
-          </a:lnRef>
-          <a:fillRef idx="0">
-            <a:scrgbClr r="0" g="0" b="0"/>
-          </a:fillRef>
-          <a:effectRef idx="0">
-            <a:scrgbClr r="0" g="0" b="0"/>
-          </a:effectRef>
-          <a:fontRef idx="minor">
-            <a:schemeClr val="accent1"/>
-          </a:fontRef>
-        </p:style>
-        <p:txBody>
-          <a:bodyPr rtlCol="0" anchor="ctr"/>
-          <a:lstStyle/>
-          <a:p>
-            <a:pPr algn="ctr"/>
-            <a:endParaRPr lang="en-US">
-              <a:solidFill>
-                <a:schemeClr val="bg2">
-                  <a:lumMod val="90000"/>
-                </a:schemeClr>
-              </a:solidFill>
-            </a:endParaRPr>
-          </a:p>
-        </p:txBody>
-      </p:sp>
-      <p:sp>
-        <p:nvSpPr>
-          <p:cNvPr id="11" name="TextBox 10">
-            <a:extLst>
-              <a:ext uri="{FF2B5EF4-FFF2-40B4-BE49-F238E27FC236}">
-                <a16:creationId xmlns:a16="http://schemas.microsoft.com/office/drawing/2014/main" id="{E48E2858-B636-4E03-9C67-F17EF13A7524}"/>
-              </a:ext>
-            </a:extLst>
-          </p:cNvPr>
-          <p:cNvSpPr txBox="1"/>
-          <p:nvPr/>
-        </p:nvSpPr>
-        <p:spPr>
-          <a:xfrm>
-            <a:off x="4455568" y="4487336"/>
-            <a:ext cx="575733" cy="261610"/>
-          </a:xfrm>
-          <a:prstGeom prst="rect">
-            <a:avLst/>
-          </a:prstGeom>
-          <a:noFill/>
-          <a:ln>
-            <a:noFill/>
-          </a:ln>
-        </p:spPr>
-        <p:txBody>
-          <a:bodyPr wrap="square" rtlCol="0">
-            <a:spAutoFit/>
-          </a:bodyPr>
-          <a:lstStyle/>
-          <a:p>
-            <a:r>
-              <a:rPr lang="en-US" sz="1050" dirty="0">
-                <a:solidFill>
-                  <a:schemeClr val="bg2">
-                    <a:lumMod val="90000"/>
-                  </a:schemeClr>
-                </a:solidFill>
-                <a:latin typeface="Calibri Light" panose="020F0302020204030204" pitchFamily="34" charset="0"/>
-                <a:cs typeface="Calibri Light" panose="020F0302020204030204" pitchFamily="34" charset="0"/>
-              </a:rPr>
-              <a:t>Task n</a:t>
-            </a:r>
-          </a:p>
-        </p:txBody>
-      </p:sp>
-      <p:sp>
-        <p:nvSpPr>
-          <p:cNvPr id="12" name="Callout: Down Arrow 11">
-            <a:extLst>
-              <a:ext uri="{FF2B5EF4-FFF2-40B4-BE49-F238E27FC236}">
-                <a16:creationId xmlns:a16="http://schemas.microsoft.com/office/drawing/2014/main" id="{2906B8ED-426A-4024-93D1-70BF2DCDECC2}"/>
-              </a:ext>
-            </a:extLst>
-          </p:cNvPr>
-          <p:cNvSpPr/>
-          <p:nvPr/>
-        </p:nvSpPr>
-        <p:spPr>
-          <a:xfrm>
-            <a:off x="4364553" y="3517902"/>
-            <a:ext cx="757766" cy="448734"/>
-          </a:xfrm>
-          <a:prstGeom prst="downArrowCallout">
-            <a:avLst/>
-          </a:prstGeom>
-          <a:noFill/>
-          <a:ln w="9525" cap="flat" cmpd="sng" algn="ctr">
-            <a:solidFill>
-              <a:schemeClr val="bg2">
-                <a:lumMod val="75000"/>
-              </a:schemeClr>
-            </a:solidFill>
-            <a:prstDash val="solid"/>
-            <a:round/>
-            <a:headEnd type="none" w="med" len="med"/>
-            <a:tailEnd type="none" w="med" len="med"/>
-          </a:ln>
-        </p:spPr>
-        <p:style>
-          <a:lnRef idx="0">
-            <a:scrgbClr r="0" g="0" b="0"/>
-          </a:lnRef>
-          <a:fillRef idx="0">
-            <a:scrgbClr r="0" g="0" b="0"/>
-          </a:fillRef>
-          <a:effectRef idx="0">
-            <a:scrgbClr r="0" g="0" b="0"/>
-          </a:effectRef>
-          <a:fontRef idx="minor">
-            <a:schemeClr val="accent1"/>
-          </a:fontRef>
-        </p:style>
-        <p:txBody>
-          <a:bodyPr rtlCol="0" anchor="ctr"/>
-          <a:lstStyle/>
-          <a:p>
-            <a:pPr algn="ctr"/>
-            <a:endParaRPr lang="en-US">
-              <a:solidFill>
-                <a:schemeClr val="bg2">
-                  <a:lumMod val="90000"/>
-                </a:schemeClr>
-              </a:solidFill>
-            </a:endParaRPr>
-          </a:p>
-        </p:txBody>
-      </p:sp>
-      <p:sp>
-        <p:nvSpPr>
-          <p:cNvPr id="13" name="TextBox 12">
-            <a:extLst>
-              <a:ext uri="{FF2B5EF4-FFF2-40B4-BE49-F238E27FC236}">
-                <a16:creationId xmlns:a16="http://schemas.microsoft.com/office/drawing/2014/main" id="{5BFAFEC7-E5C7-4465-950D-EAC472A230B5}"/>
-              </a:ext>
-            </a:extLst>
-          </p:cNvPr>
-          <p:cNvSpPr txBox="1"/>
-          <p:nvPr/>
-        </p:nvSpPr>
-        <p:spPr>
-          <a:xfrm>
-            <a:off x="4455569" y="3517902"/>
-            <a:ext cx="575733" cy="261610"/>
-          </a:xfrm>
-          <a:prstGeom prst="rect">
-            <a:avLst/>
-          </a:prstGeom>
-          <a:noFill/>
-          <a:ln>
-            <a:noFill/>
-          </a:ln>
-        </p:spPr>
-        <p:txBody>
-          <a:bodyPr wrap="square" rtlCol="0">
-            <a:spAutoFit/>
-          </a:bodyPr>
-          <a:lstStyle/>
-          <a:p>
-            <a:r>
-              <a:rPr lang="en-US" sz="1050" dirty="0">
-                <a:solidFill>
-                  <a:schemeClr val="bg2">
-                    <a:lumMod val="90000"/>
-                  </a:schemeClr>
-                </a:solidFill>
-                <a:latin typeface="Calibri Light" panose="020F0302020204030204" pitchFamily="34" charset="0"/>
-                <a:cs typeface="Calibri Light" panose="020F0302020204030204" pitchFamily="34" charset="0"/>
-              </a:rPr>
-              <a:t>Task 3</a:t>
-            </a:r>
-          </a:p>
-        </p:txBody>
-      </p:sp>
-      <p:sp>
-        <p:nvSpPr>
-          <p:cNvPr id="17" name="TextBox 16">
-            <a:extLst>
-              <a:ext uri="{FF2B5EF4-FFF2-40B4-BE49-F238E27FC236}">
-                <a16:creationId xmlns:a16="http://schemas.microsoft.com/office/drawing/2014/main" id="{F94618BE-065A-40BB-B1EC-71EF2693F474}"/>
-              </a:ext>
-            </a:extLst>
-          </p:cNvPr>
-          <p:cNvSpPr txBox="1"/>
-          <p:nvPr/>
-        </p:nvSpPr>
-        <p:spPr>
-          <a:xfrm rot="16200000">
-            <a:off x="4376825" y="4019165"/>
-            <a:ext cx="733222" cy="253916"/>
-          </a:xfrm>
-          <a:prstGeom prst="rect">
-            <a:avLst/>
-          </a:prstGeom>
-          <a:noFill/>
-          <a:ln>
-            <a:noFill/>
-          </a:ln>
-        </p:spPr>
-        <p:txBody>
-          <a:bodyPr wrap="square" rtlCol="0">
-            <a:spAutoFit/>
-          </a:bodyPr>
-          <a:lstStyle/>
-          <a:p>
-            <a:r>
-              <a:rPr lang="en-US" sz="1050" dirty="0">
-                <a:solidFill>
-                  <a:schemeClr val="bg2">
-                    <a:lumMod val="90000"/>
-                  </a:schemeClr>
-                </a:solidFill>
-                <a:latin typeface="Calibri Light" panose="020F0302020204030204" pitchFamily="34" charset="0"/>
-                <a:cs typeface="Calibri Light" panose="020F0302020204030204" pitchFamily="34" charset="0"/>
-              </a:rPr>
-              <a:t>- - - - - - </a:t>
-            </a:r>
-          </a:p>
-        </p:txBody>
-      </p:sp>
-      <p:sp>
-        <p:nvSpPr>
-          <p:cNvPr id="19" name="Flowchart: Terminator 18">
-            <a:extLst>
-              <a:ext uri="{FF2B5EF4-FFF2-40B4-BE49-F238E27FC236}">
-                <a16:creationId xmlns:a16="http://schemas.microsoft.com/office/drawing/2014/main" id="{6BED89EE-74D7-4A18-8A77-1B72F4E0D6B0}"/>
-              </a:ext>
-            </a:extLst>
-          </p:cNvPr>
-          <p:cNvSpPr/>
-          <p:nvPr/>
-        </p:nvSpPr>
-        <p:spPr>
-          <a:xfrm>
-            <a:off x="4258713" y="4952146"/>
-            <a:ext cx="956734" cy="317500"/>
-          </a:xfrm>
-          <a:prstGeom prst="flowChartTerminator">
-            <a:avLst/>
-          </a:prstGeom>
-          <a:solidFill>
-            <a:schemeClr val="bg1"/>
-          </a:solidFill>
-          <a:ln>
-            <a:solidFill>
-              <a:schemeClr val="bg2">
-                <a:lumMod val="75000"/>
-              </a:schemeClr>
-            </a:solidFill>
-          </a:ln>
-        </p:spPr>
-        <p:style>
-          <a:lnRef idx="2">
-            <a:schemeClr val="accent1">
-              <a:shade val="50000"/>
-            </a:schemeClr>
-          </a:lnRef>
-          <a:fillRef idx="1">
-            <a:schemeClr val="accent1"/>
-          </a:fillRef>
-          <a:effectRef idx="0">
-            <a:schemeClr val="accent1"/>
-          </a:effectRef>
-          <a:fontRef idx="minor">
-            <a:schemeClr val="lt1"/>
-          </a:fontRef>
-        </p:style>
-        <p:txBody>
-          <a:bodyPr rtlCol="0" anchor="ctr"/>
-          <a:lstStyle/>
-          <a:p>
-            <a:pPr algn="ctr"/>
-            <a:r>
-              <a:rPr lang="en-US" sz="1100" dirty="0">
-                <a:solidFill>
-                  <a:schemeClr val="bg2">
-                    <a:lumMod val="90000"/>
-                  </a:schemeClr>
-                </a:solidFill>
-                <a:latin typeface="+mj-lt"/>
-              </a:rPr>
-              <a:t>Completed</a:t>
-            </a:r>
-          </a:p>
-        </p:txBody>
-      </p:sp>
-      <p:sp>
-        <p:nvSpPr>
-          <p:cNvPr id="3" name="TextBox 2">
-            <a:extLst>
-              <a:ext uri="{FF2B5EF4-FFF2-40B4-BE49-F238E27FC236}">
-                <a16:creationId xmlns:a16="http://schemas.microsoft.com/office/drawing/2014/main" id="{75074EFB-2DA3-4947-A782-4C55AAE65B6B}"/>
-              </a:ext>
-            </a:extLst>
-          </p:cNvPr>
-          <p:cNvSpPr txBox="1"/>
-          <p:nvPr/>
-        </p:nvSpPr>
-        <p:spPr>
-          <a:xfrm>
-            <a:off x="2789753" y="2163060"/>
-            <a:ext cx="2336800" cy="307777"/>
-          </a:xfrm>
-          <a:prstGeom prst="rect">
-            <a:avLst/>
-          </a:prstGeom>
-          <a:noFill/>
-        </p:spPr>
-        <p:txBody>
-          <a:bodyPr wrap="square" rtlCol="0">
-            <a:spAutoFit/>
-          </a:bodyPr>
-          <a:lstStyle/>
-          <a:p>
-            <a:r>
-              <a:rPr lang="en-US" sz="1400" b="1" dirty="0" err="1">
-                <a:solidFill>
-                  <a:srgbClr val="285B7C"/>
-                </a:solidFill>
-                <a:latin typeface="Calibri Light" panose="020F0302020204030204" pitchFamily="34" charset="0"/>
-                <a:cs typeface="Calibri Light" panose="020F0302020204030204" pitchFamily="34" charset="0"/>
-              </a:rPr>
-              <a:t>my_function</a:t>
-            </a:r>
-            <a:r>
-              <a:rPr lang="en-US" sz="1400" b="1" dirty="0">
-                <a:solidFill>
-                  <a:srgbClr val="285B7C"/>
-                </a:solidFill>
-                <a:latin typeface="Calibri Light" panose="020F0302020204030204" pitchFamily="34" charset="0"/>
-                <a:cs typeface="Calibri Light" panose="020F0302020204030204" pitchFamily="34" charset="0"/>
-              </a:rPr>
-              <a:t>{…</a:t>
-            </a:r>
-          </a:p>
-        </p:txBody>
-      </p:sp>
-      <p:sp>
-        <p:nvSpPr>
-          <p:cNvPr id="15" name="TextBox 14">
-            <a:extLst>
-              <a:ext uri="{FF2B5EF4-FFF2-40B4-BE49-F238E27FC236}">
-                <a16:creationId xmlns:a16="http://schemas.microsoft.com/office/drawing/2014/main" id="{EEDFA542-4A7F-49BA-A15B-39DB846365F2}"/>
-              </a:ext>
-            </a:extLst>
-          </p:cNvPr>
-          <p:cNvSpPr txBox="1"/>
-          <p:nvPr/>
-        </p:nvSpPr>
-        <p:spPr>
-          <a:xfrm>
-            <a:off x="5710766" y="5426680"/>
+            <a:off x="7848599" y="4440315"/>
             <a:ext cx="1553633" cy="307777"/>
           </a:xfrm>
           <a:prstGeom prst="rect">
@@ -7860,10 +7166,40 @@
           </a:p>
         </p:txBody>
       </p:sp>
+      <p:pic>
+        <p:nvPicPr>
+          <p:cNvPr id="5" name="Picture 4">
+            <a:extLst>
+              <a:ext uri="{FF2B5EF4-FFF2-40B4-BE49-F238E27FC236}">
+                <a16:creationId xmlns:a16="http://schemas.microsoft.com/office/drawing/2014/main" id="{7F18C7B4-520C-4F7E-9E63-FA2411094E1C}"/>
+              </a:ext>
+            </a:extLst>
+          </p:cNvPr>
+          <p:cNvPicPr>
+            <a:picLocks noChangeAspect="1"/>
+          </p:cNvPicPr>
+          <p:nvPr/>
+        </p:nvPicPr>
+        <p:blipFill>
+          <a:blip r:embed="rId2"/>
+          <a:stretch>
+            <a:fillRect/>
+          </a:stretch>
+        </p:blipFill>
+        <p:spPr>
+          <a:xfrm>
+            <a:off x="57150" y="1433512"/>
+            <a:ext cx="12077700" cy="3990975"/>
+          </a:xfrm>
+          <a:prstGeom prst="rect">
+            <a:avLst/>
+          </a:prstGeom>
+        </p:spPr>
+      </p:pic>
     </p:spTree>
     <p:extLst>
       <p:ext uri="{BB962C8B-B14F-4D97-AF65-F5344CB8AC3E}">
-        <p14:creationId xmlns:p14="http://schemas.microsoft.com/office/powerpoint/2010/main" val="2950852205"/>
+        <p14:creationId xmlns:p14="http://schemas.microsoft.com/office/powerpoint/2010/main" val="4124519301"/>
       </p:ext>
     </p:extLst>
   </p:cSld>
@@ -7917,403 +7253,7 @@
                   <a:schemeClr val="tx1"/>
                 </a:solidFill>
               </a:rPr>
-              <a:t>Conceptual Model for Automation</a:t>
-            </a:r>
-          </a:p>
-        </p:txBody>
-      </p:sp>
-      <p:sp>
-        <p:nvSpPr>
-          <p:cNvPr id="4" name="Text Placeholder 2">
-            <a:extLst>
-              <a:ext uri="{FF2B5EF4-FFF2-40B4-BE49-F238E27FC236}">
-                <a16:creationId xmlns:a16="http://schemas.microsoft.com/office/drawing/2014/main" id="{72B0C312-A9D5-48B5-8006-5A22F86127C9}"/>
-              </a:ext>
-            </a:extLst>
-          </p:cNvPr>
-          <p:cNvSpPr txBox="1">
-            <a:spLocks/>
-          </p:cNvSpPr>
-          <p:nvPr/>
-        </p:nvSpPr>
-        <p:spPr bwMode="auto">
-          <a:xfrm>
-            <a:off x="406400" y="1117600"/>
-            <a:ext cx="10993967" cy="698500"/>
-          </a:xfrm>
-          <a:prstGeom prst="rect">
-            <a:avLst/>
-          </a:prstGeom>
-          <a:noFill/>
-          <a:ln>
-            <a:noFill/>
-          </a:ln>
-          <a:extLst>
-            <a:ext uri="{909E8E84-426E-40DD-AFC4-6F175D3DCCD1}">
-              <a14:hiddenFill xmlns:a14="http://schemas.microsoft.com/office/drawing/2010/main">
-                <a:solidFill>
-                  <a:srgbClr val="FFFFFF"/>
-                </a:solidFill>
-              </a14:hiddenFill>
-            </a:ext>
-            <a:ext uri="{91240B29-F687-4F45-9708-019B960494DF}">
-              <a14:hiddenLine xmlns:a14="http://schemas.microsoft.com/office/drawing/2010/main" w="9525">
-                <a:solidFill>
-                  <a:srgbClr val="000000"/>
-                </a:solidFill>
-                <a:miter lim="800000"/>
-                <a:headEnd/>
-                <a:tailEnd/>
-              </a14:hiddenLine>
-            </a:ext>
-            <a:ext uri="{FAA26D3D-D897-4be2-8F04-BA451C77F1D7}">
-              <ma14:placeholderFlag xmlns="" xmlns:ma14="http://schemas.microsoft.com/office/mac/drawingml/2011/main" val="1"/>
-            </a:ext>
-          </a:extLst>
-        </p:spPr>
-        <p:txBody>
-          <a:bodyPr vert="horz" wrap="square" lIns="91440" tIns="45720" rIns="91440" bIns="45720" numCol="1" anchor="t" anchorCtr="0" compatLnSpc="1">
-            <a:prstTxWarp prst="textNoShape">
-              <a:avLst/>
-            </a:prstTxWarp>
-          </a:bodyPr>
-          <a:lstStyle>
-            <a:lvl1pPr marL="365760" indent="-365760" algn="l" rtl="0" eaLnBrk="0" fontAlgn="base" hangingPunct="0">
-              <a:spcBef>
-                <a:spcPct val="0"/>
-              </a:spcBef>
-              <a:spcAft>
-                <a:spcPct val="0"/>
-              </a:spcAft>
-              <a:buClr>
-                <a:srgbClr val="008BAC"/>
-              </a:buClr>
-              <a:buSzPct val="70000"/>
-              <a:buFont typeface="Wingdings" panose="05000000000000000000" pitchFamily="2" charset="2"/>
-              <a:buChar char="§"/>
-              <a:defRPr lang="en-US" sz="2800" b="0" i="0" kern="1200" smtClean="0">
-                <a:solidFill>
-                  <a:srgbClr val="285B7C"/>
-                </a:solidFill>
-                <a:latin typeface="+mj-lt"/>
-                <a:ea typeface="Lato" panose="020F0502020204030203" pitchFamily="34" charset="0"/>
-                <a:cs typeface="Lato" panose="020F0502020204030203" pitchFamily="34" charset="0"/>
-              </a:defRPr>
-            </a:lvl1pPr>
-            <a:lvl2pPr marL="742950" indent="-342900" algn="l" rtl="0" eaLnBrk="1" fontAlgn="base" hangingPunct="1">
-              <a:spcBef>
-                <a:spcPts val="500"/>
-              </a:spcBef>
-              <a:spcAft>
-                <a:spcPct val="0"/>
-              </a:spcAft>
-              <a:buClr>
-                <a:srgbClr val="008BAC"/>
-              </a:buClr>
-              <a:buFont typeface="Wingdings" panose="05000000000000000000" pitchFamily="2" charset="2"/>
-              <a:buChar char="§"/>
-              <a:defRPr sz="2000" b="0" i="0" kern="1200">
-                <a:solidFill>
-                  <a:srgbClr val="5E6976"/>
-                </a:solidFill>
-                <a:latin typeface="+mj-lt"/>
-                <a:ea typeface="Lato" panose="020F0502020204030203" pitchFamily="34" charset="0"/>
-                <a:cs typeface="Lato" panose="020F0502020204030203" pitchFamily="34" charset="0"/>
-              </a:defRPr>
-            </a:lvl2pPr>
-            <a:lvl3pPr marL="858838" indent="-228600" algn="l" rtl="0" eaLnBrk="1" fontAlgn="base" hangingPunct="1">
-              <a:spcBef>
-                <a:spcPts val="500"/>
-              </a:spcBef>
-              <a:spcAft>
-                <a:spcPct val="0"/>
-              </a:spcAft>
-              <a:buClr>
-                <a:srgbClr val="008BAC"/>
-              </a:buClr>
-              <a:buSzPct val="60000"/>
-              <a:buFont typeface="Wingdings" panose="05000000000000000000" pitchFamily="2" charset="2"/>
-              <a:buChar char="§"/>
-              <a:defRPr kern="1200">
-                <a:solidFill>
-                  <a:schemeClr val="tx1"/>
-                </a:solidFill>
-                <a:latin typeface="+mj-lt"/>
-                <a:ea typeface="Lato" panose="020F0502020204030203" pitchFamily="34" charset="0"/>
-                <a:cs typeface="Lato" panose="020F0502020204030203" pitchFamily="34" charset="0"/>
-              </a:defRPr>
-            </a:lvl3pPr>
-            <a:lvl4pPr marL="1144587" indent="-285750" algn="l" rtl="0" eaLnBrk="1" fontAlgn="base" hangingPunct="1">
-              <a:spcBef>
-                <a:spcPts val="500"/>
-              </a:spcBef>
-              <a:spcAft>
-                <a:spcPct val="0"/>
-              </a:spcAft>
-              <a:buClr>
-                <a:srgbClr val="008BAC"/>
-              </a:buClr>
-              <a:buFont typeface="Wingdings" panose="05000000000000000000" pitchFamily="2" charset="2"/>
-              <a:buChar char="§"/>
-              <a:defRPr sz="1600" kern="1200">
-                <a:solidFill>
-                  <a:schemeClr val="tx1"/>
-                </a:solidFill>
-                <a:latin typeface="+mj-lt"/>
-                <a:ea typeface="Lato" panose="020F0502020204030203" pitchFamily="34" charset="0"/>
-                <a:cs typeface="Lato" panose="020F0502020204030203" pitchFamily="34" charset="0"/>
-              </a:defRPr>
-            </a:lvl4pPr>
-            <a:lvl5pPr marL="2057400" indent="-228600" algn="l" rtl="0" eaLnBrk="1" fontAlgn="base" hangingPunct="1">
-              <a:spcBef>
-                <a:spcPts val="500"/>
-              </a:spcBef>
-              <a:spcAft>
-                <a:spcPct val="0"/>
-              </a:spcAft>
-              <a:buClr>
-                <a:srgbClr val="008BAC"/>
-              </a:buClr>
-              <a:buFont typeface="Wingdings" charset="2"/>
-              <a:buChar char="§"/>
-              <a:defRPr sz="1400" kern="1200">
-                <a:solidFill>
-                  <a:schemeClr val="tx1"/>
-                </a:solidFill>
-                <a:latin typeface="+mj-lt"/>
-                <a:ea typeface="Lato" panose="020F0502020204030203" pitchFamily="34" charset="0"/>
-                <a:cs typeface="Lato" panose="020F0502020204030203" pitchFamily="34" charset="0"/>
-              </a:defRPr>
-            </a:lvl5pPr>
-            <a:lvl6pPr marL="2514600" indent="-228600" algn="l" defTabSz="914400" rtl="0" eaLnBrk="1" latinLnBrk="0" hangingPunct="1">
-              <a:lnSpc>
-                <a:spcPct val="90000"/>
-              </a:lnSpc>
-              <a:spcBef>
-                <a:spcPts val="500"/>
-              </a:spcBef>
-              <a:buFont typeface="Arial"/>
-              <a:buChar char="•"/>
-              <a:defRPr sz="1800" kern="1200">
-                <a:solidFill>
-                  <a:schemeClr val="tx1"/>
-                </a:solidFill>
-                <a:latin typeface="+mn-lt"/>
-                <a:ea typeface="+mn-ea"/>
-                <a:cs typeface="+mn-cs"/>
-              </a:defRPr>
-            </a:lvl6pPr>
-            <a:lvl7pPr marL="2971800" indent="-228600" algn="l" defTabSz="914400" rtl="0" eaLnBrk="1" latinLnBrk="0" hangingPunct="1">
-              <a:lnSpc>
-                <a:spcPct val="90000"/>
-              </a:lnSpc>
-              <a:spcBef>
-                <a:spcPts val="500"/>
-              </a:spcBef>
-              <a:buFont typeface="Arial"/>
-              <a:buChar char="•"/>
-              <a:defRPr sz="1800" kern="1200">
-                <a:solidFill>
-                  <a:schemeClr val="tx1"/>
-                </a:solidFill>
-                <a:latin typeface="+mn-lt"/>
-                <a:ea typeface="+mn-ea"/>
-                <a:cs typeface="+mn-cs"/>
-              </a:defRPr>
-            </a:lvl7pPr>
-            <a:lvl8pPr marL="3429000" indent="-228600" algn="l" defTabSz="914400" rtl="0" eaLnBrk="1" latinLnBrk="0" hangingPunct="1">
-              <a:lnSpc>
-                <a:spcPct val="90000"/>
-              </a:lnSpc>
-              <a:spcBef>
-                <a:spcPts val="500"/>
-              </a:spcBef>
-              <a:buFont typeface="Arial"/>
-              <a:buChar char="•"/>
-              <a:defRPr sz="1800" kern="1200">
-                <a:solidFill>
-                  <a:schemeClr val="tx1"/>
-                </a:solidFill>
-                <a:latin typeface="+mn-lt"/>
-                <a:ea typeface="+mn-ea"/>
-                <a:cs typeface="+mn-cs"/>
-              </a:defRPr>
-            </a:lvl8pPr>
-            <a:lvl9pPr marL="3886200" indent="-228600" algn="l" defTabSz="914400" rtl="0" eaLnBrk="1" latinLnBrk="0" hangingPunct="1">
-              <a:lnSpc>
-                <a:spcPct val="90000"/>
-              </a:lnSpc>
-              <a:spcBef>
-                <a:spcPts val="500"/>
-              </a:spcBef>
-              <a:buFont typeface="Arial"/>
-              <a:buChar char="•"/>
-              <a:defRPr sz="1800" kern="1200">
-                <a:solidFill>
-                  <a:schemeClr val="tx1"/>
-                </a:solidFill>
-                <a:latin typeface="+mn-lt"/>
-                <a:ea typeface="+mn-ea"/>
-                <a:cs typeface="+mn-cs"/>
-              </a:defRPr>
-            </a:lvl9pPr>
-          </a:lstStyle>
-          <a:p>
-            <a:pPr marL="228600" indent="-228600">
-              <a:spcBef>
-                <a:spcPts val="600"/>
-              </a:spcBef>
-              <a:buClr>
-                <a:srgbClr val="285B7C"/>
-              </a:buClr>
-              <a:buFont typeface="Wingdings" panose="05000000000000000000" pitchFamily="2" charset="2"/>
-              <a:buChar char="Ø"/>
-            </a:pPr>
-            <a:r>
-              <a:rPr lang="en-US" sz="2000" b="1"/>
-              <a:t>Step 3: </a:t>
-            </a:r>
-            <a:r>
-              <a:rPr lang="en-US" sz="2000" b="1" dirty="0"/>
-              <a:t>Call function as needed</a:t>
-            </a:r>
-            <a:endParaRPr lang="en-US" sz="2000" dirty="0"/>
-          </a:p>
-          <a:p>
-            <a:pPr marL="400050" lvl="1" indent="0">
-              <a:buClr>
-                <a:schemeClr val="tx2">
-                  <a:lumMod val="75000"/>
-                </a:schemeClr>
-              </a:buClr>
-              <a:buSzPct val="60000"/>
-              <a:buFont typeface="Wingdings" panose="05000000000000000000" pitchFamily="2" charset="2"/>
-              <a:buNone/>
-            </a:pPr>
-            <a:endParaRPr lang="en-US" sz="1800" dirty="0">
-              <a:solidFill>
-                <a:srgbClr val="285B7C"/>
-              </a:solidFill>
-            </a:endParaRPr>
-          </a:p>
-          <a:p>
-            <a:pPr marL="0" indent="0">
-              <a:buFont typeface="Wingdings" panose="05000000000000000000" pitchFamily="2" charset="2"/>
-              <a:buNone/>
-            </a:pPr>
-            <a:endParaRPr lang="en-US" sz="2000" dirty="0"/>
-          </a:p>
-        </p:txBody>
-      </p:sp>
-      <p:sp>
-        <p:nvSpPr>
-          <p:cNvPr id="3" name="TextBox 2">
-            <a:extLst>
-              <a:ext uri="{FF2B5EF4-FFF2-40B4-BE49-F238E27FC236}">
-                <a16:creationId xmlns:a16="http://schemas.microsoft.com/office/drawing/2014/main" id="{75074EFB-2DA3-4947-A782-4C55AAE65B6B}"/>
-              </a:ext>
-            </a:extLst>
-          </p:cNvPr>
-          <p:cNvSpPr txBox="1"/>
-          <p:nvPr/>
-        </p:nvSpPr>
-        <p:spPr>
-          <a:xfrm>
-            <a:off x="2789753" y="2163060"/>
-            <a:ext cx="2336800" cy="307777"/>
-          </a:xfrm>
-          <a:prstGeom prst="rect">
-            <a:avLst/>
-          </a:prstGeom>
-          <a:noFill/>
-        </p:spPr>
-        <p:txBody>
-          <a:bodyPr wrap="square" rtlCol="0">
-            <a:spAutoFit/>
-          </a:bodyPr>
-          <a:lstStyle/>
-          <a:p>
-            <a:r>
-              <a:rPr lang="en-US" sz="1400" b="1" dirty="0" err="1">
-                <a:solidFill>
-                  <a:srgbClr val="285B7C"/>
-                </a:solidFill>
-                <a:latin typeface="Calibri Light" panose="020F0302020204030204" pitchFamily="34" charset="0"/>
-                <a:cs typeface="Calibri Light" panose="020F0302020204030204" pitchFamily="34" charset="0"/>
-              </a:rPr>
-              <a:t>my_function</a:t>
-            </a:r>
-            <a:r>
-              <a:rPr lang="en-US" sz="1400" b="1" dirty="0">
-                <a:solidFill>
-                  <a:srgbClr val="285B7C"/>
-                </a:solidFill>
-                <a:latin typeface="Calibri Light" panose="020F0302020204030204" pitchFamily="34" charset="0"/>
-                <a:cs typeface="Calibri Light" panose="020F0302020204030204" pitchFamily="34" charset="0"/>
-              </a:rPr>
-              <a:t>{…}</a:t>
-            </a:r>
-          </a:p>
-        </p:txBody>
-      </p:sp>
-    </p:spTree>
-    <p:extLst>
-      <p:ext uri="{BB962C8B-B14F-4D97-AF65-F5344CB8AC3E}">
-        <p14:creationId xmlns:p14="http://schemas.microsoft.com/office/powerpoint/2010/main" val="2078802400"/>
-      </p:ext>
-    </p:extLst>
-  </p:cSld>
-  <p:clrMapOvr>
-    <a:masterClrMapping/>
-  </p:clrMapOvr>
-</p:sld>
-</file>
-
-<file path=ppt/slides/slide12.xml><?xml version="1.0" encoding="utf-8"?>
-<p:sld xmlns:a="http://schemas.openxmlformats.org/drawingml/2006/main" xmlns:r="http://schemas.openxmlformats.org/officeDocument/2006/relationships" xmlns:p="http://schemas.openxmlformats.org/presentationml/2006/main">
-  <p:cSld>
-    <p:spTree>
-      <p:nvGrpSpPr>
-        <p:cNvPr id="1" name=""/>
-        <p:cNvGrpSpPr/>
-        <p:nvPr/>
-      </p:nvGrpSpPr>
-      <p:grpSpPr>
-        <a:xfrm>
-          <a:off x="0" y="0"/>
-          <a:ext cx="0" cy="0"/>
-          <a:chOff x="0" y="0"/>
-          <a:chExt cx="0" cy="0"/>
-        </a:xfrm>
-      </p:grpSpPr>
-      <p:sp>
-        <p:nvSpPr>
-          <p:cNvPr id="2" name="Title 1">
-            <a:extLst>
-              <a:ext uri="{FF2B5EF4-FFF2-40B4-BE49-F238E27FC236}">
-                <a16:creationId xmlns:a16="http://schemas.microsoft.com/office/drawing/2014/main" id="{3B75E9DE-0B45-47E9-8400-AA526490CEC7}"/>
-              </a:ext>
-            </a:extLst>
-          </p:cNvPr>
-          <p:cNvSpPr>
-            <a:spLocks noGrp="1"/>
-          </p:cNvSpPr>
-          <p:nvPr>
-            <p:ph type="ctrTitle"/>
-          </p:nvPr>
-        </p:nvSpPr>
-        <p:spPr/>
-        <p:txBody>
-          <a:bodyPr/>
-          <a:lstStyle/>
-          <a:p>
-            <a:r>
-              <a:rPr lang="en-US" dirty="0">
-                <a:solidFill>
-                  <a:schemeClr val="tx1"/>
-                </a:solidFill>
-              </a:rPr>
-              <a:t>Today’s Load Function</a:t>
+              <a:t>Today’s Function – Load &amp; Tidy PCard Data</a:t>
             </a:r>
           </a:p>
         </p:txBody>
@@ -8537,7 +7477,7 @@
     </p:spTree>
     <p:extLst>
       <p:ext uri="{BB962C8B-B14F-4D97-AF65-F5344CB8AC3E}">
-        <p14:creationId xmlns:p14="http://schemas.microsoft.com/office/powerpoint/2010/main" val="4124519301"/>
+        <p14:creationId xmlns:p14="http://schemas.microsoft.com/office/powerpoint/2010/main" val="4142721408"/>
       </p:ext>
     </p:extLst>
   </p:cSld>
@@ -8671,7 +7611,7 @@
 </p:sld>
 </file>
 
-<file path=ppt/slides/slide13.xml><?xml version="1.0" encoding="utf-8"?>
+<file path=ppt/slides/slide12.xml><?xml version="1.0" encoding="utf-8"?>
 <p:sld xmlns:a="http://schemas.openxmlformats.org/drawingml/2006/main" xmlns:r="http://schemas.openxmlformats.org/officeDocument/2006/relationships" xmlns:p="http://schemas.openxmlformats.org/presentationml/2006/main">
   <p:cSld>
     <p:spTree>
@@ -8727,7 +7667,7 @@
                 <a:latin typeface="+mj-lt"/>
                 <a:cs typeface="Segoe UI" panose="020B0502040204020203" pitchFamily="34" charset="0"/>
               </a:rPr>
-              <a:t>Let’s Automate… (in R)</a:t>
+              <a:t>Let’s Be Lazy… (in R)</a:t>
             </a:r>
           </a:p>
         </p:txBody>
@@ -8745,7 +7685,7 @@
 </p:sld>
 </file>
 
-<file path=ppt/slides/slide14.xml><?xml version="1.0" encoding="utf-8"?>
+<file path=ppt/slides/slide13.xml><?xml version="1.0" encoding="utf-8"?>
 <p:sld xmlns:a="http://schemas.openxmlformats.org/drawingml/2006/main" xmlns:r="http://schemas.openxmlformats.org/officeDocument/2006/relationships" xmlns:p="http://schemas.openxmlformats.org/presentationml/2006/main">
   <p:cSld>
     <p:spTree>
@@ -9259,7 +8199,235 @@
 </p:sld>
 </file>
 
-<file path=ppt/slides/slide15.xml><?xml version="1.0" encoding="utf-8"?>
+<file path=ppt/slides/slide2.xml><?xml version="1.0" encoding="utf-8"?>
+<p:sld xmlns:a="http://schemas.openxmlformats.org/drawingml/2006/main" xmlns:r="http://schemas.openxmlformats.org/officeDocument/2006/relationships" xmlns:p="http://schemas.openxmlformats.org/presentationml/2006/main">
+  <p:cSld>
+    <p:spTree>
+      <p:nvGrpSpPr>
+        <p:cNvPr id="1" name=""/>
+        <p:cNvGrpSpPr/>
+        <p:nvPr/>
+      </p:nvGrpSpPr>
+      <p:grpSpPr>
+        <a:xfrm>
+          <a:off x="0" y="0"/>
+          <a:ext cx="0" cy="0"/>
+          <a:chOff x="0" y="0"/>
+          <a:chExt cx="0" cy="0"/>
+        </a:xfrm>
+      </p:grpSpPr>
+      <p:sp>
+        <p:nvSpPr>
+          <p:cNvPr id="2" name="Title 1">
+            <a:extLst>
+              <a:ext uri="{FF2B5EF4-FFF2-40B4-BE49-F238E27FC236}">
+                <a16:creationId xmlns:a16="http://schemas.microsoft.com/office/drawing/2014/main" id="{3B75E9DE-0B45-47E9-8400-AA526490CEC7}"/>
+              </a:ext>
+            </a:extLst>
+          </p:cNvPr>
+          <p:cNvSpPr>
+            <a:spLocks noGrp="1"/>
+          </p:cNvSpPr>
+          <p:nvPr>
+            <p:ph type="ctrTitle"/>
+          </p:nvPr>
+        </p:nvSpPr>
+        <p:spPr/>
+        <p:txBody>
+          <a:bodyPr/>
+          <a:lstStyle/>
+          <a:p>
+            <a:r>
+              <a:rPr lang="en-US" dirty="0">
+                <a:solidFill>
+                  <a:schemeClr val="tx1"/>
+                </a:solidFill>
+              </a:rPr>
+              <a:t>About Me</a:t>
+            </a:r>
+          </a:p>
+        </p:txBody>
+      </p:sp>
+      <p:sp>
+        <p:nvSpPr>
+          <p:cNvPr id="3" name="Text Placeholder 2">
+            <a:extLst>
+              <a:ext uri="{FF2B5EF4-FFF2-40B4-BE49-F238E27FC236}">
+                <a16:creationId xmlns:a16="http://schemas.microsoft.com/office/drawing/2014/main" id="{EE85F4E1-4017-4236-A039-5576F468BC38}"/>
+              </a:ext>
+            </a:extLst>
+          </p:cNvPr>
+          <p:cNvSpPr>
+            <a:spLocks noGrp="1"/>
+          </p:cNvSpPr>
+          <p:nvPr>
+            <p:ph type="body" sz="quarter" idx="10"/>
+          </p:nvPr>
+        </p:nvSpPr>
+        <p:spPr>
+          <a:xfrm>
+            <a:off x="406400" y="1217382"/>
+            <a:ext cx="9127067" cy="4451051"/>
+          </a:xfrm>
+        </p:spPr>
+        <p:txBody>
+          <a:bodyPr/>
+          <a:lstStyle/>
+          <a:p>
+            <a:pPr marL="0" indent="0">
+              <a:buNone/>
+            </a:pPr>
+            <a:r>
+              <a:rPr lang="en-US" sz="2000" dirty="0"/>
+              <a:t>Managing Partner: Bravery Group (Atlanta, GA)</a:t>
+            </a:r>
+          </a:p>
+          <a:p>
+            <a:pPr marL="0" lvl="1" indent="0" eaLnBrk="0" hangingPunct="0">
+              <a:spcBef>
+                <a:spcPct val="0"/>
+              </a:spcBef>
+              <a:buSzPct val="70000"/>
+              <a:buNone/>
+            </a:pPr>
+            <a:r>
+              <a:rPr lang="en-US" sz="1800" dirty="0">
+                <a:solidFill>
+                  <a:srgbClr val="285B7C"/>
+                </a:solidFill>
+              </a:rPr>
+              <a:t>	M&amp;A, Performance Improvement Advisory </a:t>
+            </a:r>
+          </a:p>
+          <a:p>
+            <a:pPr marL="0" lvl="1" indent="0" eaLnBrk="0" hangingPunct="0">
+              <a:spcBef>
+                <a:spcPct val="0"/>
+              </a:spcBef>
+              <a:buSzPct val="70000"/>
+              <a:buNone/>
+            </a:pPr>
+            <a:r>
+              <a:rPr lang="en-US" sz="1800" dirty="0">
+                <a:solidFill>
+                  <a:srgbClr val="285B7C"/>
+                </a:solidFill>
+              </a:rPr>
+              <a:t>	(Digital Marketing &amp; Analytics)</a:t>
+            </a:r>
+          </a:p>
+          <a:p>
+            <a:pPr marL="400050" lvl="1" indent="0">
+              <a:buClr>
+                <a:schemeClr val="tx2">
+                  <a:lumMod val="75000"/>
+                </a:schemeClr>
+              </a:buClr>
+              <a:buSzPct val="60000"/>
+              <a:buNone/>
+            </a:pPr>
+            <a:endParaRPr lang="en-US" sz="1800" dirty="0">
+              <a:solidFill>
+                <a:srgbClr val="285B7C"/>
+              </a:solidFill>
+            </a:endParaRPr>
+          </a:p>
+          <a:p>
+            <a:pPr marL="0" indent="0">
+              <a:buNone/>
+            </a:pPr>
+            <a:r>
+              <a:rPr lang="en-US" sz="2000" dirty="0"/>
+              <a:t>Founder: Barque Labs</a:t>
+            </a:r>
+          </a:p>
+          <a:p>
+            <a:pPr marL="0" indent="0">
+              <a:buNone/>
+            </a:pPr>
+            <a:r>
+              <a:rPr lang="en-US" sz="1800" dirty="0"/>
+              <a:t>	Analytics engines for internal audit (Comm- &amp; P-Cards, Grants)</a:t>
+            </a:r>
+          </a:p>
+          <a:p>
+            <a:pPr marL="0" indent="0">
+              <a:buNone/>
+            </a:pPr>
+            <a:r>
+              <a:rPr lang="en-US" sz="1800" dirty="0"/>
+              <a:t>	Worked on IA solutions with Trent </a:t>
+            </a:r>
+          </a:p>
+          <a:p>
+            <a:pPr marL="0" indent="0">
+              <a:buNone/>
+            </a:pPr>
+            <a:endParaRPr lang="en-US" sz="2000" dirty="0"/>
+          </a:p>
+          <a:p>
+            <a:pPr marL="0" indent="0">
+              <a:buNone/>
+            </a:pPr>
+            <a:r>
+              <a:rPr lang="en-US" sz="2000" dirty="0"/>
+              <a:t>Performance Improvement Specialist</a:t>
+            </a:r>
+          </a:p>
+          <a:p>
+            <a:pPr marL="0" indent="0">
+              <a:buNone/>
+            </a:pPr>
+            <a:r>
+              <a:rPr lang="en-US" sz="1800" dirty="0"/>
+              <a:t>	CFO, COO, GM etc in Brazil, UK, Hong Kong, US etc</a:t>
+            </a:r>
+          </a:p>
+          <a:p>
+            <a:pPr marL="0" indent="0">
+              <a:buNone/>
+            </a:pPr>
+            <a:r>
+              <a:rPr lang="en-US" sz="1800" dirty="0"/>
+              <a:t>	Led turnaround of $100M Produce business with simple ML</a:t>
+            </a:r>
+          </a:p>
+          <a:p>
+            <a:pPr marL="0" indent="0">
+              <a:buNone/>
+            </a:pPr>
+            <a:endParaRPr lang="en-US" sz="1800" dirty="0"/>
+          </a:p>
+          <a:p>
+            <a:pPr marL="0" indent="0">
+              <a:buNone/>
+            </a:pPr>
+            <a:r>
+              <a:rPr lang="en-US" sz="1800" dirty="0"/>
+              <a:t>Based in Geneva, Switzerland </a:t>
+            </a:r>
+            <a:r>
+              <a:rPr lang="en-US" sz="1600" i="1" dirty="0"/>
+              <a:t>(after 16 years in Washington DC area)</a:t>
+            </a:r>
+            <a:endParaRPr lang="en-US" sz="1800" i="1" dirty="0"/>
+          </a:p>
+        </p:txBody>
+      </p:sp>
+    </p:spTree>
+    <p:extLst>
+      <p:ext uri="{BB962C8B-B14F-4D97-AF65-F5344CB8AC3E}">
+        <p14:creationId xmlns:p14="http://schemas.microsoft.com/office/powerpoint/2010/main" val="1800213973"/>
+      </p:ext>
+    </p:extLst>
+  </p:cSld>
+  <p:clrMapOvr>
+    <a:masterClrMapping/>
+  </p:clrMapOvr>
+</p:sld>
+</file>
+
+<file path=ppt/slides/slide3.xml><?xml version="1.0" encoding="utf-8"?>
 <p:sld xmlns:a="http://schemas.openxmlformats.org/drawingml/2006/main" xmlns:r="http://schemas.openxmlformats.org/officeDocument/2006/relationships" xmlns:p="http://schemas.openxmlformats.org/presentationml/2006/main">
   <p:cSld>
     <p:spTree>
@@ -9315,7 +8483,7 @@
                 <a:latin typeface="+mj-lt"/>
                 <a:cs typeface="Segoe UI" panose="020B0502040204020203" pitchFamily="34" charset="0"/>
               </a:rPr>
-              <a:t>Additional Slides</a:t>
+              <a:t>Automation</a:t>
             </a:r>
           </a:p>
         </p:txBody>
@@ -9323,7 +8491,7 @@
     </p:spTree>
     <p:extLst>
       <p:ext uri="{BB962C8B-B14F-4D97-AF65-F5344CB8AC3E}">
-        <p14:creationId xmlns:p14="http://schemas.microsoft.com/office/powerpoint/2010/main" val="782269127"/>
+        <p14:creationId xmlns:p14="http://schemas.microsoft.com/office/powerpoint/2010/main" val="2771076882"/>
       </p:ext>
     </p:extLst>
   </p:cSld>
@@ -9333,161 +8501,7 @@
 </p:sld>
 </file>
 
-<file path=ppt/slides/slide16.xml><?xml version="1.0" encoding="utf-8"?>
-<p:sld xmlns:a="http://schemas.openxmlformats.org/drawingml/2006/main" xmlns:r="http://schemas.openxmlformats.org/officeDocument/2006/relationships" xmlns:p="http://schemas.openxmlformats.org/presentationml/2006/main">
-  <p:cSld>
-    <p:spTree>
-      <p:nvGrpSpPr>
-        <p:cNvPr id="1" name=""/>
-        <p:cNvGrpSpPr/>
-        <p:nvPr/>
-      </p:nvGrpSpPr>
-      <p:grpSpPr>
-        <a:xfrm>
-          <a:off x="0" y="0"/>
-          <a:ext cx="0" cy="0"/>
-          <a:chOff x="0" y="0"/>
-          <a:chExt cx="0" cy="0"/>
-        </a:xfrm>
-      </p:grpSpPr>
-      <p:sp>
-        <p:nvSpPr>
-          <p:cNvPr id="2" name="Title 1">
-            <a:extLst>
-              <a:ext uri="{FF2B5EF4-FFF2-40B4-BE49-F238E27FC236}">
-                <a16:creationId xmlns:a16="http://schemas.microsoft.com/office/drawing/2014/main" id="{2EC1C568-73A4-4493-A67D-FC3663EAD741}"/>
-              </a:ext>
-            </a:extLst>
-          </p:cNvPr>
-          <p:cNvSpPr>
-            <a:spLocks noGrp="1"/>
-          </p:cNvSpPr>
-          <p:nvPr>
-            <p:ph type="ctrTitle"/>
-          </p:nvPr>
-        </p:nvSpPr>
-        <p:spPr/>
-        <p:txBody>
-          <a:bodyPr/>
-          <a:lstStyle/>
-          <a:p>
-            <a:endParaRPr lang="en-US" dirty="0"/>
-          </a:p>
-        </p:txBody>
-      </p:sp>
-      <p:sp>
-        <p:nvSpPr>
-          <p:cNvPr id="3" name="Text Placeholder 2">
-            <a:extLst>
-              <a:ext uri="{FF2B5EF4-FFF2-40B4-BE49-F238E27FC236}">
-                <a16:creationId xmlns:a16="http://schemas.microsoft.com/office/drawing/2014/main" id="{FD9262A9-3EFA-41A9-B732-7D465FE8F6DD}"/>
-              </a:ext>
-            </a:extLst>
-          </p:cNvPr>
-          <p:cNvSpPr>
-            <a:spLocks noGrp="1"/>
-          </p:cNvSpPr>
-          <p:nvPr>
-            <p:ph type="body" sz="quarter" idx="10"/>
-          </p:nvPr>
-        </p:nvSpPr>
-        <p:spPr/>
-        <p:txBody>
-          <a:bodyPr/>
-          <a:lstStyle/>
-          <a:p>
-            <a:endParaRPr lang="en-US"/>
-          </a:p>
-        </p:txBody>
-      </p:sp>
-    </p:spTree>
-    <p:extLst>
-      <p:ext uri="{BB962C8B-B14F-4D97-AF65-F5344CB8AC3E}">
-        <p14:creationId xmlns:p14="http://schemas.microsoft.com/office/powerpoint/2010/main" val="4058037749"/>
-      </p:ext>
-    </p:extLst>
-  </p:cSld>
-  <p:clrMapOvr>
-    <a:masterClrMapping/>
-  </p:clrMapOvr>
-</p:sld>
-</file>
-
-<file path=ppt/slides/slide2.xml><?xml version="1.0" encoding="utf-8"?>
-<p:sld xmlns:a="http://schemas.openxmlformats.org/drawingml/2006/main" xmlns:r="http://schemas.openxmlformats.org/officeDocument/2006/relationships" xmlns:p="http://schemas.openxmlformats.org/presentationml/2006/main">
-  <p:cSld>
-    <p:spTree>
-      <p:nvGrpSpPr>
-        <p:cNvPr id="1" name=""/>
-        <p:cNvGrpSpPr/>
-        <p:nvPr/>
-      </p:nvGrpSpPr>
-      <p:grpSpPr>
-        <a:xfrm>
-          <a:off x="0" y="0"/>
-          <a:ext cx="0" cy="0"/>
-          <a:chOff x="0" y="0"/>
-          <a:chExt cx="0" cy="0"/>
-        </a:xfrm>
-      </p:grpSpPr>
-      <p:sp>
-        <p:nvSpPr>
-          <p:cNvPr id="2" name="Title 1">
-            <a:extLst>
-              <a:ext uri="{FF2B5EF4-FFF2-40B4-BE49-F238E27FC236}">
-                <a16:creationId xmlns:a16="http://schemas.microsoft.com/office/drawing/2014/main" id="{6F224860-9A1A-4481-9763-8D9FAFC2B45B}"/>
-              </a:ext>
-            </a:extLst>
-          </p:cNvPr>
-          <p:cNvSpPr>
-            <a:spLocks noGrp="1"/>
-          </p:cNvSpPr>
-          <p:nvPr>
-            <p:ph type="ctrTitle"/>
-          </p:nvPr>
-        </p:nvSpPr>
-        <p:spPr>
-          <a:xfrm>
-            <a:off x="406400" y="2284366"/>
-            <a:ext cx="9794444" cy="1144633"/>
-          </a:xfrm>
-        </p:spPr>
-        <p:txBody>
-          <a:bodyPr/>
-          <a:lstStyle/>
-          <a:p>
-            <a:pPr>
-              <a:lnSpc>
-                <a:spcPct val="90000"/>
-              </a:lnSpc>
-            </a:pPr>
-            <a:r>
-              <a:rPr lang="en-US" dirty="0">
-                <a:solidFill>
-                  <a:srgbClr val="285B7C"/>
-                </a:solidFill>
-                <a:latin typeface="+mj-lt"/>
-                <a:cs typeface="Segoe UI" panose="020B0502040204020203" pitchFamily="34" charset="0"/>
-              </a:rPr>
-              <a:t>Overview</a:t>
-            </a:r>
-          </a:p>
-        </p:txBody>
-      </p:sp>
-    </p:spTree>
-    <p:extLst>
-      <p:ext uri="{BB962C8B-B14F-4D97-AF65-F5344CB8AC3E}">
-        <p14:creationId xmlns:p14="http://schemas.microsoft.com/office/powerpoint/2010/main" val="519401083"/>
-      </p:ext>
-    </p:extLst>
-  </p:cSld>
-  <p:clrMapOvr>
-    <a:masterClrMapping/>
-  </p:clrMapOvr>
-</p:sld>
-</file>
-
-<file path=ppt/slides/slide3.xml><?xml version="1.0" encoding="utf-8"?>
+<file path=ppt/slides/slide4.xml><?xml version="1.0" encoding="utf-8"?>
 <p:sld xmlns:a="http://schemas.openxmlformats.org/drawingml/2006/main" xmlns:r="http://schemas.openxmlformats.org/officeDocument/2006/relationships" xmlns:p="http://schemas.openxmlformats.org/presentationml/2006/main">
   <p:cSld>
     <p:spTree>
@@ -9531,299 +8545,6 @@
                   <a:schemeClr val="tx1"/>
                 </a:solidFill>
               </a:rPr>
-              <a:t>About Me</a:t>
-            </a:r>
-          </a:p>
-        </p:txBody>
-      </p:sp>
-      <p:sp>
-        <p:nvSpPr>
-          <p:cNvPr id="3" name="Text Placeholder 2">
-            <a:extLst>
-              <a:ext uri="{FF2B5EF4-FFF2-40B4-BE49-F238E27FC236}">
-                <a16:creationId xmlns:a16="http://schemas.microsoft.com/office/drawing/2014/main" id="{EE85F4E1-4017-4236-A039-5576F468BC38}"/>
-              </a:ext>
-            </a:extLst>
-          </p:cNvPr>
-          <p:cNvSpPr>
-            <a:spLocks noGrp="1"/>
-          </p:cNvSpPr>
-          <p:nvPr>
-            <p:ph type="body" sz="quarter" idx="10"/>
-          </p:nvPr>
-        </p:nvSpPr>
-        <p:spPr>
-          <a:xfrm>
-            <a:off x="406400" y="1217382"/>
-            <a:ext cx="9127067" cy="4451051"/>
-          </a:xfrm>
-        </p:spPr>
-        <p:txBody>
-          <a:bodyPr/>
-          <a:lstStyle/>
-          <a:p>
-            <a:pPr marL="0" indent="0">
-              <a:buNone/>
-            </a:pPr>
-            <a:r>
-              <a:rPr lang="en-US" sz="2000" dirty="0"/>
-              <a:t>Managing Partner: Bravery Group</a:t>
-            </a:r>
-          </a:p>
-          <a:p>
-            <a:pPr marL="0" lvl="1" indent="0" eaLnBrk="0" hangingPunct="0">
-              <a:spcBef>
-                <a:spcPct val="0"/>
-              </a:spcBef>
-              <a:buSzPct val="70000"/>
-              <a:buNone/>
-            </a:pPr>
-            <a:r>
-              <a:rPr lang="en-US" sz="1800" dirty="0">
-                <a:solidFill>
-                  <a:srgbClr val="285B7C"/>
-                </a:solidFill>
-              </a:rPr>
-              <a:t>	M&amp;A, Performance Improvement Advisory </a:t>
-            </a:r>
-          </a:p>
-          <a:p>
-            <a:pPr marL="0" lvl="1" indent="0" eaLnBrk="0" hangingPunct="0">
-              <a:spcBef>
-                <a:spcPct val="0"/>
-              </a:spcBef>
-              <a:buSzPct val="70000"/>
-              <a:buNone/>
-            </a:pPr>
-            <a:r>
-              <a:rPr lang="en-US" sz="1800" dirty="0">
-                <a:solidFill>
-                  <a:srgbClr val="285B7C"/>
-                </a:solidFill>
-              </a:rPr>
-              <a:t>	(Digital Marketing &amp; Analytics)</a:t>
-            </a:r>
-          </a:p>
-          <a:p>
-            <a:pPr marL="400050" lvl="1" indent="0">
-              <a:buClr>
-                <a:schemeClr val="tx2">
-                  <a:lumMod val="75000"/>
-                </a:schemeClr>
-              </a:buClr>
-              <a:buSzPct val="60000"/>
-              <a:buNone/>
-            </a:pPr>
-            <a:endParaRPr lang="en-US" sz="1800" dirty="0">
-              <a:solidFill>
-                <a:srgbClr val="285B7C"/>
-              </a:solidFill>
-            </a:endParaRPr>
-          </a:p>
-          <a:p>
-            <a:pPr marL="0" indent="0">
-              <a:buNone/>
-            </a:pPr>
-            <a:r>
-              <a:rPr lang="en-US" sz="2000" dirty="0"/>
-              <a:t>Founder: Barque Labs</a:t>
-            </a:r>
-          </a:p>
-          <a:p>
-            <a:pPr marL="0" indent="0">
-              <a:buNone/>
-            </a:pPr>
-            <a:r>
-              <a:rPr lang="en-US" sz="1800" dirty="0"/>
-              <a:t>	Analytics engines for internal audit (Comm- &amp; P-Cards, Grants)</a:t>
-            </a:r>
-          </a:p>
-          <a:p>
-            <a:pPr marL="0" indent="0">
-              <a:buNone/>
-            </a:pPr>
-            <a:endParaRPr lang="en-US" sz="2000" dirty="0"/>
-          </a:p>
-          <a:p>
-            <a:pPr marL="0" indent="0">
-              <a:buNone/>
-            </a:pPr>
-            <a:r>
-              <a:rPr lang="en-US" sz="2000" dirty="0"/>
-              <a:t>Performance Improvement Specialist</a:t>
-            </a:r>
-          </a:p>
-          <a:p>
-            <a:pPr marL="0" indent="0">
-              <a:buNone/>
-            </a:pPr>
-            <a:r>
-              <a:rPr lang="en-US" sz="1800" dirty="0"/>
-              <a:t>	CFO, COO, GM etc in Brazil, UK, Hong Kong, US etc</a:t>
-            </a:r>
-          </a:p>
-          <a:p>
-            <a:pPr marL="0" indent="0">
-              <a:buNone/>
-            </a:pPr>
-            <a:r>
-              <a:rPr lang="en-US" sz="1800" dirty="0"/>
-              <a:t>	Led turnaround of $100M Produce business with very simple ML algos</a:t>
-            </a:r>
-          </a:p>
-          <a:p>
-            <a:pPr marL="0" indent="0">
-              <a:buNone/>
-            </a:pPr>
-            <a:endParaRPr lang="en-US" sz="1800" dirty="0"/>
-          </a:p>
-          <a:p>
-            <a:pPr marL="0" indent="0">
-              <a:buNone/>
-            </a:pPr>
-            <a:r>
-              <a:rPr lang="en-US" sz="1800" dirty="0"/>
-              <a:t>Based in Geneva, Switzerland </a:t>
-            </a:r>
-            <a:r>
-              <a:rPr lang="en-US" sz="1600" i="1" dirty="0"/>
-              <a:t>(after 16 years in Washington DC area)</a:t>
-            </a:r>
-            <a:endParaRPr lang="en-US" sz="1800" i="1" dirty="0"/>
-          </a:p>
-        </p:txBody>
-      </p:sp>
-    </p:spTree>
-    <p:extLst>
-      <p:ext uri="{BB962C8B-B14F-4D97-AF65-F5344CB8AC3E}">
-        <p14:creationId xmlns:p14="http://schemas.microsoft.com/office/powerpoint/2010/main" val="1800213973"/>
-      </p:ext>
-    </p:extLst>
-  </p:cSld>
-  <p:clrMapOvr>
-    <a:masterClrMapping/>
-  </p:clrMapOvr>
-</p:sld>
-</file>
-
-<file path=ppt/slides/slide4.xml><?xml version="1.0" encoding="utf-8"?>
-<p:sld xmlns:a="http://schemas.openxmlformats.org/drawingml/2006/main" xmlns:r="http://schemas.openxmlformats.org/officeDocument/2006/relationships" xmlns:p="http://schemas.openxmlformats.org/presentationml/2006/main">
-  <p:cSld>
-    <p:spTree>
-      <p:nvGrpSpPr>
-        <p:cNvPr id="1" name=""/>
-        <p:cNvGrpSpPr/>
-        <p:nvPr/>
-      </p:nvGrpSpPr>
-      <p:grpSpPr>
-        <a:xfrm>
-          <a:off x="0" y="0"/>
-          <a:ext cx="0" cy="0"/>
-          <a:chOff x="0" y="0"/>
-          <a:chExt cx="0" cy="0"/>
-        </a:xfrm>
-      </p:grpSpPr>
-      <p:sp>
-        <p:nvSpPr>
-          <p:cNvPr id="2" name="Title 1">
-            <a:extLst>
-              <a:ext uri="{FF2B5EF4-FFF2-40B4-BE49-F238E27FC236}">
-                <a16:creationId xmlns:a16="http://schemas.microsoft.com/office/drawing/2014/main" id="{6F224860-9A1A-4481-9763-8D9FAFC2B45B}"/>
-              </a:ext>
-            </a:extLst>
-          </p:cNvPr>
-          <p:cNvSpPr>
-            <a:spLocks noGrp="1"/>
-          </p:cNvSpPr>
-          <p:nvPr>
-            <p:ph type="ctrTitle"/>
-          </p:nvPr>
-        </p:nvSpPr>
-        <p:spPr>
-          <a:xfrm>
-            <a:off x="406400" y="2284366"/>
-            <a:ext cx="9794444" cy="1144633"/>
-          </a:xfrm>
-        </p:spPr>
-        <p:txBody>
-          <a:bodyPr/>
-          <a:lstStyle/>
-          <a:p>
-            <a:pPr>
-              <a:lnSpc>
-                <a:spcPct val="90000"/>
-              </a:lnSpc>
-            </a:pPr>
-            <a:r>
-              <a:rPr lang="en-US" dirty="0">
-                <a:solidFill>
-                  <a:schemeClr val="tx1"/>
-                </a:solidFill>
-                <a:latin typeface="+mj-lt"/>
-                <a:cs typeface="Segoe UI" panose="020B0502040204020203" pitchFamily="34" charset="0"/>
-              </a:rPr>
-              <a:t>Automation</a:t>
-            </a:r>
-          </a:p>
-        </p:txBody>
-      </p:sp>
-    </p:spTree>
-    <p:extLst>
-      <p:ext uri="{BB962C8B-B14F-4D97-AF65-F5344CB8AC3E}">
-        <p14:creationId xmlns:p14="http://schemas.microsoft.com/office/powerpoint/2010/main" val="2771076882"/>
-      </p:ext>
-    </p:extLst>
-  </p:cSld>
-  <p:clrMapOvr>
-    <a:masterClrMapping/>
-  </p:clrMapOvr>
-</p:sld>
-</file>
-
-<file path=ppt/slides/slide5.xml><?xml version="1.0" encoding="utf-8"?>
-<p:sld xmlns:a="http://schemas.openxmlformats.org/drawingml/2006/main" xmlns:r="http://schemas.openxmlformats.org/officeDocument/2006/relationships" xmlns:p="http://schemas.openxmlformats.org/presentationml/2006/main">
-  <p:cSld>
-    <p:spTree>
-      <p:nvGrpSpPr>
-        <p:cNvPr id="1" name=""/>
-        <p:cNvGrpSpPr/>
-        <p:nvPr/>
-      </p:nvGrpSpPr>
-      <p:grpSpPr>
-        <a:xfrm>
-          <a:off x="0" y="0"/>
-          <a:ext cx="0" cy="0"/>
-          <a:chOff x="0" y="0"/>
-          <a:chExt cx="0" cy="0"/>
-        </a:xfrm>
-      </p:grpSpPr>
-      <p:sp>
-        <p:nvSpPr>
-          <p:cNvPr id="2" name="Title 1">
-            <a:extLst>
-              <a:ext uri="{FF2B5EF4-FFF2-40B4-BE49-F238E27FC236}">
-                <a16:creationId xmlns:a16="http://schemas.microsoft.com/office/drawing/2014/main" id="{3B75E9DE-0B45-47E9-8400-AA526490CEC7}"/>
-              </a:ext>
-            </a:extLst>
-          </p:cNvPr>
-          <p:cNvSpPr>
-            <a:spLocks noGrp="1"/>
-          </p:cNvSpPr>
-          <p:nvPr>
-            <p:ph type="ctrTitle"/>
-          </p:nvPr>
-        </p:nvSpPr>
-        <p:spPr/>
-        <p:txBody>
-          <a:bodyPr/>
-          <a:lstStyle/>
-          <a:p>
-            <a:r>
-              <a:rPr lang="en-US" dirty="0">
-                <a:solidFill>
-                  <a:schemeClr val="tx1"/>
-                </a:solidFill>
-              </a:rPr>
               <a:t>Why Automate?</a:t>
             </a:r>
           </a:p>
@@ -9911,7 +8632,15 @@
             </a:r>
             <a:r>
               <a:rPr lang="en-US" sz="2000" dirty="0"/>
-              <a:t>Reduce days of effort to minutes (seconds)</a:t>
+              <a:t>Reduce days of effort to minutes (seconds). </a:t>
+            </a:r>
+            <a:r>
+              <a:rPr lang="en-US" sz="2000" u="sng" dirty="0"/>
+              <a:t>Reinvest</a:t>
+            </a:r>
+            <a:r>
+              <a:rPr lang="en-US" sz="2000" dirty="0"/>
+              <a:t> the savings !</a:t>
             </a:r>
           </a:p>
           <a:p>
@@ -9947,6 +8676,26 @@
             </a:pPr>
             <a:r>
               <a:rPr lang="en-US" sz="2000" b="1" dirty="0"/>
+              <a:t>Size</a:t>
+            </a:r>
+            <a:r>
+              <a:rPr lang="en-US" sz="2000" dirty="0"/>
+              <a:t>: 1,000 lines or 10M lines…. The only difference is the runtime</a:t>
+            </a:r>
+          </a:p>
+          <a:p>
+            <a:pPr marL="228600" indent="-228600">
+              <a:spcBef>
+                <a:spcPts val="600"/>
+              </a:spcBef>
+              <a:buClr>
+                <a:srgbClr val="285B7C"/>
+              </a:buClr>
+              <a:buFont typeface="Wingdings" panose="05000000000000000000" pitchFamily="2" charset="2"/>
+              <a:buChar char="Ø"/>
+            </a:pPr>
+            <a:r>
+              <a:rPr lang="en-US" sz="2000" b="1" dirty="0"/>
               <a:t>Scale: </a:t>
             </a:r>
             <a:r>
@@ -10034,7 +8783,7 @@
         </p:nvSpPr>
         <p:spPr bwMode="auto">
           <a:xfrm>
-            <a:off x="457200" y="4330700"/>
+            <a:off x="406399" y="4580082"/>
             <a:ext cx="10993967" cy="698500"/>
           </a:xfrm>
           <a:prstGeom prst="rect">
@@ -10839,6 +9588,181 @@
 </p:sld>
 </file>
 
+<file path=ppt/slides/slide5.xml><?xml version="1.0" encoding="utf-8"?>
+<p:sld xmlns:a="http://schemas.openxmlformats.org/drawingml/2006/main" xmlns:r="http://schemas.openxmlformats.org/officeDocument/2006/relationships" xmlns:p="http://schemas.openxmlformats.org/presentationml/2006/main">
+  <p:cSld>
+    <p:spTree>
+      <p:nvGrpSpPr>
+        <p:cNvPr id="1" name=""/>
+        <p:cNvGrpSpPr/>
+        <p:nvPr/>
+      </p:nvGrpSpPr>
+      <p:grpSpPr>
+        <a:xfrm>
+          <a:off x="0" y="0"/>
+          <a:ext cx="0" cy="0"/>
+          <a:chOff x="0" y="0"/>
+          <a:chExt cx="0" cy="0"/>
+        </a:xfrm>
+      </p:grpSpPr>
+      <p:sp>
+        <p:nvSpPr>
+          <p:cNvPr id="2" name="Title 1">
+            <a:extLst>
+              <a:ext uri="{FF2B5EF4-FFF2-40B4-BE49-F238E27FC236}">
+                <a16:creationId xmlns:a16="http://schemas.microsoft.com/office/drawing/2014/main" id="{3B75E9DE-0B45-47E9-8400-AA526490CEC7}"/>
+              </a:ext>
+            </a:extLst>
+          </p:cNvPr>
+          <p:cNvSpPr>
+            <a:spLocks noGrp="1"/>
+          </p:cNvSpPr>
+          <p:nvPr>
+            <p:ph type="ctrTitle"/>
+          </p:nvPr>
+        </p:nvSpPr>
+        <p:spPr/>
+        <p:txBody>
+          <a:bodyPr/>
+          <a:lstStyle/>
+          <a:p>
+            <a:r>
+              <a:rPr lang="en-US" dirty="0">
+                <a:solidFill>
+                  <a:schemeClr val="tx1"/>
+                </a:solidFill>
+              </a:rPr>
+              <a:t>Automation &amp; AI/ML</a:t>
+            </a:r>
+          </a:p>
+        </p:txBody>
+      </p:sp>
+      <p:sp>
+        <p:nvSpPr>
+          <p:cNvPr id="3" name="Text Placeholder 2">
+            <a:extLst>
+              <a:ext uri="{FF2B5EF4-FFF2-40B4-BE49-F238E27FC236}">
+                <a16:creationId xmlns:a16="http://schemas.microsoft.com/office/drawing/2014/main" id="{EE85F4E1-4017-4236-A039-5576F468BC38}"/>
+              </a:ext>
+            </a:extLst>
+          </p:cNvPr>
+          <p:cNvSpPr>
+            <a:spLocks noGrp="1"/>
+          </p:cNvSpPr>
+          <p:nvPr>
+            <p:ph type="body" sz="quarter" idx="10"/>
+          </p:nvPr>
+        </p:nvSpPr>
+        <p:spPr>
+          <a:xfrm>
+            <a:off x="406400" y="1217382"/>
+            <a:ext cx="10993967" cy="2905885"/>
+          </a:xfrm>
+        </p:spPr>
+        <p:txBody>
+          <a:bodyPr/>
+          <a:lstStyle/>
+          <a:p>
+            <a:pPr marL="228600" indent="-228600">
+              <a:spcBef>
+                <a:spcPts val="600"/>
+              </a:spcBef>
+              <a:buClr>
+                <a:srgbClr val="285B7C"/>
+              </a:buClr>
+              <a:buFont typeface="Wingdings" panose="05000000000000000000" pitchFamily="2" charset="2"/>
+              <a:buChar char="Ø"/>
+            </a:pPr>
+            <a:r>
+              <a:rPr lang="en-US" sz="2000" dirty="0"/>
+              <a:t>Only in a limited capacity are they the same</a:t>
+            </a:r>
+          </a:p>
+          <a:p>
+            <a:pPr marL="228600" indent="-228600">
+              <a:spcBef>
+                <a:spcPts val="600"/>
+              </a:spcBef>
+              <a:buClr>
+                <a:srgbClr val="285B7C"/>
+              </a:buClr>
+              <a:buFont typeface="Wingdings" panose="05000000000000000000" pitchFamily="2" charset="2"/>
+              <a:buChar char="Ø"/>
+            </a:pPr>
+            <a:r>
+              <a:rPr lang="en-US" sz="2000" dirty="0"/>
+              <a:t>Automation is usually a very rules-based thing</a:t>
+            </a:r>
+          </a:p>
+          <a:p>
+            <a:pPr marL="228600" indent="-228600">
+              <a:spcBef>
+                <a:spcPts val="600"/>
+              </a:spcBef>
+              <a:buClr>
+                <a:srgbClr val="285B7C"/>
+              </a:buClr>
+              <a:buFont typeface="Wingdings" panose="05000000000000000000" pitchFamily="2" charset="2"/>
+              <a:buChar char="Ø"/>
+            </a:pPr>
+            <a:r>
+              <a:rPr lang="en-US" sz="2000" dirty="0"/>
+              <a:t>Walk before you run - there is a ton of high-value automation work in your business.</a:t>
+            </a:r>
+          </a:p>
+          <a:p>
+            <a:pPr marL="228600" indent="-228600">
+              <a:spcBef>
+                <a:spcPts val="600"/>
+              </a:spcBef>
+              <a:buClr>
+                <a:srgbClr val="285B7C"/>
+              </a:buClr>
+              <a:buFont typeface="Wingdings" panose="05000000000000000000" pitchFamily="2" charset="2"/>
+              <a:buChar char="Ø"/>
+            </a:pPr>
+            <a:r>
+              <a:rPr lang="en-US" sz="2000" dirty="0"/>
+              <a:t>If it is useful, use it (not everything needs an AI solution).</a:t>
+            </a:r>
+          </a:p>
+          <a:p>
+            <a:pPr marL="400050" lvl="1" indent="0">
+              <a:buClr>
+                <a:schemeClr val="tx2">
+                  <a:lumMod val="75000"/>
+                </a:schemeClr>
+              </a:buClr>
+              <a:buSzPct val="60000"/>
+              <a:buNone/>
+            </a:pPr>
+            <a:endParaRPr lang="en-US" sz="1800" dirty="0">
+              <a:solidFill>
+                <a:srgbClr val="285B7C"/>
+              </a:solidFill>
+            </a:endParaRPr>
+          </a:p>
+          <a:p>
+            <a:pPr marL="0" indent="0">
+              <a:buNone/>
+            </a:pPr>
+            <a:endParaRPr lang="en-US" sz="2000" dirty="0"/>
+          </a:p>
+        </p:txBody>
+      </p:sp>
+    </p:spTree>
+    <p:extLst>
+      <p:ext uri="{BB962C8B-B14F-4D97-AF65-F5344CB8AC3E}">
+        <p14:creationId xmlns:p14="http://schemas.microsoft.com/office/powerpoint/2010/main" val="1381974279"/>
+      </p:ext>
+    </p:extLst>
+  </p:cSld>
+  <p:clrMapOvr>
+    <a:masterClrMapping/>
+  </p:clrMapOvr>
+</p:sld>
+</file>
+
 <file path=ppt/slides/slide6.xml><?xml version="1.0" encoding="utf-8"?>
 <p:sld xmlns:a="http://schemas.openxmlformats.org/drawingml/2006/main" xmlns:r="http://schemas.openxmlformats.org/officeDocument/2006/relationships" xmlns:p="http://schemas.openxmlformats.org/presentationml/2006/main">
   <p:cSld>
@@ -10883,1240 +9807,6 @@
                   <a:schemeClr val="tx1"/>
                 </a:solidFill>
               </a:rPr>
-              <a:t>Why Automate?</a:t>
-            </a:r>
-          </a:p>
-        </p:txBody>
-      </p:sp>
-      <p:sp>
-        <p:nvSpPr>
-          <p:cNvPr id="3" name="Text Placeholder 2">
-            <a:extLst>
-              <a:ext uri="{FF2B5EF4-FFF2-40B4-BE49-F238E27FC236}">
-                <a16:creationId xmlns:a16="http://schemas.microsoft.com/office/drawing/2014/main" id="{EE85F4E1-4017-4236-A039-5576F468BC38}"/>
-              </a:ext>
-            </a:extLst>
-          </p:cNvPr>
-          <p:cNvSpPr>
-            <a:spLocks noGrp="1"/>
-          </p:cNvSpPr>
-          <p:nvPr>
-            <p:ph type="body" sz="quarter" idx="10"/>
-          </p:nvPr>
-        </p:nvSpPr>
-        <p:spPr>
-          <a:xfrm>
-            <a:off x="406400" y="1217382"/>
-            <a:ext cx="10993967" cy="2905885"/>
-          </a:xfrm>
-        </p:spPr>
-        <p:txBody>
-          <a:bodyPr/>
-          <a:lstStyle/>
-          <a:p>
-            <a:pPr marL="228600" indent="-228600">
-              <a:spcBef>
-                <a:spcPts val="600"/>
-              </a:spcBef>
-              <a:buClr>
-                <a:srgbClr val="285B7C"/>
-              </a:buClr>
-              <a:buFont typeface="Wingdings" panose="05000000000000000000" pitchFamily="2" charset="2"/>
-              <a:buChar char="Ø"/>
-            </a:pPr>
-            <a:r>
-              <a:rPr lang="en-US" sz="2000" b="1" dirty="0"/>
-              <a:t>Reliability</a:t>
-            </a:r>
-            <a:r>
-              <a:rPr lang="en-US" sz="2000" dirty="0"/>
-              <a:t>: If it works once, it will always work*</a:t>
-            </a:r>
-          </a:p>
-          <a:p>
-            <a:pPr marL="228600" indent="-228600">
-              <a:spcBef>
-                <a:spcPts val="600"/>
-              </a:spcBef>
-              <a:buClr>
-                <a:srgbClr val="285B7C"/>
-              </a:buClr>
-              <a:buFont typeface="Wingdings" panose="05000000000000000000" pitchFamily="2" charset="2"/>
-              <a:buChar char="Ø"/>
-            </a:pPr>
-            <a:r>
-              <a:rPr lang="en-US" sz="2000" b="1" dirty="0"/>
-              <a:t>Eliminate Complexity:</a:t>
-            </a:r>
-            <a:r>
-              <a:rPr lang="en-US" sz="2000" dirty="0"/>
-              <a:t> Solve once &amp; hide the complexity forever</a:t>
-            </a:r>
-          </a:p>
-          <a:p>
-            <a:pPr marL="228600" indent="-228600">
-              <a:spcBef>
-                <a:spcPts val="600"/>
-              </a:spcBef>
-              <a:buClr>
-                <a:srgbClr val="285B7C"/>
-              </a:buClr>
-              <a:buFont typeface="Wingdings" panose="05000000000000000000" pitchFamily="2" charset="2"/>
-              <a:buChar char="Ø"/>
-            </a:pPr>
-            <a:r>
-              <a:rPr lang="en-US" sz="2000" b="1" dirty="0"/>
-              <a:t>Speed: </a:t>
-            </a:r>
-            <a:r>
-              <a:rPr lang="en-US" sz="2000" dirty="0"/>
-              <a:t>Reduce days of effort to minutes (seconds)</a:t>
-            </a:r>
-          </a:p>
-          <a:p>
-            <a:pPr marL="228600" indent="-228600">
-              <a:spcBef>
-                <a:spcPts val="600"/>
-              </a:spcBef>
-              <a:buClr>
-                <a:srgbClr val="285B7C"/>
-              </a:buClr>
-              <a:buFont typeface="Wingdings" panose="05000000000000000000" pitchFamily="2" charset="2"/>
-              <a:buChar char="Ø"/>
-            </a:pPr>
-            <a:r>
-              <a:rPr lang="en-US" sz="2000" b="1" dirty="0"/>
-              <a:t>Ease: </a:t>
-            </a:r>
-            <a:r>
-              <a:rPr lang="en-US" sz="2000" dirty="0"/>
-              <a:t>Go and get a coffee if it is a big job.</a:t>
-            </a:r>
-          </a:p>
-          <a:p>
-            <a:pPr marL="228600" indent="-228600">
-              <a:spcBef>
-                <a:spcPts val="600"/>
-              </a:spcBef>
-              <a:buClr>
-                <a:srgbClr val="285B7C"/>
-              </a:buClr>
-              <a:buFont typeface="Wingdings" panose="05000000000000000000" pitchFamily="2" charset="2"/>
-              <a:buChar char="Ø"/>
-            </a:pPr>
-            <a:r>
-              <a:rPr lang="en-US" sz="2000" b="1" dirty="0"/>
-              <a:t>Scale: </a:t>
-            </a:r>
-            <a:r>
-              <a:rPr lang="en-US" sz="2000" dirty="0"/>
-              <a:t>Colleagues can share useful routines, every day/week/month</a:t>
-            </a:r>
-          </a:p>
-          <a:p>
-            <a:pPr marL="228600" indent="-228600">
-              <a:spcBef>
-                <a:spcPts val="600"/>
-              </a:spcBef>
-              <a:buClr>
-                <a:srgbClr val="285B7C"/>
-              </a:buClr>
-              <a:buFont typeface="Wingdings" panose="05000000000000000000" pitchFamily="2" charset="2"/>
-              <a:buChar char="Ø"/>
-            </a:pPr>
-            <a:r>
-              <a:rPr lang="en-US" sz="2000" b="1" dirty="0"/>
-              <a:t>Interesting: </a:t>
-            </a:r>
-            <a:r>
-              <a:rPr lang="en-US" sz="2000" dirty="0"/>
-              <a:t>More fun to create new automation routines than the same manual task.</a:t>
-            </a:r>
-          </a:p>
-          <a:p>
-            <a:pPr marL="228600" indent="-228600">
-              <a:spcBef>
-                <a:spcPts val="600"/>
-              </a:spcBef>
-              <a:buClr>
-                <a:srgbClr val="285B7C"/>
-              </a:buClr>
-              <a:buFont typeface="Wingdings" panose="05000000000000000000" pitchFamily="2" charset="2"/>
-              <a:buChar char="Ø"/>
-            </a:pPr>
-            <a:r>
-              <a:rPr lang="en-US" sz="2000" b="1" dirty="0"/>
-              <a:t>Fame &amp; Glory: </a:t>
-            </a:r>
-            <a:r>
-              <a:rPr lang="en-US" sz="2000" dirty="0"/>
-              <a:t>People think you are smart and/or really productive</a:t>
-            </a:r>
-          </a:p>
-          <a:p>
-            <a:pPr marL="400050" lvl="1" indent="0">
-              <a:buClr>
-                <a:schemeClr val="tx2">
-                  <a:lumMod val="75000"/>
-                </a:schemeClr>
-              </a:buClr>
-              <a:buSzPct val="60000"/>
-              <a:buNone/>
-            </a:pPr>
-            <a:endParaRPr lang="en-US" sz="1800" dirty="0">
-              <a:solidFill>
-                <a:srgbClr val="285B7C"/>
-              </a:solidFill>
-            </a:endParaRPr>
-          </a:p>
-          <a:p>
-            <a:pPr marL="0" indent="0">
-              <a:buNone/>
-            </a:pPr>
-            <a:endParaRPr lang="en-US" sz="2000" dirty="0"/>
-          </a:p>
-        </p:txBody>
-      </p:sp>
-      <p:sp>
-        <p:nvSpPr>
-          <p:cNvPr id="4" name="Text Placeholder 2">
-            <a:extLst>
-              <a:ext uri="{FF2B5EF4-FFF2-40B4-BE49-F238E27FC236}">
-                <a16:creationId xmlns:a16="http://schemas.microsoft.com/office/drawing/2014/main" id="{72B0C312-A9D5-48B5-8006-5A22F86127C9}"/>
-              </a:ext>
-            </a:extLst>
-          </p:cNvPr>
-          <p:cNvSpPr txBox="1">
-            <a:spLocks/>
-          </p:cNvSpPr>
-          <p:nvPr/>
-        </p:nvSpPr>
-        <p:spPr bwMode="auto">
-          <a:xfrm>
-            <a:off x="457200" y="4330700"/>
-            <a:ext cx="10993967" cy="698500"/>
-          </a:xfrm>
-          <a:prstGeom prst="rect">
-            <a:avLst/>
-          </a:prstGeom>
-          <a:noFill/>
-          <a:ln>
-            <a:noFill/>
-          </a:ln>
-          <a:extLst>
-            <a:ext uri="{909E8E84-426E-40DD-AFC4-6F175D3DCCD1}">
-              <a14:hiddenFill xmlns:a14="http://schemas.microsoft.com/office/drawing/2010/main">
-                <a:solidFill>
-                  <a:srgbClr val="FFFFFF"/>
-                </a:solidFill>
-              </a14:hiddenFill>
-            </a:ext>
-            <a:ext uri="{91240B29-F687-4F45-9708-019B960494DF}">
-              <a14:hiddenLine xmlns:a14="http://schemas.microsoft.com/office/drawing/2010/main" w="9525">
-                <a:solidFill>
-                  <a:srgbClr val="000000"/>
-                </a:solidFill>
-                <a:miter lim="800000"/>
-                <a:headEnd/>
-                <a:tailEnd/>
-              </a14:hiddenLine>
-            </a:ext>
-            <a:ext uri="{FAA26D3D-D897-4be2-8F04-BA451C77F1D7}">
-              <ma14:placeholderFlag xmlns:ma14="http://schemas.microsoft.com/office/mac/drawingml/2011/main" xmlns="" val="1"/>
-            </a:ext>
-          </a:extLst>
-        </p:spPr>
-        <p:txBody>
-          <a:bodyPr vert="horz" wrap="square" lIns="91440" tIns="45720" rIns="91440" bIns="45720" numCol="1" anchor="t" anchorCtr="0" compatLnSpc="1">
-            <a:prstTxWarp prst="textNoShape">
-              <a:avLst/>
-            </a:prstTxWarp>
-          </a:bodyPr>
-          <a:lstStyle>
-            <a:lvl1pPr marL="365760" indent="-365760" algn="l" rtl="0" eaLnBrk="0" fontAlgn="base" hangingPunct="0">
-              <a:spcBef>
-                <a:spcPct val="0"/>
-              </a:spcBef>
-              <a:spcAft>
-                <a:spcPct val="0"/>
-              </a:spcAft>
-              <a:buClr>
-                <a:srgbClr val="008BAC"/>
-              </a:buClr>
-              <a:buSzPct val="70000"/>
-              <a:buFont typeface="Wingdings" panose="05000000000000000000" pitchFamily="2" charset="2"/>
-              <a:buChar char="§"/>
-              <a:defRPr lang="en-US" sz="2800" b="0" i="0" kern="1200" smtClean="0">
-                <a:solidFill>
-                  <a:srgbClr val="285B7C"/>
-                </a:solidFill>
-                <a:latin typeface="+mj-lt"/>
-                <a:ea typeface="Lato" panose="020F0502020204030203" pitchFamily="34" charset="0"/>
-                <a:cs typeface="Lato" panose="020F0502020204030203" pitchFamily="34" charset="0"/>
-              </a:defRPr>
-            </a:lvl1pPr>
-            <a:lvl2pPr marL="742950" indent="-342900" algn="l" rtl="0" eaLnBrk="1" fontAlgn="base" hangingPunct="1">
-              <a:spcBef>
-                <a:spcPts val="500"/>
-              </a:spcBef>
-              <a:spcAft>
-                <a:spcPct val="0"/>
-              </a:spcAft>
-              <a:buClr>
-                <a:srgbClr val="008BAC"/>
-              </a:buClr>
-              <a:buFont typeface="Wingdings" panose="05000000000000000000" pitchFamily="2" charset="2"/>
-              <a:buChar char="§"/>
-              <a:defRPr sz="2000" b="0" i="0" kern="1200">
-                <a:solidFill>
-                  <a:srgbClr val="5E6976"/>
-                </a:solidFill>
-                <a:latin typeface="+mj-lt"/>
-                <a:ea typeface="Lato" panose="020F0502020204030203" pitchFamily="34" charset="0"/>
-                <a:cs typeface="Lato" panose="020F0502020204030203" pitchFamily="34" charset="0"/>
-              </a:defRPr>
-            </a:lvl2pPr>
-            <a:lvl3pPr marL="858838" indent="-228600" algn="l" rtl="0" eaLnBrk="1" fontAlgn="base" hangingPunct="1">
-              <a:spcBef>
-                <a:spcPts val="500"/>
-              </a:spcBef>
-              <a:spcAft>
-                <a:spcPct val="0"/>
-              </a:spcAft>
-              <a:buClr>
-                <a:srgbClr val="008BAC"/>
-              </a:buClr>
-              <a:buSzPct val="60000"/>
-              <a:buFont typeface="Wingdings" panose="05000000000000000000" pitchFamily="2" charset="2"/>
-              <a:buChar char="§"/>
-              <a:defRPr kern="1200">
-                <a:solidFill>
-                  <a:schemeClr val="tx1"/>
-                </a:solidFill>
-                <a:latin typeface="+mj-lt"/>
-                <a:ea typeface="Lato" panose="020F0502020204030203" pitchFamily="34" charset="0"/>
-                <a:cs typeface="Lato" panose="020F0502020204030203" pitchFamily="34" charset="0"/>
-              </a:defRPr>
-            </a:lvl3pPr>
-            <a:lvl4pPr marL="1144587" indent="-285750" algn="l" rtl="0" eaLnBrk="1" fontAlgn="base" hangingPunct="1">
-              <a:spcBef>
-                <a:spcPts val="500"/>
-              </a:spcBef>
-              <a:spcAft>
-                <a:spcPct val="0"/>
-              </a:spcAft>
-              <a:buClr>
-                <a:srgbClr val="008BAC"/>
-              </a:buClr>
-              <a:buFont typeface="Wingdings" panose="05000000000000000000" pitchFamily="2" charset="2"/>
-              <a:buChar char="§"/>
-              <a:defRPr sz="1600" kern="1200">
-                <a:solidFill>
-                  <a:schemeClr val="tx1"/>
-                </a:solidFill>
-                <a:latin typeface="+mj-lt"/>
-                <a:ea typeface="Lato" panose="020F0502020204030203" pitchFamily="34" charset="0"/>
-                <a:cs typeface="Lato" panose="020F0502020204030203" pitchFamily="34" charset="0"/>
-              </a:defRPr>
-            </a:lvl4pPr>
-            <a:lvl5pPr marL="2057400" indent="-228600" algn="l" rtl="0" eaLnBrk="1" fontAlgn="base" hangingPunct="1">
-              <a:spcBef>
-                <a:spcPts val="500"/>
-              </a:spcBef>
-              <a:spcAft>
-                <a:spcPct val="0"/>
-              </a:spcAft>
-              <a:buClr>
-                <a:srgbClr val="008BAC"/>
-              </a:buClr>
-              <a:buFont typeface="Wingdings" charset="2"/>
-              <a:buChar char="§"/>
-              <a:defRPr sz="1400" kern="1200">
-                <a:solidFill>
-                  <a:schemeClr val="tx1"/>
-                </a:solidFill>
-                <a:latin typeface="+mj-lt"/>
-                <a:ea typeface="Lato" panose="020F0502020204030203" pitchFamily="34" charset="0"/>
-                <a:cs typeface="Lato" panose="020F0502020204030203" pitchFamily="34" charset="0"/>
-              </a:defRPr>
-            </a:lvl5pPr>
-            <a:lvl6pPr marL="2514600" indent="-228600" algn="l" defTabSz="914400" rtl="0" eaLnBrk="1" latinLnBrk="0" hangingPunct="1">
-              <a:lnSpc>
-                <a:spcPct val="90000"/>
-              </a:lnSpc>
-              <a:spcBef>
-                <a:spcPts val="500"/>
-              </a:spcBef>
-              <a:buFont typeface="Arial"/>
-              <a:buChar char="•"/>
-              <a:defRPr sz="1800" kern="1200">
-                <a:solidFill>
-                  <a:schemeClr val="tx1"/>
-                </a:solidFill>
-                <a:latin typeface="+mn-lt"/>
-                <a:ea typeface="+mn-ea"/>
-                <a:cs typeface="+mn-cs"/>
-              </a:defRPr>
-            </a:lvl6pPr>
-            <a:lvl7pPr marL="2971800" indent="-228600" algn="l" defTabSz="914400" rtl="0" eaLnBrk="1" latinLnBrk="0" hangingPunct="1">
-              <a:lnSpc>
-                <a:spcPct val="90000"/>
-              </a:lnSpc>
-              <a:spcBef>
-                <a:spcPts val="500"/>
-              </a:spcBef>
-              <a:buFont typeface="Arial"/>
-              <a:buChar char="•"/>
-              <a:defRPr sz="1800" kern="1200">
-                <a:solidFill>
-                  <a:schemeClr val="tx1"/>
-                </a:solidFill>
-                <a:latin typeface="+mn-lt"/>
-                <a:ea typeface="+mn-ea"/>
-                <a:cs typeface="+mn-cs"/>
-              </a:defRPr>
-            </a:lvl7pPr>
-            <a:lvl8pPr marL="3429000" indent="-228600" algn="l" defTabSz="914400" rtl="0" eaLnBrk="1" latinLnBrk="0" hangingPunct="1">
-              <a:lnSpc>
-                <a:spcPct val="90000"/>
-              </a:lnSpc>
-              <a:spcBef>
-                <a:spcPts val="500"/>
-              </a:spcBef>
-              <a:buFont typeface="Arial"/>
-              <a:buChar char="•"/>
-              <a:defRPr sz="1800" kern="1200">
-                <a:solidFill>
-                  <a:schemeClr val="tx1"/>
-                </a:solidFill>
-                <a:latin typeface="+mn-lt"/>
-                <a:ea typeface="+mn-ea"/>
-                <a:cs typeface="+mn-cs"/>
-              </a:defRPr>
-            </a:lvl8pPr>
-            <a:lvl9pPr marL="3886200" indent="-228600" algn="l" defTabSz="914400" rtl="0" eaLnBrk="1" latinLnBrk="0" hangingPunct="1">
-              <a:lnSpc>
-                <a:spcPct val="90000"/>
-              </a:lnSpc>
-              <a:spcBef>
-                <a:spcPts val="500"/>
-              </a:spcBef>
-              <a:buFont typeface="Arial"/>
-              <a:buChar char="•"/>
-              <a:defRPr sz="1800" kern="1200">
-                <a:solidFill>
-                  <a:schemeClr val="tx1"/>
-                </a:solidFill>
-                <a:latin typeface="+mn-lt"/>
-                <a:ea typeface="+mn-ea"/>
-                <a:cs typeface="+mn-cs"/>
-              </a:defRPr>
-            </a:lvl9pPr>
-          </a:lstStyle>
-          <a:p>
-            <a:pPr marL="228600" indent="-228600">
-              <a:spcBef>
-                <a:spcPts val="600"/>
-              </a:spcBef>
-              <a:buClr>
-                <a:srgbClr val="285B7C"/>
-              </a:buClr>
-              <a:buFont typeface="Wingdings" panose="05000000000000000000" pitchFamily="2" charset="2"/>
-              <a:buChar char="Ø"/>
-            </a:pPr>
-            <a:r>
-              <a:rPr lang="en-US" sz="2000" b="1" dirty="0">
-                <a:solidFill>
-                  <a:srgbClr val="FF0000"/>
-                </a:solidFill>
-              </a:rPr>
-              <a:t>Self-Preservation</a:t>
-            </a:r>
-            <a:r>
-              <a:rPr lang="en-US" sz="2000" dirty="0">
-                <a:solidFill>
-                  <a:srgbClr val="FF0000"/>
-                </a:solidFill>
-              </a:rPr>
-              <a:t>: If you don’t, someone else will. Companies are actively looking to automate because machines do certain things much better. </a:t>
-            </a:r>
-            <a:r>
-              <a:rPr lang="en-US" sz="2000" u="sng" dirty="0">
-                <a:solidFill>
-                  <a:srgbClr val="FF0000"/>
-                </a:solidFill>
-              </a:rPr>
-              <a:t>Don’t try to compete with a machine on low level tasks</a:t>
-            </a:r>
-            <a:r>
-              <a:rPr lang="en-US" sz="2000" dirty="0">
-                <a:solidFill>
-                  <a:srgbClr val="FF0000"/>
-                </a:solidFill>
-              </a:rPr>
-              <a:t>.</a:t>
-            </a:r>
-          </a:p>
-          <a:p>
-            <a:pPr marL="400050" lvl="1" indent="0">
-              <a:buClr>
-                <a:schemeClr val="tx2">
-                  <a:lumMod val="75000"/>
-                </a:schemeClr>
-              </a:buClr>
-              <a:buSzPct val="60000"/>
-              <a:buFont typeface="Wingdings" panose="05000000000000000000" pitchFamily="2" charset="2"/>
-              <a:buNone/>
-            </a:pPr>
-            <a:endParaRPr lang="en-US" sz="1800" dirty="0">
-              <a:solidFill>
-                <a:srgbClr val="285B7C"/>
-              </a:solidFill>
-            </a:endParaRPr>
-          </a:p>
-          <a:p>
-            <a:pPr marL="0" indent="0">
-              <a:buFont typeface="Wingdings" panose="05000000000000000000" pitchFamily="2" charset="2"/>
-              <a:buNone/>
-            </a:pPr>
-            <a:endParaRPr lang="en-US" sz="2000" dirty="0"/>
-          </a:p>
-        </p:txBody>
-      </p:sp>
-      <p:sp>
-        <p:nvSpPr>
-          <p:cNvPr id="5" name="Text Placeholder 2">
-            <a:extLst>
-              <a:ext uri="{FF2B5EF4-FFF2-40B4-BE49-F238E27FC236}">
-                <a16:creationId xmlns:a16="http://schemas.microsoft.com/office/drawing/2014/main" id="{E4A0C9B4-8622-4D01-8736-AFBDF7576D43}"/>
-              </a:ext>
-            </a:extLst>
-          </p:cNvPr>
-          <p:cNvSpPr txBox="1">
-            <a:spLocks/>
-          </p:cNvSpPr>
-          <p:nvPr/>
-        </p:nvSpPr>
-        <p:spPr bwMode="auto">
-          <a:xfrm>
-            <a:off x="4140200" y="5592233"/>
-            <a:ext cx="4533900" cy="389467"/>
-          </a:xfrm>
-          <a:prstGeom prst="rect">
-            <a:avLst/>
-          </a:prstGeom>
-          <a:noFill/>
-          <a:ln>
-            <a:noFill/>
-          </a:ln>
-          <a:extLst>
-            <a:ext uri="{909E8E84-426E-40DD-AFC4-6F175D3DCCD1}">
-              <a14:hiddenFill xmlns:a14="http://schemas.microsoft.com/office/drawing/2010/main">
-                <a:solidFill>
-                  <a:srgbClr val="FFFFFF"/>
-                </a:solidFill>
-              </a14:hiddenFill>
-            </a:ext>
-            <a:ext uri="{91240B29-F687-4F45-9708-019B960494DF}">
-              <a14:hiddenLine xmlns:a14="http://schemas.microsoft.com/office/drawing/2010/main" w="9525">
-                <a:solidFill>
-                  <a:srgbClr val="000000"/>
-                </a:solidFill>
-                <a:miter lim="800000"/>
-                <a:headEnd/>
-                <a:tailEnd/>
-              </a14:hiddenLine>
-            </a:ext>
-            <a:ext uri="{FAA26D3D-D897-4be2-8F04-BA451C77F1D7}">
-              <ma14:placeholderFlag xmlns:ma14="http://schemas.microsoft.com/office/mac/drawingml/2011/main" xmlns="" val="1"/>
-            </a:ext>
-          </a:extLst>
-        </p:spPr>
-        <p:txBody>
-          <a:bodyPr vert="horz" wrap="square" lIns="91440" tIns="45720" rIns="91440" bIns="45720" numCol="1" anchor="t" anchorCtr="0" compatLnSpc="1">
-            <a:prstTxWarp prst="textNoShape">
-              <a:avLst/>
-            </a:prstTxWarp>
-          </a:bodyPr>
-          <a:lstStyle>
-            <a:lvl1pPr marL="365760" indent="-365760" algn="l" rtl="0" eaLnBrk="0" fontAlgn="base" hangingPunct="0">
-              <a:spcBef>
-                <a:spcPct val="0"/>
-              </a:spcBef>
-              <a:spcAft>
-                <a:spcPct val="0"/>
-              </a:spcAft>
-              <a:buClr>
-                <a:srgbClr val="008BAC"/>
-              </a:buClr>
-              <a:buSzPct val="70000"/>
-              <a:buFont typeface="Wingdings" panose="05000000000000000000" pitchFamily="2" charset="2"/>
-              <a:buChar char="§"/>
-              <a:defRPr lang="en-US" sz="2800" b="0" i="0" kern="1200" smtClean="0">
-                <a:solidFill>
-                  <a:srgbClr val="285B7C"/>
-                </a:solidFill>
-                <a:latin typeface="+mj-lt"/>
-                <a:ea typeface="Lato" panose="020F0502020204030203" pitchFamily="34" charset="0"/>
-                <a:cs typeface="Lato" panose="020F0502020204030203" pitchFamily="34" charset="0"/>
-              </a:defRPr>
-            </a:lvl1pPr>
-            <a:lvl2pPr marL="742950" indent="-342900" algn="l" rtl="0" eaLnBrk="1" fontAlgn="base" hangingPunct="1">
-              <a:spcBef>
-                <a:spcPts val="500"/>
-              </a:spcBef>
-              <a:spcAft>
-                <a:spcPct val="0"/>
-              </a:spcAft>
-              <a:buClr>
-                <a:srgbClr val="008BAC"/>
-              </a:buClr>
-              <a:buFont typeface="Wingdings" panose="05000000000000000000" pitchFamily="2" charset="2"/>
-              <a:buChar char="§"/>
-              <a:defRPr sz="2000" b="0" i="0" kern="1200">
-                <a:solidFill>
-                  <a:srgbClr val="5E6976"/>
-                </a:solidFill>
-                <a:latin typeface="+mj-lt"/>
-                <a:ea typeface="Lato" panose="020F0502020204030203" pitchFamily="34" charset="0"/>
-                <a:cs typeface="Lato" panose="020F0502020204030203" pitchFamily="34" charset="0"/>
-              </a:defRPr>
-            </a:lvl2pPr>
-            <a:lvl3pPr marL="858838" indent="-228600" algn="l" rtl="0" eaLnBrk="1" fontAlgn="base" hangingPunct="1">
-              <a:spcBef>
-                <a:spcPts val="500"/>
-              </a:spcBef>
-              <a:spcAft>
-                <a:spcPct val="0"/>
-              </a:spcAft>
-              <a:buClr>
-                <a:srgbClr val="008BAC"/>
-              </a:buClr>
-              <a:buSzPct val="60000"/>
-              <a:buFont typeface="Wingdings" panose="05000000000000000000" pitchFamily="2" charset="2"/>
-              <a:buChar char="§"/>
-              <a:defRPr kern="1200">
-                <a:solidFill>
-                  <a:schemeClr val="tx1"/>
-                </a:solidFill>
-                <a:latin typeface="+mj-lt"/>
-                <a:ea typeface="Lato" panose="020F0502020204030203" pitchFamily="34" charset="0"/>
-                <a:cs typeface="Lato" panose="020F0502020204030203" pitchFamily="34" charset="0"/>
-              </a:defRPr>
-            </a:lvl3pPr>
-            <a:lvl4pPr marL="1144587" indent="-285750" algn="l" rtl="0" eaLnBrk="1" fontAlgn="base" hangingPunct="1">
-              <a:spcBef>
-                <a:spcPts val="500"/>
-              </a:spcBef>
-              <a:spcAft>
-                <a:spcPct val="0"/>
-              </a:spcAft>
-              <a:buClr>
-                <a:srgbClr val="008BAC"/>
-              </a:buClr>
-              <a:buFont typeface="Wingdings" panose="05000000000000000000" pitchFamily="2" charset="2"/>
-              <a:buChar char="§"/>
-              <a:defRPr sz="1600" kern="1200">
-                <a:solidFill>
-                  <a:schemeClr val="tx1"/>
-                </a:solidFill>
-                <a:latin typeface="+mj-lt"/>
-                <a:ea typeface="Lato" panose="020F0502020204030203" pitchFamily="34" charset="0"/>
-                <a:cs typeface="Lato" panose="020F0502020204030203" pitchFamily="34" charset="0"/>
-              </a:defRPr>
-            </a:lvl4pPr>
-            <a:lvl5pPr marL="2057400" indent="-228600" algn="l" rtl="0" eaLnBrk="1" fontAlgn="base" hangingPunct="1">
-              <a:spcBef>
-                <a:spcPts val="500"/>
-              </a:spcBef>
-              <a:spcAft>
-                <a:spcPct val="0"/>
-              </a:spcAft>
-              <a:buClr>
-                <a:srgbClr val="008BAC"/>
-              </a:buClr>
-              <a:buFont typeface="Wingdings" charset="2"/>
-              <a:buChar char="§"/>
-              <a:defRPr sz="1400" kern="1200">
-                <a:solidFill>
-                  <a:schemeClr val="tx1"/>
-                </a:solidFill>
-                <a:latin typeface="+mj-lt"/>
-                <a:ea typeface="Lato" panose="020F0502020204030203" pitchFamily="34" charset="0"/>
-                <a:cs typeface="Lato" panose="020F0502020204030203" pitchFamily="34" charset="0"/>
-              </a:defRPr>
-            </a:lvl5pPr>
-            <a:lvl6pPr marL="2514600" indent="-228600" algn="l" defTabSz="914400" rtl="0" eaLnBrk="1" latinLnBrk="0" hangingPunct="1">
-              <a:lnSpc>
-                <a:spcPct val="90000"/>
-              </a:lnSpc>
-              <a:spcBef>
-                <a:spcPts val="500"/>
-              </a:spcBef>
-              <a:buFont typeface="Arial"/>
-              <a:buChar char="•"/>
-              <a:defRPr sz="1800" kern="1200">
-                <a:solidFill>
-                  <a:schemeClr val="tx1"/>
-                </a:solidFill>
-                <a:latin typeface="+mn-lt"/>
-                <a:ea typeface="+mn-ea"/>
-                <a:cs typeface="+mn-cs"/>
-              </a:defRPr>
-            </a:lvl6pPr>
-            <a:lvl7pPr marL="2971800" indent="-228600" algn="l" defTabSz="914400" rtl="0" eaLnBrk="1" latinLnBrk="0" hangingPunct="1">
-              <a:lnSpc>
-                <a:spcPct val="90000"/>
-              </a:lnSpc>
-              <a:spcBef>
-                <a:spcPts val="500"/>
-              </a:spcBef>
-              <a:buFont typeface="Arial"/>
-              <a:buChar char="•"/>
-              <a:defRPr sz="1800" kern="1200">
-                <a:solidFill>
-                  <a:schemeClr val="tx1"/>
-                </a:solidFill>
-                <a:latin typeface="+mn-lt"/>
-                <a:ea typeface="+mn-ea"/>
-                <a:cs typeface="+mn-cs"/>
-              </a:defRPr>
-            </a:lvl7pPr>
-            <a:lvl8pPr marL="3429000" indent="-228600" algn="l" defTabSz="914400" rtl="0" eaLnBrk="1" latinLnBrk="0" hangingPunct="1">
-              <a:lnSpc>
-                <a:spcPct val="90000"/>
-              </a:lnSpc>
-              <a:spcBef>
-                <a:spcPts val="500"/>
-              </a:spcBef>
-              <a:buFont typeface="Arial"/>
-              <a:buChar char="•"/>
-              <a:defRPr sz="1800" kern="1200">
-                <a:solidFill>
-                  <a:schemeClr val="tx1"/>
-                </a:solidFill>
-                <a:latin typeface="+mn-lt"/>
-                <a:ea typeface="+mn-ea"/>
-                <a:cs typeface="+mn-cs"/>
-              </a:defRPr>
-            </a:lvl8pPr>
-            <a:lvl9pPr marL="3886200" indent="-228600" algn="l" defTabSz="914400" rtl="0" eaLnBrk="1" latinLnBrk="0" hangingPunct="1">
-              <a:lnSpc>
-                <a:spcPct val="90000"/>
-              </a:lnSpc>
-              <a:spcBef>
-                <a:spcPts val="500"/>
-              </a:spcBef>
-              <a:buFont typeface="Arial"/>
-              <a:buChar char="•"/>
-              <a:defRPr sz="1800" kern="1200">
-                <a:solidFill>
-                  <a:schemeClr val="tx1"/>
-                </a:solidFill>
-                <a:latin typeface="+mn-lt"/>
-                <a:ea typeface="+mn-ea"/>
-                <a:cs typeface="+mn-cs"/>
-              </a:defRPr>
-            </a:lvl9pPr>
-          </a:lstStyle>
-          <a:p>
-            <a:pPr marL="0" indent="0">
-              <a:spcBef>
-                <a:spcPts val="600"/>
-              </a:spcBef>
-              <a:buClr>
-                <a:srgbClr val="285B7C"/>
-              </a:buClr>
-              <a:buNone/>
-            </a:pPr>
-            <a:r>
-              <a:rPr lang="en-US" sz="2000" b="1" dirty="0"/>
-              <a:t>Be Brilliantly Lazy……..</a:t>
-            </a:r>
-            <a:endParaRPr lang="en-US" sz="2000" dirty="0"/>
-          </a:p>
-          <a:p>
-            <a:pPr marL="400050" lvl="1" indent="0">
-              <a:buClr>
-                <a:schemeClr val="tx2">
-                  <a:lumMod val="75000"/>
-                </a:schemeClr>
-              </a:buClr>
-              <a:buSzPct val="60000"/>
-              <a:buFont typeface="Wingdings" panose="05000000000000000000" pitchFamily="2" charset="2"/>
-              <a:buNone/>
-            </a:pPr>
-            <a:endParaRPr lang="en-US" sz="1800" dirty="0">
-              <a:solidFill>
-                <a:srgbClr val="285B7C"/>
-              </a:solidFill>
-            </a:endParaRPr>
-          </a:p>
-          <a:p>
-            <a:pPr marL="0" indent="0">
-              <a:buFont typeface="Wingdings" panose="05000000000000000000" pitchFamily="2" charset="2"/>
-              <a:buNone/>
-            </a:pPr>
-            <a:endParaRPr lang="en-US" sz="2000" dirty="0"/>
-          </a:p>
-        </p:txBody>
-      </p:sp>
-    </p:spTree>
-    <p:extLst>
-      <p:ext uri="{BB962C8B-B14F-4D97-AF65-F5344CB8AC3E}">
-        <p14:creationId xmlns:p14="http://schemas.microsoft.com/office/powerpoint/2010/main" val="84487166"/>
-      </p:ext>
-    </p:extLst>
-  </p:cSld>
-  <p:clrMapOvr>
-    <a:masterClrMapping/>
-  </p:clrMapOvr>
-  <p:timing>
-    <p:tnLst>
-      <p:par>
-        <p:cTn id="1" dur="indefinite" restart="never" nodeType="tmRoot">
-          <p:childTnLst>
-            <p:seq concurrent="1" nextAc="seek">
-              <p:cTn id="2" dur="indefinite" nodeType="mainSeq">
-                <p:childTnLst>
-                  <p:par>
-                    <p:cTn id="3" fill="hold">
-                      <p:stCondLst>
-                        <p:cond delay="indefinite"/>
-                      </p:stCondLst>
-                      <p:childTnLst>
-                        <p:par>
-                          <p:cTn id="4" fill="hold">
-                            <p:stCondLst>
-                              <p:cond delay="0"/>
-                            </p:stCondLst>
-                            <p:childTnLst>
-                              <p:par>
-                                <p:cTn id="5" presetID="42" presetClass="entr" presetSubtype="0" fill="hold" grpId="0" nodeType="clickEffect">
-                                  <p:stCondLst>
-                                    <p:cond delay="0"/>
-                                  </p:stCondLst>
-                                  <p:childTnLst>
-                                    <p:set>
-                                      <p:cBhvr>
-                                        <p:cTn id="6" dur="1" fill="hold">
-                                          <p:stCondLst>
-                                            <p:cond delay="0"/>
-                                          </p:stCondLst>
-                                        </p:cTn>
-                                        <p:tgtEl>
-                                          <p:spTgt spid="4"/>
-                                        </p:tgtEl>
-                                        <p:attrNameLst>
-                                          <p:attrName>style.visibility</p:attrName>
-                                        </p:attrNameLst>
-                                      </p:cBhvr>
-                                      <p:to>
-                                        <p:strVal val="visible"/>
-                                      </p:to>
-                                    </p:set>
-                                    <p:animEffect transition="in" filter="fade">
-                                      <p:cBhvr>
-                                        <p:cTn id="7" dur="1000"/>
-                                        <p:tgtEl>
-                                          <p:spTgt spid="4"/>
-                                        </p:tgtEl>
-                                      </p:cBhvr>
-                                    </p:animEffect>
-                                    <p:anim calcmode="lin" valueType="num">
-                                      <p:cBhvr>
-                                        <p:cTn id="8" dur="1000" fill="hold"/>
-                                        <p:tgtEl>
-                                          <p:spTgt spid="4"/>
-                                        </p:tgtEl>
-                                        <p:attrNameLst>
-                                          <p:attrName>ppt_x</p:attrName>
-                                        </p:attrNameLst>
-                                      </p:cBhvr>
-                                      <p:tavLst>
-                                        <p:tav tm="0">
-                                          <p:val>
-                                            <p:strVal val="#ppt_x"/>
-                                          </p:val>
-                                        </p:tav>
-                                        <p:tav tm="100000">
-                                          <p:val>
-                                            <p:strVal val="#ppt_x"/>
-                                          </p:val>
-                                        </p:tav>
-                                      </p:tavLst>
-                                    </p:anim>
-                                    <p:anim calcmode="lin" valueType="num">
-                                      <p:cBhvr>
-                                        <p:cTn id="9" dur="1000" fill="hold"/>
-                                        <p:tgtEl>
-                                          <p:spTgt spid="4"/>
-                                        </p:tgtEl>
-                                        <p:attrNameLst>
-                                          <p:attrName>ppt_y</p:attrName>
-                                        </p:attrNameLst>
-                                      </p:cBhvr>
-                                      <p:tavLst>
-                                        <p:tav tm="0">
-                                          <p:val>
-                                            <p:strVal val="#ppt_y+.1"/>
-                                          </p:val>
-                                        </p:tav>
-                                        <p:tav tm="100000">
-                                          <p:val>
-                                            <p:strVal val="#ppt_y"/>
-                                          </p:val>
-                                        </p:tav>
-                                      </p:tavLst>
-                                    </p:anim>
-                                  </p:childTnLst>
-                                </p:cTn>
-                              </p:par>
-                            </p:childTnLst>
-                          </p:cTn>
-                        </p:par>
-                      </p:childTnLst>
-                    </p:cTn>
-                  </p:par>
-                  <p:par>
-                    <p:cTn id="10" fill="hold">
-                      <p:stCondLst>
-                        <p:cond delay="indefinite"/>
-                      </p:stCondLst>
-                      <p:childTnLst>
-                        <p:par>
-                          <p:cTn id="11" fill="hold">
-                            <p:stCondLst>
-                              <p:cond delay="0"/>
-                            </p:stCondLst>
-                            <p:childTnLst>
-                              <p:par>
-                                <p:cTn id="12" presetID="2" presetClass="entr" presetSubtype="4" fill="hold" grpId="0" nodeType="clickEffect">
-                                  <p:stCondLst>
-                                    <p:cond delay="0"/>
-                                  </p:stCondLst>
-                                  <p:childTnLst>
-                                    <p:set>
-                                      <p:cBhvr>
-                                        <p:cTn id="13" dur="1" fill="hold">
-                                          <p:stCondLst>
-                                            <p:cond delay="0"/>
-                                          </p:stCondLst>
-                                        </p:cTn>
-                                        <p:tgtEl>
-                                          <p:spTgt spid="5"/>
-                                        </p:tgtEl>
-                                        <p:attrNameLst>
-                                          <p:attrName>style.visibility</p:attrName>
-                                        </p:attrNameLst>
-                                      </p:cBhvr>
-                                      <p:to>
-                                        <p:strVal val="visible"/>
-                                      </p:to>
-                                    </p:set>
-                                    <p:anim calcmode="lin" valueType="num">
-                                      <p:cBhvr additive="base">
-                                        <p:cTn id="14" dur="500" fill="hold"/>
-                                        <p:tgtEl>
-                                          <p:spTgt spid="5"/>
-                                        </p:tgtEl>
-                                        <p:attrNameLst>
-                                          <p:attrName>ppt_x</p:attrName>
-                                        </p:attrNameLst>
-                                      </p:cBhvr>
-                                      <p:tavLst>
-                                        <p:tav tm="0">
-                                          <p:val>
-                                            <p:strVal val="#ppt_x"/>
-                                          </p:val>
-                                        </p:tav>
-                                        <p:tav tm="100000">
-                                          <p:val>
-                                            <p:strVal val="#ppt_x"/>
-                                          </p:val>
-                                        </p:tav>
-                                      </p:tavLst>
-                                    </p:anim>
-                                    <p:anim calcmode="lin" valueType="num">
-                                      <p:cBhvr additive="base">
-                                        <p:cTn id="15" dur="500" fill="hold"/>
-                                        <p:tgtEl>
-                                          <p:spTgt spid="5"/>
-                                        </p:tgtEl>
-                                        <p:attrNameLst>
-                                          <p:attrName>ppt_y</p:attrName>
-                                        </p:attrNameLst>
-                                      </p:cBhvr>
-                                      <p:tavLst>
-                                        <p:tav tm="0">
-                                          <p:val>
-                                            <p:strVal val="1+#ppt_h/2"/>
-                                          </p:val>
-                                        </p:tav>
-                                        <p:tav tm="100000">
-                                          <p:val>
-                                            <p:strVal val="#ppt_y"/>
-                                          </p:val>
-                                        </p:tav>
-                                      </p:tavLst>
-                                    </p:anim>
-                                  </p:childTnLst>
-                                </p:cTn>
-                              </p:par>
-                            </p:childTnLst>
-                          </p:cTn>
-                        </p:par>
-                      </p:childTnLst>
-                    </p:cTn>
-                  </p:par>
-                </p:childTnLst>
-              </p:cTn>
-              <p:prevCondLst>
-                <p:cond evt="onPrev" delay="0">
-                  <p:tgtEl>
-                    <p:sldTgt/>
-                  </p:tgtEl>
-                </p:cond>
-              </p:prevCondLst>
-              <p:nextCondLst>
-                <p:cond evt="onNext" delay="0">
-                  <p:tgtEl>
-                    <p:sldTgt/>
-                  </p:tgtEl>
-                </p:cond>
-              </p:nextCondLst>
-            </p:seq>
-          </p:childTnLst>
-        </p:cTn>
-      </p:par>
-    </p:tnLst>
-    <p:bldLst>
-      <p:bldP spid="4" grpId="0"/>
-      <p:bldP spid="5" grpId="0"/>
-    </p:bldLst>
-  </p:timing>
-</p:sld>
-</file>
-
-<file path=ppt/slides/slide7.xml><?xml version="1.0" encoding="utf-8"?>
-<p:sld xmlns:a="http://schemas.openxmlformats.org/drawingml/2006/main" xmlns:r="http://schemas.openxmlformats.org/officeDocument/2006/relationships" xmlns:p="http://schemas.openxmlformats.org/presentationml/2006/main">
-  <p:cSld>
-    <p:spTree>
-      <p:nvGrpSpPr>
-        <p:cNvPr id="1" name=""/>
-        <p:cNvGrpSpPr/>
-        <p:nvPr/>
-      </p:nvGrpSpPr>
-      <p:grpSpPr>
-        <a:xfrm>
-          <a:off x="0" y="0"/>
-          <a:ext cx="0" cy="0"/>
-          <a:chOff x="0" y="0"/>
-          <a:chExt cx="0" cy="0"/>
-        </a:xfrm>
-      </p:grpSpPr>
-      <p:sp>
-        <p:nvSpPr>
-          <p:cNvPr id="2" name="Title 1">
-            <a:extLst>
-              <a:ext uri="{FF2B5EF4-FFF2-40B4-BE49-F238E27FC236}">
-                <a16:creationId xmlns:a16="http://schemas.microsoft.com/office/drawing/2014/main" id="{3B75E9DE-0B45-47E9-8400-AA526490CEC7}"/>
-              </a:ext>
-            </a:extLst>
-          </p:cNvPr>
-          <p:cNvSpPr>
-            <a:spLocks noGrp="1"/>
-          </p:cNvSpPr>
-          <p:nvPr>
-            <p:ph type="ctrTitle"/>
-          </p:nvPr>
-        </p:nvSpPr>
-        <p:spPr/>
-        <p:txBody>
-          <a:bodyPr/>
-          <a:lstStyle/>
-          <a:p>
-            <a:r>
-              <a:rPr lang="en-US" dirty="0">
-                <a:solidFill>
-                  <a:schemeClr val="tx1"/>
-                </a:solidFill>
-              </a:rPr>
-              <a:t>Automation &amp; AI/ML</a:t>
-            </a:r>
-          </a:p>
-        </p:txBody>
-      </p:sp>
-      <p:sp>
-        <p:nvSpPr>
-          <p:cNvPr id="3" name="Text Placeholder 2">
-            <a:extLst>
-              <a:ext uri="{FF2B5EF4-FFF2-40B4-BE49-F238E27FC236}">
-                <a16:creationId xmlns:a16="http://schemas.microsoft.com/office/drawing/2014/main" id="{EE85F4E1-4017-4236-A039-5576F468BC38}"/>
-              </a:ext>
-            </a:extLst>
-          </p:cNvPr>
-          <p:cNvSpPr>
-            <a:spLocks noGrp="1"/>
-          </p:cNvSpPr>
-          <p:nvPr>
-            <p:ph type="body" sz="quarter" idx="10"/>
-          </p:nvPr>
-        </p:nvSpPr>
-        <p:spPr>
-          <a:xfrm>
-            <a:off x="406400" y="1217382"/>
-            <a:ext cx="10993967" cy="2905885"/>
-          </a:xfrm>
-        </p:spPr>
-        <p:txBody>
-          <a:bodyPr/>
-          <a:lstStyle/>
-          <a:p>
-            <a:pPr marL="228600" indent="-228600">
-              <a:spcBef>
-                <a:spcPts val="600"/>
-              </a:spcBef>
-              <a:buClr>
-                <a:srgbClr val="285B7C"/>
-              </a:buClr>
-              <a:buFont typeface="Wingdings" panose="05000000000000000000" pitchFamily="2" charset="2"/>
-              <a:buChar char="Ø"/>
-            </a:pPr>
-            <a:r>
-              <a:rPr lang="en-US" sz="2000" dirty="0"/>
-              <a:t>Only in a limited capacity are they the same</a:t>
-            </a:r>
-          </a:p>
-          <a:p>
-            <a:pPr marL="228600" indent="-228600">
-              <a:spcBef>
-                <a:spcPts val="600"/>
-              </a:spcBef>
-              <a:buClr>
-                <a:srgbClr val="285B7C"/>
-              </a:buClr>
-              <a:buFont typeface="Wingdings" panose="05000000000000000000" pitchFamily="2" charset="2"/>
-              <a:buChar char="Ø"/>
-            </a:pPr>
-            <a:r>
-              <a:rPr lang="en-US" sz="2000" dirty="0"/>
-              <a:t>Automation is usually a very rules-based thing</a:t>
-            </a:r>
-          </a:p>
-          <a:p>
-            <a:pPr marL="228600" indent="-228600">
-              <a:spcBef>
-                <a:spcPts val="600"/>
-              </a:spcBef>
-              <a:buClr>
-                <a:srgbClr val="285B7C"/>
-              </a:buClr>
-              <a:buFont typeface="Wingdings" panose="05000000000000000000" pitchFamily="2" charset="2"/>
-              <a:buChar char="Ø"/>
-            </a:pPr>
-            <a:r>
-              <a:rPr lang="en-US" sz="2000" dirty="0"/>
-              <a:t>Walk before you run - there is a ton of high-value automation work in your business.</a:t>
-            </a:r>
-          </a:p>
-          <a:p>
-            <a:pPr marL="228600" indent="-228600">
-              <a:spcBef>
-                <a:spcPts val="600"/>
-              </a:spcBef>
-              <a:buClr>
-                <a:srgbClr val="285B7C"/>
-              </a:buClr>
-              <a:buFont typeface="Wingdings" panose="05000000000000000000" pitchFamily="2" charset="2"/>
-              <a:buChar char="Ø"/>
-            </a:pPr>
-            <a:r>
-              <a:rPr lang="en-US" sz="2000" dirty="0"/>
-              <a:t>If it is useful, use it (not everything needs an AI solution).</a:t>
-            </a:r>
-          </a:p>
-          <a:p>
-            <a:pPr marL="400050" lvl="1" indent="0">
-              <a:buClr>
-                <a:schemeClr val="tx2">
-                  <a:lumMod val="75000"/>
-                </a:schemeClr>
-              </a:buClr>
-              <a:buSzPct val="60000"/>
-              <a:buNone/>
-            </a:pPr>
-            <a:endParaRPr lang="en-US" sz="1800" dirty="0">
-              <a:solidFill>
-                <a:srgbClr val="285B7C"/>
-              </a:solidFill>
-            </a:endParaRPr>
-          </a:p>
-          <a:p>
-            <a:pPr marL="0" indent="0">
-              <a:buNone/>
-            </a:pPr>
-            <a:endParaRPr lang="en-US" sz="2000" dirty="0"/>
-          </a:p>
-        </p:txBody>
-      </p:sp>
-    </p:spTree>
-    <p:extLst>
-      <p:ext uri="{BB962C8B-B14F-4D97-AF65-F5344CB8AC3E}">
-        <p14:creationId xmlns:p14="http://schemas.microsoft.com/office/powerpoint/2010/main" val="1381974279"/>
-      </p:ext>
-    </p:extLst>
-  </p:cSld>
-  <p:clrMapOvr>
-    <a:masterClrMapping/>
-  </p:clrMapOvr>
-</p:sld>
-</file>
-
-<file path=ppt/slides/slide8.xml><?xml version="1.0" encoding="utf-8"?>
-<p:sld xmlns:a="http://schemas.openxmlformats.org/drawingml/2006/main" xmlns:r="http://schemas.openxmlformats.org/officeDocument/2006/relationships" xmlns:p="http://schemas.openxmlformats.org/presentationml/2006/main">
-  <p:cSld>
-    <p:spTree>
-      <p:nvGrpSpPr>
-        <p:cNvPr id="1" name=""/>
-        <p:cNvGrpSpPr/>
-        <p:nvPr/>
-      </p:nvGrpSpPr>
-      <p:grpSpPr>
-        <a:xfrm>
-          <a:off x="0" y="0"/>
-          <a:ext cx="0" cy="0"/>
-          <a:chOff x="0" y="0"/>
-          <a:chExt cx="0" cy="0"/>
-        </a:xfrm>
-      </p:grpSpPr>
-      <p:sp>
-        <p:nvSpPr>
-          <p:cNvPr id="2" name="Title 1">
-            <a:extLst>
-              <a:ext uri="{FF2B5EF4-FFF2-40B4-BE49-F238E27FC236}">
-                <a16:creationId xmlns:a16="http://schemas.microsoft.com/office/drawing/2014/main" id="{3B75E9DE-0B45-47E9-8400-AA526490CEC7}"/>
-              </a:ext>
-            </a:extLst>
-          </p:cNvPr>
-          <p:cNvSpPr>
-            <a:spLocks noGrp="1"/>
-          </p:cNvSpPr>
-          <p:nvPr>
-            <p:ph type="ctrTitle"/>
-          </p:nvPr>
-        </p:nvSpPr>
-        <p:spPr/>
-        <p:txBody>
-          <a:bodyPr/>
-          <a:lstStyle/>
-          <a:p>
-            <a:r>
-              <a:rPr lang="en-US" dirty="0">
-                <a:solidFill>
-                  <a:schemeClr val="tx1"/>
-                </a:solidFill>
-              </a:rPr>
               <a:t>Very High-Level Overview of Automation Tools</a:t>
             </a:r>
           </a:p>
@@ -12135,7 +9825,7 @@
           <p:nvPr>
             <p:extLst>
               <p:ext uri="{D42A27DB-BD31-4B8C-83A1-F6EECF244321}">
-                <p14:modId xmlns:p14="http://schemas.microsoft.com/office/powerpoint/2010/main" val="1571894904"/>
+                <p14:modId xmlns:p14="http://schemas.microsoft.com/office/powerpoint/2010/main" val="1759054279"/>
               </p:ext>
             </p:extLst>
           </p:nvPr>
@@ -12171,7 +9861,7 @@
             <a:avLst/>
           </a:prstGeom>
           <a:solidFill>
-            <a:srgbClr val="0070C0"/>
+            <a:srgbClr val="285B7C"/>
           </a:solidFill>
           <a:ln>
             <a:solidFill>
@@ -12230,10 +9920,7 @@
             <a:avLst/>
           </a:prstGeom>
           <a:solidFill>
-            <a:schemeClr val="accent6">
-              <a:lumMod val="60000"/>
-              <a:lumOff val="40000"/>
-            </a:schemeClr>
+            <a:srgbClr val="008BAC"/>
           </a:solidFill>
           <a:ln>
             <a:solidFill>
@@ -12268,6 +9955,60 @@
               </a:rPr>
               <a:t>Individual Initiatives</a:t>
             </a:r>
+          </a:p>
+        </p:txBody>
+      </p:sp>
+      <p:sp>
+        <p:nvSpPr>
+          <p:cNvPr id="3" name="Oval 2">
+            <a:extLst>
+              <a:ext uri="{FF2B5EF4-FFF2-40B4-BE49-F238E27FC236}">
+                <a16:creationId xmlns:a16="http://schemas.microsoft.com/office/drawing/2014/main" id="{C543A7A6-8F48-4704-8443-D339E96E7CA9}"/>
+              </a:ext>
+            </a:extLst>
+          </p:cNvPr>
+          <p:cNvSpPr/>
+          <p:nvPr/>
+        </p:nvSpPr>
+        <p:spPr>
+          <a:xfrm>
+            <a:off x="6492240" y="3150524"/>
+            <a:ext cx="1886989" cy="1379912"/>
+          </a:xfrm>
+          <a:prstGeom prst="ellipse">
+            <a:avLst/>
+          </a:prstGeom>
+          <a:noFill/>
+          <a:ln>
+            <a:solidFill>
+              <a:srgbClr val="FF0000"/>
+            </a:solidFill>
+          </a:ln>
+        </p:spPr>
+        <p:style>
+          <a:lnRef idx="2">
+            <a:schemeClr val="accent1">
+              <a:shade val="50000"/>
+            </a:schemeClr>
+          </a:lnRef>
+          <a:fillRef idx="1">
+            <a:schemeClr val="accent1"/>
+          </a:fillRef>
+          <a:effectRef idx="0">
+            <a:schemeClr val="accent1"/>
+          </a:effectRef>
+          <a:fontRef idx="minor">
+            <a:schemeClr val="lt1"/>
+          </a:fontRef>
+        </p:style>
+        <p:txBody>
+          <a:bodyPr rtlCol="0" anchor="ctr"/>
+          <a:lstStyle/>
+          <a:p>
+            <a:pPr algn="ctr"/>
+            <a:endParaRPr lang="en-US">
+              <a:noFill/>
+            </a:endParaRPr>
           </a:p>
         </p:txBody>
       </p:sp>
@@ -12453,6 +10194,97 @@
                       </p:childTnLst>
                     </p:cTn>
                   </p:par>
+                  <p:par>
+                    <p:cTn id="13" fill="hold">
+                      <p:stCondLst>
+                        <p:cond delay="indefinite"/>
+                      </p:stCondLst>
+                      <p:childTnLst>
+                        <p:par>
+                          <p:cTn id="14" fill="hold">
+                            <p:stCondLst>
+                              <p:cond delay="0"/>
+                            </p:stCondLst>
+                            <p:childTnLst>
+                              <p:par>
+                                <p:cTn id="15" presetID="2" presetClass="entr" presetSubtype="4" fill="hold" grpId="0" nodeType="clickEffect">
+                                  <p:stCondLst>
+                                    <p:cond delay="0"/>
+                                  </p:stCondLst>
+                                  <p:childTnLst>
+                                    <p:set>
+                                      <p:cBhvr>
+                                        <p:cTn id="16" dur="1" fill="hold">
+                                          <p:stCondLst>
+                                            <p:cond delay="0"/>
+                                          </p:stCondLst>
+                                        </p:cTn>
+                                        <p:tgtEl>
+                                          <p:spTgt spid="3"/>
+                                        </p:tgtEl>
+                                        <p:attrNameLst>
+                                          <p:attrName>style.visibility</p:attrName>
+                                        </p:attrNameLst>
+                                      </p:cBhvr>
+                                      <p:to>
+                                        <p:strVal val="visible"/>
+                                      </p:to>
+                                    </p:set>
+                                    <p:anim calcmode="lin" valueType="num">
+                                      <p:cBhvr additive="base">
+                                        <p:cTn id="17" dur="500" fill="hold"/>
+                                        <p:tgtEl>
+                                          <p:spTgt spid="3"/>
+                                        </p:tgtEl>
+                                        <p:attrNameLst>
+                                          <p:attrName>ppt_x</p:attrName>
+                                        </p:attrNameLst>
+                                      </p:cBhvr>
+                                      <p:tavLst>
+                                        <p:tav tm="0">
+                                          <p:val>
+                                            <p:strVal val="#ppt_x"/>
+                                          </p:val>
+                                        </p:tav>
+                                        <p:tav tm="100000">
+                                          <p:val>
+                                            <p:strVal val="#ppt_x"/>
+                                          </p:val>
+                                        </p:tav>
+                                      </p:tavLst>
+                                    </p:anim>
+                                    <p:anim calcmode="lin" valueType="num">
+                                      <p:cBhvr additive="base">
+                                        <p:cTn id="18" dur="500" fill="hold"/>
+                                        <p:tgtEl>
+                                          <p:spTgt spid="3"/>
+                                        </p:tgtEl>
+                                        <p:attrNameLst>
+                                          <p:attrName>ppt_y</p:attrName>
+                                        </p:attrNameLst>
+                                      </p:cBhvr>
+                                      <p:tavLst>
+                                        <p:tav tm="0">
+                                          <p:val>
+                                            <p:strVal val="1+#ppt_h/2"/>
+                                          </p:val>
+                                        </p:tav>
+                                        <p:tav tm="100000">
+                                          <p:val>
+                                            <p:strVal val="#ppt_y"/>
+                                          </p:val>
+                                        </p:tav>
+                                      </p:tavLst>
+                                    </p:anim>
+                                  </p:childTnLst>
+                                </p:cTn>
+                              </p:par>
+                            </p:childTnLst>
+                          </p:cTn>
+                        </p:par>
+                      </p:childTnLst>
+                    </p:cTn>
+                  </p:par>
                 </p:childTnLst>
               </p:cTn>
               <p:prevCondLst>
@@ -12477,12 +10309,13 @@
     <p:bldLst>
       <p:bldP spid="6" grpId="0" animBg="1"/>
       <p:bldP spid="7" grpId="0" animBg="1"/>
+      <p:bldP spid="3" grpId="0" animBg="1"/>
     </p:bldLst>
   </p:timing>
 </p:sld>
 </file>
 
-<file path=ppt/slides/slide9.xml><?xml version="1.0" encoding="utf-8"?>
+<file path=ppt/slides/slide7.xml><?xml version="1.0" encoding="utf-8"?>
 <p:sld xmlns:a="http://schemas.openxmlformats.org/drawingml/2006/main" xmlns:r="http://schemas.openxmlformats.org/officeDocument/2006/relationships" xmlns:p="http://schemas.openxmlformats.org/presentationml/2006/main">
   <p:cSld>
     <p:spTree>
@@ -13286,6 +11119,1379 @@
     <p:extLst>
       <p:ext uri="{BB962C8B-B14F-4D97-AF65-F5344CB8AC3E}">
         <p14:creationId xmlns:p14="http://schemas.microsoft.com/office/powerpoint/2010/main" val="216975153"/>
+      </p:ext>
+    </p:extLst>
+  </p:cSld>
+  <p:clrMapOvr>
+    <a:masterClrMapping/>
+  </p:clrMapOvr>
+</p:sld>
+</file>
+
+<file path=ppt/slides/slide8.xml><?xml version="1.0" encoding="utf-8"?>
+<p:sld xmlns:a="http://schemas.openxmlformats.org/drawingml/2006/main" xmlns:r="http://schemas.openxmlformats.org/officeDocument/2006/relationships" xmlns:p="http://schemas.openxmlformats.org/presentationml/2006/main">
+  <p:cSld>
+    <p:spTree>
+      <p:nvGrpSpPr>
+        <p:cNvPr id="1" name=""/>
+        <p:cNvGrpSpPr/>
+        <p:nvPr/>
+      </p:nvGrpSpPr>
+      <p:grpSpPr>
+        <a:xfrm>
+          <a:off x="0" y="0"/>
+          <a:ext cx="0" cy="0"/>
+          <a:chOff x="0" y="0"/>
+          <a:chExt cx="0" cy="0"/>
+        </a:xfrm>
+      </p:grpSpPr>
+      <p:sp>
+        <p:nvSpPr>
+          <p:cNvPr id="2" name="Title 1">
+            <a:extLst>
+              <a:ext uri="{FF2B5EF4-FFF2-40B4-BE49-F238E27FC236}">
+                <a16:creationId xmlns:a16="http://schemas.microsoft.com/office/drawing/2014/main" id="{3B75E9DE-0B45-47E9-8400-AA526490CEC7}"/>
+              </a:ext>
+            </a:extLst>
+          </p:cNvPr>
+          <p:cNvSpPr>
+            <a:spLocks noGrp="1"/>
+          </p:cNvSpPr>
+          <p:nvPr>
+            <p:ph type="ctrTitle"/>
+          </p:nvPr>
+        </p:nvSpPr>
+        <p:spPr/>
+        <p:txBody>
+          <a:bodyPr/>
+          <a:lstStyle/>
+          <a:p>
+            <a:r>
+              <a:rPr lang="en-US" dirty="0">
+                <a:solidFill>
+                  <a:schemeClr val="tx1"/>
+                </a:solidFill>
+              </a:rPr>
+              <a:t>Conceptual Model for Automation</a:t>
+            </a:r>
+          </a:p>
+        </p:txBody>
+      </p:sp>
+      <p:sp>
+        <p:nvSpPr>
+          <p:cNvPr id="4" name="Text Placeholder 2">
+            <a:extLst>
+              <a:ext uri="{FF2B5EF4-FFF2-40B4-BE49-F238E27FC236}">
+                <a16:creationId xmlns:a16="http://schemas.microsoft.com/office/drawing/2014/main" id="{72B0C312-A9D5-48B5-8006-5A22F86127C9}"/>
+              </a:ext>
+            </a:extLst>
+          </p:cNvPr>
+          <p:cNvSpPr txBox="1">
+            <a:spLocks/>
+          </p:cNvSpPr>
+          <p:nvPr/>
+        </p:nvSpPr>
+        <p:spPr bwMode="auto">
+          <a:xfrm>
+            <a:off x="406400" y="1117600"/>
+            <a:ext cx="10993967" cy="698500"/>
+          </a:xfrm>
+          <a:prstGeom prst="rect">
+            <a:avLst/>
+          </a:prstGeom>
+          <a:noFill/>
+          <a:ln>
+            <a:noFill/>
+          </a:ln>
+          <a:extLst>
+            <a:ext uri="{909E8E84-426E-40DD-AFC4-6F175D3DCCD1}">
+              <a14:hiddenFill xmlns:a14="http://schemas.microsoft.com/office/drawing/2010/main">
+                <a:solidFill>
+                  <a:srgbClr val="FFFFFF"/>
+                </a:solidFill>
+              </a14:hiddenFill>
+            </a:ext>
+            <a:ext uri="{91240B29-F687-4F45-9708-019B960494DF}">
+              <a14:hiddenLine xmlns:a14="http://schemas.microsoft.com/office/drawing/2010/main" w="9525">
+                <a:solidFill>
+                  <a:srgbClr val="000000"/>
+                </a:solidFill>
+                <a:miter lim="800000"/>
+                <a:headEnd/>
+                <a:tailEnd/>
+              </a14:hiddenLine>
+            </a:ext>
+            <a:ext uri="{FAA26D3D-D897-4be2-8F04-BA451C77F1D7}">
+              <ma14:placeholderFlag xmlns="" xmlns:ma14="http://schemas.microsoft.com/office/mac/drawingml/2011/main" val="1"/>
+            </a:ext>
+          </a:extLst>
+        </p:spPr>
+        <p:txBody>
+          <a:bodyPr vert="horz" wrap="square" lIns="91440" tIns="45720" rIns="91440" bIns="45720" numCol="1" anchor="t" anchorCtr="0" compatLnSpc="1">
+            <a:prstTxWarp prst="textNoShape">
+              <a:avLst/>
+            </a:prstTxWarp>
+          </a:bodyPr>
+          <a:lstStyle>
+            <a:lvl1pPr marL="365760" indent="-365760" algn="l" rtl="0" eaLnBrk="0" fontAlgn="base" hangingPunct="0">
+              <a:spcBef>
+                <a:spcPct val="0"/>
+              </a:spcBef>
+              <a:spcAft>
+                <a:spcPct val="0"/>
+              </a:spcAft>
+              <a:buClr>
+                <a:srgbClr val="008BAC"/>
+              </a:buClr>
+              <a:buSzPct val="70000"/>
+              <a:buFont typeface="Wingdings" panose="05000000000000000000" pitchFamily="2" charset="2"/>
+              <a:buChar char="§"/>
+              <a:defRPr lang="en-US" sz="2800" b="0" i="0" kern="1200" smtClean="0">
+                <a:solidFill>
+                  <a:srgbClr val="285B7C"/>
+                </a:solidFill>
+                <a:latin typeface="+mj-lt"/>
+                <a:ea typeface="Lato" panose="020F0502020204030203" pitchFamily="34" charset="0"/>
+                <a:cs typeface="Lato" panose="020F0502020204030203" pitchFamily="34" charset="0"/>
+              </a:defRPr>
+            </a:lvl1pPr>
+            <a:lvl2pPr marL="742950" indent="-342900" algn="l" rtl="0" eaLnBrk="1" fontAlgn="base" hangingPunct="1">
+              <a:spcBef>
+                <a:spcPts val="500"/>
+              </a:spcBef>
+              <a:spcAft>
+                <a:spcPct val="0"/>
+              </a:spcAft>
+              <a:buClr>
+                <a:srgbClr val="008BAC"/>
+              </a:buClr>
+              <a:buFont typeface="Wingdings" panose="05000000000000000000" pitchFamily="2" charset="2"/>
+              <a:buChar char="§"/>
+              <a:defRPr sz="2000" b="0" i="0" kern="1200">
+                <a:solidFill>
+                  <a:srgbClr val="5E6976"/>
+                </a:solidFill>
+                <a:latin typeface="+mj-lt"/>
+                <a:ea typeface="Lato" panose="020F0502020204030203" pitchFamily="34" charset="0"/>
+                <a:cs typeface="Lato" panose="020F0502020204030203" pitchFamily="34" charset="0"/>
+              </a:defRPr>
+            </a:lvl2pPr>
+            <a:lvl3pPr marL="858838" indent="-228600" algn="l" rtl="0" eaLnBrk="1" fontAlgn="base" hangingPunct="1">
+              <a:spcBef>
+                <a:spcPts val="500"/>
+              </a:spcBef>
+              <a:spcAft>
+                <a:spcPct val="0"/>
+              </a:spcAft>
+              <a:buClr>
+                <a:srgbClr val="008BAC"/>
+              </a:buClr>
+              <a:buSzPct val="60000"/>
+              <a:buFont typeface="Wingdings" panose="05000000000000000000" pitchFamily="2" charset="2"/>
+              <a:buChar char="§"/>
+              <a:defRPr kern="1200">
+                <a:solidFill>
+                  <a:schemeClr val="tx1"/>
+                </a:solidFill>
+                <a:latin typeface="+mj-lt"/>
+                <a:ea typeface="Lato" panose="020F0502020204030203" pitchFamily="34" charset="0"/>
+                <a:cs typeface="Lato" panose="020F0502020204030203" pitchFamily="34" charset="0"/>
+              </a:defRPr>
+            </a:lvl3pPr>
+            <a:lvl4pPr marL="1144587" indent="-285750" algn="l" rtl="0" eaLnBrk="1" fontAlgn="base" hangingPunct="1">
+              <a:spcBef>
+                <a:spcPts val="500"/>
+              </a:spcBef>
+              <a:spcAft>
+                <a:spcPct val="0"/>
+              </a:spcAft>
+              <a:buClr>
+                <a:srgbClr val="008BAC"/>
+              </a:buClr>
+              <a:buFont typeface="Wingdings" panose="05000000000000000000" pitchFamily="2" charset="2"/>
+              <a:buChar char="§"/>
+              <a:defRPr sz="1600" kern="1200">
+                <a:solidFill>
+                  <a:schemeClr val="tx1"/>
+                </a:solidFill>
+                <a:latin typeface="+mj-lt"/>
+                <a:ea typeface="Lato" panose="020F0502020204030203" pitchFamily="34" charset="0"/>
+                <a:cs typeface="Lato" panose="020F0502020204030203" pitchFamily="34" charset="0"/>
+              </a:defRPr>
+            </a:lvl4pPr>
+            <a:lvl5pPr marL="2057400" indent="-228600" algn="l" rtl="0" eaLnBrk="1" fontAlgn="base" hangingPunct="1">
+              <a:spcBef>
+                <a:spcPts val="500"/>
+              </a:spcBef>
+              <a:spcAft>
+                <a:spcPct val="0"/>
+              </a:spcAft>
+              <a:buClr>
+                <a:srgbClr val="008BAC"/>
+              </a:buClr>
+              <a:buFont typeface="Wingdings" charset="2"/>
+              <a:buChar char="§"/>
+              <a:defRPr sz="1400" kern="1200">
+                <a:solidFill>
+                  <a:schemeClr val="tx1"/>
+                </a:solidFill>
+                <a:latin typeface="+mj-lt"/>
+                <a:ea typeface="Lato" panose="020F0502020204030203" pitchFamily="34" charset="0"/>
+                <a:cs typeface="Lato" panose="020F0502020204030203" pitchFamily="34" charset="0"/>
+              </a:defRPr>
+            </a:lvl5pPr>
+            <a:lvl6pPr marL="2514600" indent="-228600" algn="l" defTabSz="914400" rtl="0" eaLnBrk="1" latinLnBrk="0" hangingPunct="1">
+              <a:lnSpc>
+                <a:spcPct val="90000"/>
+              </a:lnSpc>
+              <a:spcBef>
+                <a:spcPts val="500"/>
+              </a:spcBef>
+              <a:buFont typeface="Arial"/>
+              <a:buChar char="•"/>
+              <a:defRPr sz="1800" kern="1200">
+                <a:solidFill>
+                  <a:schemeClr val="tx1"/>
+                </a:solidFill>
+                <a:latin typeface="+mn-lt"/>
+                <a:ea typeface="+mn-ea"/>
+                <a:cs typeface="+mn-cs"/>
+              </a:defRPr>
+            </a:lvl6pPr>
+            <a:lvl7pPr marL="2971800" indent="-228600" algn="l" defTabSz="914400" rtl="0" eaLnBrk="1" latinLnBrk="0" hangingPunct="1">
+              <a:lnSpc>
+                <a:spcPct val="90000"/>
+              </a:lnSpc>
+              <a:spcBef>
+                <a:spcPts val="500"/>
+              </a:spcBef>
+              <a:buFont typeface="Arial"/>
+              <a:buChar char="•"/>
+              <a:defRPr sz="1800" kern="1200">
+                <a:solidFill>
+                  <a:schemeClr val="tx1"/>
+                </a:solidFill>
+                <a:latin typeface="+mn-lt"/>
+                <a:ea typeface="+mn-ea"/>
+                <a:cs typeface="+mn-cs"/>
+              </a:defRPr>
+            </a:lvl7pPr>
+            <a:lvl8pPr marL="3429000" indent="-228600" algn="l" defTabSz="914400" rtl="0" eaLnBrk="1" latinLnBrk="0" hangingPunct="1">
+              <a:lnSpc>
+                <a:spcPct val="90000"/>
+              </a:lnSpc>
+              <a:spcBef>
+                <a:spcPts val="500"/>
+              </a:spcBef>
+              <a:buFont typeface="Arial"/>
+              <a:buChar char="•"/>
+              <a:defRPr sz="1800" kern="1200">
+                <a:solidFill>
+                  <a:schemeClr val="tx1"/>
+                </a:solidFill>
+                <a:latin typeface="+mn-lt"/>
+                <a:ea typeface="+mn-ea"/>
+                <a:cs typeface="+mn-cs"/>
+              </a:defRPr>
+            </a:lvl8pPr>
+            <a:lvl9pPr marL="3886200" indent="-228600" algn="l" defTabSz="914400" rtl="0" eaLnBrk="1" latinLnBrk="0" hangingPunct="1">
+              <a:lnSpc>
+                <a:spcPct val="90000"/>
+              </a:lnSpc>
+              <a:spcBef>
+                <a:spcPts val="500"/>
+              </a:spcBef>
+              <a:buFont typeface="Arial"/>
+              <a:buChar char="•"/>
+              <a:defRPr sz="1800" kern="1200">
+                <a:solidFill>
+                  <a:schemeClr val="tx1"/>
+                </a:solidFill>
+                <a:latin typeface="+mn-lt"/>
+                <a:ea typeface="+mn-ea"/>
+                <a:cs typeface="+mn-cs"/>
+              </a:defRPr>
+            </a:lvl9pPr>
+          </a:lstStyle>
+          <a:p>
+            <a:pPr marL="228600" indent="-228600">
+              <a:spcBef>
+                <a:spcPts val="600"/>
+              </a:spcBef>
+              <a:buClr>
+                <a:srgbClr val="285B7C"/>
+              </a:buClr>
+              <a:buFont typeface="Wingdings" panose="05000000000000000000" pitchFamily="2" charset="2"/>
+              <a:buChar char="Ø"/>
+            </a:pPr>
+            <a:r>
+              <a:rPr lang="en-US" sz="2000" b="1" dirty="0"/>
+              <a:t>Step 2: Wrap it in a Function</a:t>
+            </a:r>
+            <a:endParaRPr lang="en-US" sz="2000" dirty="0"/>
+          </a:p>
+          <a:p>
+            <a:pPr marL="400050" lvl="1" indent="0">
+              <a:buClr>
+                <a:schemeClr val="tx2">
+                  <a:lumMod val="75000"/>
+                </a:schemeClr>
+              </a:buClr>
+              <a:buSzPct val="60000"/>
+              <a:buFont typeface="Wingdings" panose="05000000000000000000" pitchFamily="2" charset="2"/>
+              <a:buNone/>
+            </a:pPr>
+            <a:endParaRPr lang="en-US" sz="1800" dirty="0">
+              <a:solidFill>
+                <a:srgbClr val="285B7C"/>
+              </a:solidFill>
+            </a:endParaRPr>
+          </a:p>
+          <a:p>
+            <a:pPr marL="0" indent="0">
+              <a:buFont typeface="Wingdings" panose="05000000000000000000" pitchFamily="2" charset="2"/>
+              <a:buNone/>
+            </a:pPr>
+            <a:endParaRPr lang="en-US" sz="2000" dirty="0"/>
+          </a:p>
+        </p:txBody>
+      </p:sp>
+      <p:sp>
+        <p:nvSpPr>
+          <p:cNvPr id="6" name="Callout: Down Arrow 5">
+            <a:extLst>
+              <a:ext uri="{FF2B5EF4-FFF2-40B4-BE49-F238E27FC236}">
+                <a16:creationId xmlns:a16="http://schemas.microsoft.com/office/drawing/2014/main" id="{7EB3AF05-2177-4363-8DED-B333A894F557}"/>
+              </a:ext>
+            </a:extLst>
+          </p:cNvPr>
+          <p:cNvSpPr/>
+          <p:nvPr/>
+        </p:nvSpPr>
+        <p:spPr>
+          <a:xfrm>
+            <a:off x="4368787" y="2620434"/>
+            <a:ext cx="757766" cy="448734"/>
+          </a:xfrm>
+          <a:prstGeom prst="downArrowCallout">
+            <a:avLst/>
+          </a:prstGeom>
+          <a:noFill/>
+          <a:ln w="9525" cap="flat" cmpd="sng" algn="ctr">
+            <a:solidFill>
+              <a:schemeClr val="bg2">
+                <a:lumMod val="75000"/>
+              </a:schemeClr>
+            </a:solidFill>
+            <a:prstDash val="solid"/>
+            <a:round/>
+            <a:headEnd type="none" w="med" len="med"/>
+            <a:tailEnd type="none" w="med" len="med"/>
+          </a:ln>
+        </p:spPr>
+        <p:style>
+          <a:lnRef idx="0">
+            <a:scrgbClr r="0" g="0" b="0"/>
+          </a:lnRef>
+          <a:fillRef idx="0">
+            <a:scrgbClr r="0" g="0" b="0"/>
+          </a:fillRef>
+          <a:effectRef idx="0">
+            <a:scrgbClr r="0" g="0" b="0"/>
+          </a:effectRef>
+          <a:fontRef idx="minor">
+            <a:schemeClr val="accent1"/>
+          </a:fontRef>
+        </p:style>
+        <p:txBody>
+          <a:bodyPr rtlCol="0" anchor="ctr"/>
+          <a:lstStyle/>
+          <a:p>
+            <a:pPr algn="ctr"/>
+            <a:endParaRPr lang="en-US">
+              <a:solidFill>
+                <a:schemeClr val="bg2">
+                  <a:lumMod val="90000"/>
+                </a:schemeClr>
+              </a:solidFill>
+            </a:endParaRPr>
+          </a:p>
+        </p:txBody>
+      </p:sp>
+      <p:sp>
+        <p:nvSpPr>
+          <p:cNvPr id="7" name="TextBox 6">
+            <a:extLst>
+              <a:ext uri="{FF2B5EF4-FFF2-40B4-BE49-F238E27FC236}">
+                <a16:creationId xmlns:a16="http://schemas.microsoft.com/office/drawing/2014/main" id="{4B1CE677-D066-4F3B-B3DA-4F3E68230577}"/>
+              </a:ext>
+            </a:extLst>
+          </p:cNvPr>
+          <p:cNvSpPr txBox="1"/>
+          <p:nvPr/>
+        </p:nvSpPr>
+        <p:spPr>
+          <a:xfrm>
+            <a:off x="4459803" y="2620434"/>
+            <a:ext cx="575733" cy="261610"/>
+          </a:xfrm>
+          <a:prstGeom prst="rect">
+            <a:avLst/>
+          </a:prstGeom>
+          <a:noFill/>
+          <a:ln>
+            <a:noFill/>
+          </a:ln>
+        </p:spPr>
+        <p:txBody>
+          <a:bodyPr wrap="square" rtlCol="0">
+            <a:spAutoFit/>
+          </a:bodyPr>
+          <a:lstStyle/>
+          <a:p>
+            <a:r>
+              <a:rPr lang="en-US" sz="1050" dirty="0">
+                <a:solidFill>
+                  <a:schemeClr val="bg2">
+                    <a:lumMod val="90000"/>
+                  </a:schemeClr>
+                </a:solidFill>
+                <a:latin typeface="Calibri Light" panose="020F0302020204030204" pitchFamily="34" charset="0"/>
+                <a:cs typeface="Calibri Light" panose="020F0302020204030204" pitchFamily="34" charset="0"/>
+              </a:rPr>
+              <a:t>Task 1</a:t>
+            </a:r>
+          </a:p>
+        </p:txBody>
+      </p:sp>
+      <p:sp>
+        <p:nvSpPr>
+          <p:cNvPr id="8" name="Callout: Down Arrow 7">
+            <a:extLst>
+              <a:ext uri="{FF2B5EF4-FFF2-40B4-BE49-F238E27FC236}">
+                <a16:creationId xmlns:a16="http://schemas.microsoft.com/office/drawing/2014/main" id="{4DE042DD-16FE-4C30-AE4A-C2E426F16778}"/>
+              </a:ext>
+            </a:extLst>
+          </p:cNvPr>
+          <p:cNvSpPr/>
+          <p:nvPr/>
+        </p:nvSpPr>
+        <p:spPr>
+          <a:xfrm>
+            <a:off x="4368787" y="3069168"/>
+            <a:ext cx="757766" cy="448734"/>
+          </a:xfrm>
+          <a:prstGeom prst="downArrowCallout">
+            <a:avLst/>
+          </a:prstGeom>
+          <a:noFill/>
+          <a:ln w="9525" cap="flat" cmpd="sng" algn="ctr">
+            <a:solidFill>
+              <a:schemeClr val="bg2">
+                <a:lumMod val="75000"/>
+              </a:schemeClr>
+            </a:solidFill>
+            <a:prstDash val="solid"/>
+            <a:round/>
+            <a:headEnd type="none" w="med" len="med"/>
+            <a:tailEnd type="none" w="med" len="med"/>
+          </a:ln>
+        </p:spPr>
+        <p:style>
+          <a:lnRef idx="0">
+            <a:scrgbClr r="0" g="0" b="0"/>
+          </a:lnRef>
+          <a:fillRef idx="0">
+            <a:scrgbClr r="0" g="0" b="0"/>
+          </a:fillRef>
+          <a:effectRef idx="0">
+            <a:scrgbClr r="0" g="0" b="0"/>
+          </a:effectRef>
+          <a:fontRef idx="minor">
+            <a:schemeClr val="accent1"/>
+          </a:fontRef>
+        </p:style>
+        <p:txBody>
+          <a:bodyPr rtlCol="0" anchor="ctr"/>
+          <a:lstStyle/>
+          <a:p>
+            <a:pPr algn="ctr"/>
+            <a:endParaRPr lang="en-US">
+              <a:solidFill>
+                <a:schemeClr val="bg2">
+                  <a:lumMod val="90000"/>
+                </a:schemeClr>
+              </a:solidFill>
+            </a:endParaRPr>
+          </a:p>
+        </p:txBody>
+      </p:sp>
+      <p:sp>
+        <p:nvSpPr>
+          <p:cNvPr id="9" name="TextBox 8">
+            <a:extLst>
+              <a:ext uri="{FF2B5EF4-FFF2-40B4-BE49-F238E27FC236}">
+                <a16:creationId xmlns:a16="http://schemas.microsoft.com/office/drawing/2014/main" id="{C3C0AEDA-5868-44DF-9AFA-12A7940569D6}"/>
+              </a:ext>
+            </a:extLst>
+          </p:cNvPr>
+          <p:cNvSpPr txBox="1"/>
+          <p:nvPr/>
+        </p:nvSpPr>
+        <p:spPr>
+          <a:xfrm>
+            <a:off x="4459803" y="3069168"/>
+            <a:ext cx="575733" cy="261610"/>
+          </a:xfrm>
+          <a:prstGeom prst="rect">
+            <a:avLst/>
+          </a:prstGeom>
+          <a:noFill/>
+          <a:ln>
+            <a:noFill/>
+          </a:ln>
+        </p:spPr>
+        <p:txBody>
+          <a:bodyPr wrap="square" rtlCol="0">
+            <a:spAutoFit/>
+          </a:bodyPr>
+          <a:lstStyle/>
+          <a:p>
+            <a:r>
+              <a:rPr lang="en-US" sz="1050" dirty="0">
+                <a:solidFill>
+                  <a:schemeClr val="bg2">
+                    <a:lumMod val="90000"/>
+                  </a:schemeClr>
+                </a:solidFill>
+                <a:latin typeface="Calibri Light" panose="020F0302020204030204" pitchFamily="34" charset="0"/>
+                <a:cs typeface="Calibri Light" panose="020F0302020204030204" pitchFamily="34" charset="0"/>
+              </a:rPr>
+              <a:t>Task 2</a:t>
+            </a:r>
+          </a:p>
+        </p:txBody>
+      </p:sp>
+      <p:sp>
+        <p:nvSpPr>
+          <p:cNvPr id="10" name="Callout: Down Arrow 9">
+            <a:extLst>
+              <a:ext uri="{FF2B5EF4-FFF2-40B4-BE49-F238E27FC236}">
+                <a16:creationId xmlns:a16="http://schemas.microsoft.com/office/drawing/2014/main" id="{B2880903-2218-43EB-A21B-D2EF16C43204}"/>
+              </a:ext>
+            </a:extLst>
+          </p:cNvPr>
+          <p:cNvSpPr/>
+          <p:nvPr/>
+        </p:nvSpPr>
+        <p:spPr>
+          <a:xfrm>
+            <a:off x="4364552" y="4487336"/>
+            <a:ext cx="757766" cy="448734"/>
+          </a:xfrm>
+          <a:prstGeom prst="downArrowCallout">
+            <a:avLst/>
+          </a:prstGeom>
+          <a:noFill/>
+          <a:ln w="9525" cap="flat" cmpd="sng" algn="ctr">
+            <a:solidFill>
+              <a:schemeClr val="bg2">
+                <a:lumMod val="75000"/>
+              </a:schemeClr>
+            </a:solidFill>
+            <a:prstDash val="solid"/>
+            <a:round/>
+            <a:headEnd type="none" w="med" len="med"/>
+            <a:tailEnd type="none" w="med" len="med"/>
+          </a:ln>
+        </p:spPr>
+        <p:style>
+          <a:lnRef idx="0">
+            <a:scrgbClr r="0" g="0" b="0"/>
+          </a:lnRef>
+          <a:fillRef idx="0">
+            <a:scrgbClr r="0" g="0" b="0"/>
+          </a:fillRef>
+          <a:effectRef idx="0">
+            <a:scrgbClr r="0" g="0" b="0"/>
+          </a:effectRef>
+          <a:fontRef idx="minor">
+            <a:schemeClr val="accent1"/>
+          </a:fontRef>
+        </p:style>
+        <p:txBody>
+          <a:bodyPr rtlCol="0" anchor="ctr"/>
+          <a:lstStyle/>
+          <a:p>
+            <a:pPr algn="ctr"/>
+            <a:endParaRPr lang="en-US">
+              <a:solidFill>
+                <a:schemeClr val="bg2">
+                  <a:lumMod val="90000"/>
+                </a:schemeClr>
+              </a:solidFill>
+            </a:endParaRPr>
+          </a:p>
+        </p:txBody>
+      </p:sp>
+      <p:sp>
+        <p:nvSpPr>
+          <p:cNvPr id="11" name="TextBox 10">
+            <a:extLst>
+              <a:ext uri="{FF2B5EF4-FFF2-40B4-BE49-F238E27FC236}">
+                <a16:creationId xmlns:a16="http://schemas.microsoft.com/office/drawing/2014/main" id="{E48E2858-B636-4E03-9C67-F17EF13A7524}"/>
+              </a:ext>
+            </a:extLst>
+          </p:cNvPr>
+          <p:cNvSpPr txBox="1"/>
+          <p:nvPr/>
+        </p:nvSpPr>
+        <p:spPr>
+          <a:xfrm>
+            <a:off x="4455568" y="4487336"/>
+            <a:ext cx="575733" cy="261610"/>
+          </a:xfrm>
+          <a:prstGeom prst="rect">
+            <a:avLst/>
+          </a:prstGeom>
+          <a:noFill/>
+          <a:ln>
+            <a:noFill/>
+          </a:ln>
+        </p:spPr>
+        <p:txBody>
+          <a:bodyPr wrap="square" rtlCol="0">
+            <a:spAutoFit/>
+          </a:bodyPr>
+          <a:lstStyle/>
+          <a:p>
+            <a:r>
+              <a:rPr lang="en-US" sz="1050" dirty="0">
+                <a:solidFill>
+                  <a:schemeClr val="bg2">
+                    <a:lumMod val="90000"/>
+                  </a:schemeClr>
+                </a:solidFill>
+                <a:latin typeface="Calibri Light" panose="020F0302020204030204" pitchFamily="34" charset="0"/>
+                <a:cs typeface="Calibri Light" panose="020F0302020204030204" pitchFamily="34" charset="0"/>
+              </a:rPr>
+              <a:t>Task n</a:t>
+            </a:r>
+          </a:p>
+        </p:txBody>
+      </p:sp>
+      <p:sp>
+        <p:nvSpPr>
+          <p:cNvPr id="12" name="Callout: Down Arrow 11">
+            <a:extLst>
+              <a:ext uri="{FF2B5EF4-FFF2-40B4-BE49-F238E27FC236}">
+                <a16:creationId xmlns:a16="http://schemas.microsoft.com/office/drawing/2014/main" id="{2906B8ED-426A-4024-93D1-70BF2DCDECC2}"/>
+              </a:ext>
+            </a:extLst>
+          </p:cNvPr>
+          <p:cNvSpPr/>
+          <p:nvPr/>
+        </p:nvSpPr>
+        <p:spPr>
+          <a:xfrm>
+            <a:off x="4364553" y="3517902"/>
+            <a:ext cx="757766" cy="448734"/>
+          </a:xfrm>
+          <a:prstGeom prst="downArrowCallout">
+            <a:avLst/>
+          </a:prstGeom>
+          <a:noFill/>
+          <a:ln w="9525" cap="flat" cmpd="sng" algn="ctr">
+            <a:solidFill>
+              <a:schemeClr val="bg2">
+                <a:lumMod val="75000"/>
+              </a:schemeClr>
+            </a:solidFill>
+            <a:prstDash val="solid"/>
+            <a:round/>
+            <a:headEnd type="none" w="med" len="med"/>
+            <a:tailEnd type="none" w="med" len="med"/>
+          </a:ln>
+        </p:spPr>
+        <p:style>
+          <a:lnRef idx="0">
+            <a:scrgbClr r="0" g="0" b="0"/>
+          </a:lnRef>
+          <a:fillRef idx="0">
+            <a:scrgbClr r="0" g="0" b="0"/>
+          </a:fillRef>
+          <a:effectRef idx="0">
+            <a:scrgbClr r="0" g="0" b="0"/>
+          </a:effectRef>
+          <a:fontRef idx="minor">
+            <a:schemeClr val="accent1"/>
+          </a:fontRef>
+        </p:style>
+        <p:txBody>
+          <a:bodyPr rtlCol="0" anchor="ctr"/>
+          <a:lstStyle/>
+          <a:p>
+            <a:pPr algn="ctr"/>
+            <a:endParaRPr lang="en-US">
+              <a:solidFill>
+                <a:schemeClr val="bg2">
+                  <a:lumMod val="90000"/>
+                </a:schemeClr>
+              </a:solidFill>
+            </a:endParaRPr>
+          </a:p>
+        </p:txBody>
+      </p:sp>
+      <p:sp>
+        <p:nvSpPr>
+          <p:cNvPr id="13" name="TextBox 12">
+            <a:extLst>
+              <a:ext uri="{FF2B5EF4-FFF2-40B4-BE49-F238E27FC236}">
+                <a16:creationId xmlns:a16="http://schemas.microsoft.com/office/drawing/2014/main" id="{5BFAFEC7-E5C7-4465-950D-EAC472A230B5}"/>
+              </a:ext>
+            </a:extLst>
+          </p:cNvPr>
+          <p:cNvSpPr txBox="1"/>
+          <p:nvPr/>
+        </p:nvSpPr>
+        <p:spPr>
+          <a:xfrm>
+            <a:off x="4455569" y="3517902"/>
+            <a:ext cx="575733" cy="261610"/>
+          </a:xfrm>
+          <a:prstGeom prst="rect">
+            <a:avLst/>
+          </a:prstGeom>
+          <a:noFill/>
+          <a:ln>
+            <a:noFill/>
+          </a:ln>
+        </p:spPr>
+        <p:txBody>
+          <a:bodyPr wrap="square" rtlCol="0">
+            <a:spAutoFit/>
+          </a:bodyPr>
+          <a:lstStyle/>
+          <a:p>
+            <a:r>
+              <a:rPr lang="en-US" sz="1050" dirty="0">
+                <a:solidFill>
+                  <a:schemeClr val="bg2">
+                    <a:lumMod val="90000"/>
+                  </a:schemeClr>
+                </a:solidFill>
+                <a:latin typeface="Calibri Light" panose="020F0302020204030204" pitchFamily="34" charset="0"/>
+                <a:cs typeface="Calibri Light" panose="020F0302020204030204" pitchFamily="34" charset="0"/>
+              </a:rPr>
+              <a:t>Task 3</a:t>
+            </a:r>
+          </a:p>
+        </p:txBody>
+      </p:sp>
+      <p:sp>
+        <p:nvSpPr>
+          <p:cNvPr id="17" name="TextBox 16">
+            <a:extLst>
+              <a:ext uri="{FF2B5EF4-FFF2-40B4-BE49-F238E27FC236}">
+                <a16:creationId xmlns:a16="http://schemas.microsoft.com/office/drawing/2014/main" id="{F94618BE-065A-40BB-B1EC-71EF2693F474}"/>
+              </a:ext>
+            </a:extLst>
+          </p:cNvPr>
+          <p:cNvSpPr txBox="1"/>
+          <p:nvPr/>
+        </p:nvSpPr>
+        <p:spPr>
+          <a:xfrm rot="16200000">
+            <a:off x="4376825" y="4019165"/>
+            <a:ext cx="733222" cy="253916"/>
+          </a:xfrm>
+          <a:prstGeom prst="rect">
+            <a:avLst/>
+          </a:prstGeom>
+          <a:noFill/>
+          <a:ln>
+            <a:noFill/>
+          </a:ln>
+        </p:spPr>
+        <p:txBody>
+          <a:bodyPr wrap="square" rtlCol="0">
+            <a:spAutoFit/>
+          </a:bodyPr>
+          <a:lstStyle/>
+          <a:p>
+            <a:r>
+              <a:rPr lang="en-US" sz="1050" dirty="0">
+                <a:solidFill>
+                  <a:schemeClr val="bg2">
+                    <a:lumMod val="90000"/>
+                  </a:schemeClr>
+                </a:solidFill>
+                <a:latin typeface="Calibri Light" panose="020F0302020204030204" pitchFamily="34" charset="0"/>
+                <a:cs typeface="Calibri Light" panose="020F0302020204030204" pitchFamily="34" charset="0"/>
+              </a:rPr>
+              <a:t>- - - - - - </a:t>
+            </a:r>
+          </a:p>
+        </p:txBody>
+      </p:sp>
+      <p:sp>
+        <p:nvSpPr>
+          <p:cNvPr id="19" name="Flowchart: Terminator 18">
+            <a:extLst>
+              <a:ext uri="{FF2B5EF4-FFF2-40B4-BE49-F238E27FC236}">
+                <a16:creationId xmlns:a16="http://schemas.microsoft.com/office/drawing/2014/main" id="{6BED89EE-74D7-4A18-8A77-1B72F4E0D6B0}"/>
+              </a:ext>
+            </a:extLst>
+          </p:cNvPr>
+          <p:cNvSpPr/>
+          <p:nvPr/>
+        </p:nvSpPr>
+        <p:spPr>
+          <a:xfrm>
+            <a:off x="4258713" y="4952146"/>
+            <a:ext cx="956734" cy="317500"/>
+          </a:xfrm>
+          <a:prstGeom prst="flowChartTerminator">
+            <a:avLst/>
+          </a:prstGeom>
+          <a:solidFill>
+            <a:schemeClr val="bg1"/>
+          </a:solidFill>
+          <a:ln>
+            <a:solidFill>
+              <a:schemeClr val="bg2">
+                <a:lumMod val="75000"/>
+              </a:schemeClr>
+            </a:solidFill>
+          </a:ln>
+        </p:spPr>
+        <p:style>
+          <a:lnRef idx="2">
+            <a:schemeClr val="accent1">
+              <a:shade val="50000"/>
+            </a:schemeClr>
+          </a:lnRef>
+          <a:fillRef idx="1">
+            <a:schemeClr val="accent1"/>
+          </a:fillRef>
+          <a:effectRef idx="0">
+            <a:schemeClr val="accent1"/>
+          </a:effectRef>
+          <a:fontRef idx="minor">
+            <a:schemeClr val="lt1"/>
+          </a:fontRef>
+        </p:style>
+        <p:txBody>
+          <a:bodyPr rtlCol="0" anchor="ctr"/>
+          <a:lstStyle/>
+          <a:p>
+            <a:pPr algn="ctr"/>
+            <a:r>
+              <a:rPr lang="en-US" sz="1100" dirty="0">
+                <a:solidFill>
+                  <a:schemeClr val="bg2">
+                    <a:lumMod val="90000"/>
+                  </a:schemeClr>
+                </a:solidFill>
+                <a:latin typeface="+mj-lt"/>
+              </a:rPr>
+              <a:t>Completed</a:t>
+            </a:r>
+          </a:p>
+        </p:txBody>
+      </p:sp>
+      <p:sp>
+        <p:nvSpPr>
+          <p:cNvPr id="3" name="TextBox 2">
+            <a:extLst>
+              <a:ext uri="{FF2B5EF4-FFF2-40B4-BE49-F238E27FC236}">
+                <a16:creationId xmlns:a16="http://schemas.microsoft.com/office/drawing/2014/main" id="{75074EFB-2DA3-4947-A782-4C55AAE65B6B}"/>
+              </a:ext>
+            </a:extLst>
+          </p:cNvPr>
+          <p:cNvSpPr txBox="1"/>
+          <p:nvPr/>
+        </p:nvSpPr>
+        <p:spPr>
+          <a:xfrm>
+            <a:off x="2789753" y="2163060"/>
+            <a:ext cx="2336800" cy="307777"/>
+          </a:xfrm>
+          <a:prstGeom prst="rect">
+            <a:avLst/>
+          </a:prstGeom>
+          <a:noFill/>
+        </p:spPr>
+        <p:txBody>
+          <a:bodyPr wrap="square" rtlCol="0">
+            <a:spAutoFit/>
+          </a:bodyPr>
+          <a:lstStyle/>
+          <a:p>
+            <a:r>
+              <a:rPr lang="en-US" sz="1400" b="1" dirty="0" err="1">
+                <a:solidFill>
+                  <a:srgbClr val="285B7C"/>
+                </a:solidFill>
+                <a:latin typeface="Calibri Light" panose="020F0302020204030204" pitchFamily="34" charset="0"/>
+                <a:cs typeface="Calibri Light" panose="020F0302020204030204" pitchFamily="34" charset="0"/>
+              </a:rPr>
+              <a:t>my_function</a:t>
+            </a:r>
+            <a:r>
+              <a:rPr lang="en-US" sz="1400" b="1" dirty="0">
+                <a:solidFill>
+                  <a:srgbClr val="285B7C"/>
+                </a:solidFill>
+                <a:latin typeface="Calibri Light" panose="020F0302020204030204" pitchFamily="34" charset="0"/>
+                <a:cs typeface="Calibri Light" panose="020F0302020204030204" pitchFamily="34" charset="0"/>
+              </a:rPr>
+              <a:t>{…</a:t>
+            </a:r>
+          </a:p>
+        </p:txBody>
+      </p:sp>
+      <p:sp>
+        <p:nvSpPr>
+          <p:cNvPr id="15" name="TextBox 14">
+            <a:extLst>
+              <a:ext uri="{FF2B5EF4-FFF2-40B4-BE49-F238E27FC236}">
+                <a16:creationId xmlns:a16="http://schemas.microsoft.com/office/drawing/2014/main" id="{EEDFA542-4A7F-49BA-A15B-39DB846365F2}"/>
+              </a:ext>
+            </a:extLst>
+          </p:cNvPr>
+          <p:cNvSpPr txBox="1"/>
+          <p:nvPr/>
+        </p:nvSpPr>
+        <p:spPr>
+          <a:xfrm>
+            <a:off x="5710766" y="5426680"/>
+            <a:ext cx="1553633" cy="307777"/>
+          </a:xfrm>
+          <a:prstGeom prst="rect">
+            <a:avLst/>
+          </a:prstGeom>
+          <a:noFill/>
+        </p:spPr>
+        <p:txBody>
+          <a:bodyPr wrap="square" rtlCol="0">
+            <a:spAutoFit/>
+          </a:bodyPr>
+          <a:lstStyle/>
+          <a:p>
+            <a:r>
+              <a:rPr lang="en-US" sz="1400" b="1" dirty="0">
+                <a:solidFill>
+                  <a:srgbClr val="285B7C"/>
+                </a:solidFill>
+                <a:latin typeface="Calibri Light" panose="020F0302020204030204" pitchFamily="34" charset="0"/>
+                <a:cs typeface="Calibri Light" panose="020F0302020204030204" pitchFamily="34" charset="0"/>
+              </a:rPr>
+              <a:t>}</a:t>
+            </a:r>
+          </a:p>
+        </p:txBody>
+      </p:sp>
+    </p:spTree>
+    <p:extLst>
+      <p:ext uri="{BB962C8B-B14F-4D97-AF65-F5344CB8AC3E}">
+        <p14:creationId xmlns:p14="http://schemas.microsoft.com/office/powerpoint/2010/main" val="2950852205"/>
+      </p:ext>
+    </p:extLst>
+  </p:cSld>
+  <p:clrMapOvr>
+    <a:masterClrMapping/>
+  </p:clrMapOvr>
+</p:sld>
+</file>
+
+<file path=ppt/slides/slide9.xml><?xml version="1.0" encoding="utf-8"?>
+<p:sld xmlns:a="http://schemas.openxmlformats.org/drawingml/2006/main" xmlns:r="http://schemas.openxmlformats.org/officeDocument/2006/relationships" xmlns:p="http://schemas.openxmlformats.org/presentationml/2006/main">
+  <p:cSld>
+    <p:spTree>
+      <p:nvGrpSpPr>
+        <p:cNvPr id="1" name=""/>
+        <p:cNvGrpSpPr/>
+        <p:nvPr/>
+      </p:nvGrpSpPr>
+      <p:grpSpPr>
+        <a:xfrm>
+          <a:off x="0" y="0"/>
+          <a:ext cx="0" cy="0"/>
+          <a:chOff x="0" y="0"/>
+          <a:chExt cx="0" cy="0"/>
+        </a:xfrm>
+      </p:grpSpPr>
+      <p:sp>
+        <p:nvSpPr>
+          <p:cNvPr id="2" name="Title 1">
+            <a:extLst>
+              <a:ext uri="{FF2B5EF4-FFF2-40B4-BE49-F238E27FC236}">
+                <a16:creationId xmlns:a16="http://schemas.microsoft.com/office/drawing/2014/main" id="{3B75E9DE-0B45-47E9-8400-AA526490CEC7}"/>
+              </a:ext>
+            </a:extLst>
+          </p:cNvPr>
+          <p:cNvSpPr>
+            <a:spLocks noGrp="1"/>
+          </p:cNvSpPr>
+          <p:nvPr>
+            <p:ph type="ctrTitle"/>
+          </p:nvPr>
+        </p:nvSpPr>
+        <p:spPr/>
+        <p:txBody>
+          <a:bodyPr/>
+          <a:lstStyle/>
+          <a:p>
+            <a:r>
+              <a:rPr lang="en-US" dirty="0">
+                <a:solidFill>
+                  <a:schemeClr val="tx1"/>
+                </a:solidFill>
+              </a:rPr>
+              <a:t>Conceptual Model for Automation</a:t>
+            </a:r>
+          </a:p>
+        </p:txBody>
+      </p:sp>
+      <p:sp>
+        <p:nvSpPr>
+          <p:cNvPr id="4" name="Text Placeholder 2">
+            <a:extLst>
+              <a:ext uri="{FF2B5EF4-FFF2-40B4-BE49-F238E27FC236}">
+                <a16:creationId xmlns:a16="http://schemas.microsoft.com/office/drawing/2014/main" id="{72B0C312-A9D5-48B5-8006-5A22F86127C9}"/>
+              </a:ext>
+            </a:extLst>
+          </p:cNvPr>
+          <p:cNvSpPr txBox="1">
+            <a:spLocks/>
+          </p:cNvSpPr>
+          <p:nvPr/>
+        </p:nvSpPr>
+        <p:spPr bwMode="auto">
+          <a:xfrm>
+            <a:off x="406400" y="1117600"/>
+            <a:ext cx="10993967" cy="698500"/>
+          </a:xfrm>
+          <a:prstGeom prst="rect">
+            <a:avLst/>
+          </a:prstGeom>
+          <a:noFill/>
+          <a:ln>
+            <a:noFill/>
+          </a:ln>
+          <a:extLst>
+            <a:ext uri="{909E8E84-426E-40DD-AFC4-6F175D3DCCD1}">
+              <a14:hiddenFill xmlns:a14="http://schemas.microsoft.com/office/drawing/2010/main">
+                <a:solidFill>
+                  <a:srgbClr val="FFFFFF"/>
+                </a:solidFill>
+              </a14:hiddenFill>
+            </a:ext>
+            <a:ext uri="{91240B29-F687-4F45-9708-019B960494DF}">
+              <a14:hiddenLine xmlns:a14="http://schemas.microsoft.com/office/drawing/2010/main" w="9525">
+                <a:solidFill>
+                  <a:srgbClr val="000000"/>
+                </a:solidFill>
+                <a:miter lim="800000"/>
+                <a:headEnd/>
+                <a:tailEnd/>
+              </a14:hiddenLine>
+            </a:ext>
+            <a:ext uri="{FAA26D3D-D897-4be2-8F04-BA451C77F1D7}">
+              <ma14:placeholderFlag xmlns="" xmlns:ma14="http://schemas.microsoft.com/office/mac/drawingml/2011/main" val="1"/>
+            </a:ext>
+          </a:extLst>
+        </p:spPr>
+        <p:txBody>
+          <a:bodyPr vert="horz" wrap="square" lIns="91440" tIns="45720" rIns="91440" bIns="45720" numCol="1" anchor="t" anchorCtr="0" compatLnSpc="1">
+            <a:prstTxWarp prst="textNoShape">
+              <a:avLst/>
+            </a:prstTxWarp>
+          </a:bodyPr>
+          <a:lstStyle>
+            <a:lvl1pPr marL="365760" indent="-365760" algn="l" rtl="0" eaLnBrk="0" fontAlgn="base" hangingPunct="0">
+              <a:spcBef>
+                <a:spcPct val="0"/>
+              </a:spcBef>
+              <a:spcAft>
+                <a:spcPct val="0"/>
+              </a:spcAft>
+              <a:buClr>
+                <a:srgbClr val="008BAC"/>
+              </a:buClr>
+              <a:buSzPct val="70000"/>
+              <a:buFont typeface="Wingdings" panose="05000000000000000000" pitchFamily="2" charset="2"/>
+              <a:buChar char="§"/>
+              <a:defRPr lang="en-US" sz="2800" b="0" i="0" kern="1200" smtClean="0">
+                <a:solidFill>
+                  <a:srgbClr val="285B7C"/>
+                </a:solidFill>
+                <a:latin typeface="+mj-lt"/>
+                <a:ea typeface="Lato" panose="020F0502020204030203" pitchFamily="34" charset="0"/>
+                <a:cs typeface="Lato" panose="020F0502020204030203" pitchFamily="34" charset="0"/>
+              </a:defRPr>
+            </a:lvl1pPr>
+            <a:lvl2pPr marL="742950" indent="-342900" algn="l" rtl="0" eaLnBrk="1" fontAlgn="base" hangingPunct="1">
+              <a:spcBef>
+                <a:spcPts val="500"/>
+              </a:spcBef>
+              <a:spcAft>
+                <a:spcPct val="0"/>
+              </a:spcAft>
+              <a:buClr>
+                <a:srgbClr val="008BAC"/>
+              </a:buClr>
+              <a:buFont typeface="Wingdings" panose="05000000000000000000" pitchFamily="2" charset="2"/>
+              <a:buChar char="§"/>
+              <a:defRPr sz="2000" b="0" i="0" kern="1200">
+                <a:solidFill>
+                  <a:srgbClr val="5E6976"/>
+                </a:solidFill>
+                <a:latin typeface="+mj-lt"/>
+                <a:ea typeface="Lato" panose="020F0502020204030203" pitchFamily="34" charset="0"/>
+                <a:cs typeface="Lato" panose="020F0502020204030203" pitchFamily="34" charset="0"/>
+              </a:defRPr>
+            </a:lvl2pPr>
+            <a:lvl3pPr marL="858838" indent="-228600" algn="l" rtl="0" eaLnBrk="1" fontAlgn="base" hangingPunct="1">
+              <a:spcBef>
+                <a:spcPts val="500"/>
+              </a:spcBef>
+              <a:spcAft>
+                <a:spcPct val="0"/>
+              </a:spcAft>
+              <a:buClr>
+                <a:srgbClr val="008BAC"/>
+              </a:buClr>
+              <a:buSzPct val="60000"/>
+              <a:buFont typeface="Wingdings" panose="05000000000000000000" pitchFamily="2" charset="2"/>
+              <a:buChar char="§"/>
+              <a:defRPr kern="1200">
+                <a:solidFill>
+                  <a:schemeClr val="tx1"/>
+                </a:solidFill>
+                <a:latin typeface="+mj-lt"/>
+                <a:ea typeface="Lato" panose="020F0502020204030203" pitchFamily="34" charset="0"/>
+                <a:cs typeface="Lato" panose="020F0502020204030203" pitchFamily="34" charset="0"/>
+              </a:defRPr>
+            </a:lvl3pPr>
+            <a:lvl4pPr marL="1144587" indent="-285750" algn="l" rtl="0" eaLnBrk="1" fontAlgn="base" hangingPunct="1">
+              <a:spcBef>
+                <a:spcPts val="500"/>
+              </a:spcBef>
+              <a:spcAft>
+                <a:spcPct val="0"/>
+              </a:spcAft>
+              <a:buClr>
+                <a:srgbClr val="008BAC"/>
+              </a:buClr>
+              <a:buFont typeface="Wingdings" panose="05000000000000000000" pitchFamily="2" charset="2"/>
+              <a:buChar char="§"/>
+              <a:defRPr sz="1600" kern="1200">
+                <a:solidFill>
+                  <a:schemeClr val="tx1"/>
+                </a:solidFill>
+                <a:latin typeface="+mj-lt"/>
+                <a:ea typeface="Lato" panose="020F0502020204030203" pitchFamily="34" charset="0"/>
+                <a:cs typeface="Lato" panose="020F0502020204030203" pitchFamily="34" charset="0"/>
+              </a:defRPr>
+            </a:lvl4pPr>
+            <a:lvl5pPr marL="2057400" indent="-228600" algn="l" rtl="0" eaLnBrk="1" fontAlgn="base" hangingPunct="1">
+              <a:spcBef>
+                <a:spcPts val="500"/>
+              </a:spcBef>
+              <a:spcAft>
+                <a:spcPct val="0"/>
+              </a:spcAft>
+              <a:buClr>
+                <a:srgbClr val="008BAC"/>
+              </a:buClr>
+              <a:buFont typeface="Wingdings" charset="2"/>
+              <a:buChar char="§"/>
+              <a:defRPr sz="1400" kern="1200">
+                <a:solidFill>
+                  <a:schemeClr val="tx1"/>
+                </a:solidFill>
+                <a:latin typeface="+mj-lt"/>
+                <a:ea typeface="Lato" panose="020F0502020204030203" pitchFamily="34" charset="0"/>
+                <a:cs typeface="Lato" panose="020F0502020204030203" pitchFamily="34" charset="0"/>
+              </a:defRPr>
+            </a:lvl5pPr>
+            <a:lvl6pPr marL="2514600" indent="-228600" algn="l" defTabSz="914400" rtl="0" eaLnBrk="1" latinLnBrk="0" hangingPunct="1">
+              <a:lnSpc>
+                <a:spcPct val="90000"/>
+              </a:lnSpc>
+              <a:spcBef>
+                <a:spcPts val="500"/>
+              </a:spcBef>
+              <a:buFont typeface="Arial"/>
+              <a:buChar char="•"/>
+              <a:defRPr sz="1800" kern="1200">
+                <a:solidFill>
+                  <a:schemeClr val="tx1"/>
+                </a:solidFill>
+                <a:latin typeface="+mn-lt"/>
+                <a:ea typeface="+mn-ea"/>
+                <a:cs typeface="+mn-cs"/>
+              </a:defRPr>
+            </a:lvl6pPr>
+            <a:lvl7pPr marL="2971800" indent="-228600" algn="l" defTabSz="914400" rtl="0" eaLnBrk="1" latinLnBrk="0" hangingPunct="1">
+              <a:lnSpc>
+                <a:spcPct val="90000"/>
+              </a:lnSpc>
+              <a:spcBef>
+                <a:spcPts val="500"/>
+              </a:spcBef>
+              <a:buFont typeface="Arial"/>
+              <a:buChar char="•"/>
+              <a:defRPr sz="1800" kern="1200">
+                <a:solidFill>
+                  <a:schemeClr val="tx1"/>
+                </a:solidFill>
+                <a:latin typeface="+mn-lt"/>
+                <a:ea typeface="+mn-ea"/>
+                <a:cs typeface="+mn-cs"/>
+              </a:defRPr>
+            </a:lvl7pPr>
+            <a:lvl8pPr marL="3429000" indent="-228600" algn="l" defTabSz="914400" rtl="0" eaLnBrk="1" latinLnBrk="0" hangingPunct="1">
+              <a:lnSpc>
+                <a:spcPct val="90000"/>
+              </a:lnSpc>
+              <a:spcBef>
+                <a:spcPts val="500"/>
+              </a:spcBef>
+              <a:buFont typeface="Arial"/>
+              <a:buChar char="•"/>
+              <a:defRPr sz="1800" kern="1200">
+                <a:solidFill>
+                  <a:schemeClr val="tx1"/>
+                </a:solidFill>
+                <a:latin typeface="+mn-lt"/>
+                <a:ea typeface="+mn-ea"/>
+                <a:cs typeface="+mn-cs"/>
+              </a:defRPr>
+            </a:lvl8pPr>
+            <a:lvl9pPr marL="3886200" indent="-228600" algn="l" defTabSz="914400" rtl="0" eaLnBrk="1" latinLnBrk="0" hangingPunct="1">
+              <a:lnSpc>
+                <a:spcPct val="90000"/>
+              </a:lnSpc>
+              <a:spcBef>
+                <a:spcPts val="500"/>
+              </a:spcBef>
+              <a:buFont typeface="Arial"/>
+              <a:buChar char="•"/>
+              <a:defRPr sz="1800" kern="1200">
+                <a:solidFill>
+                  <a:schemeClr val="tx1"/>
+                </a:solidFill>
+                <a:latin typeface="+mn-lt"/>
+                <a:ea typeface="+mn-ea"/>
+                <a:cs typeface="+mn-cs"/>
+              </a:defRPr>
+            </a:lvl9pPr>
+          </a:lstStyle>
+          <a:p>
+            <a:pPr marL="228600" indent="-228600">
+              <a:spcBef>
+                <a:spcPts val="600"/>
+              </a:spcBef>
+              <a:buClr>
+                <a:srgbClr val="285B7C"/>
+              </a:buClr>
+              <a:buFont typeface="Wingdings" panose="05000000000000000000" pitchFamily="2" charset="2"/>
+              <a:buChar char="Ø"/>
+            </a:pPr>
+            <a:r>
+              <a:rPr lang="en-US" sz="2000" b="1"/>
+              <a:t>Step 3: </a:t>
+            </a:r>
+            <a:r>
+              <a:rPr lang="en-US" sz="2000" b="1" dirty="0"/>
+              <a:t>Call function as needed</a:t>
+            </a:r>
+            <a:endParaRPr lang="en-US" sz="2000" dirty="0"/>
+          </a:p>
+          <a:p>
+            <a:pPr marL="400050" lvl="1" indent="0">
+              <a:buClr>
+                <a:schemeClr val="tx2">
+                  <a:lumMod val="75000"/>
+                </a:schemeClr>
+              </a:buClr>
+              <a:buSzPct val="60000"/>
+              <a:buFont typeface="Wingdings" panose="05000000000000000000" pitchFamily="2" charset="2"/>
+              <a:buNone/>
+            </a:pPr>
+            <a:endParaRPr lang="en-US" sz="1800" dirty="0">
+              <a:solidFill>
+                <a:srgbClr val="285B7C"/>
+              </a:solidFill>
+            </a:endParaRPr>
+          </a:p>
+          <a:p>
+            <a:pPr marL="0" indent="0">
+              <a:buFont typeface="Wingdings" panose="05000000000000000000" pitchFamily="2" charset="2"/>
+              <a:buNone/>
+            </a:pPr>
+            <a:endParaRPr lang="en-US" sz="2000" dirty="0"/>
+          </a:p>
+        </p:txBody>
+      </p:sp>
+      <p:sp>
+        <p:nvSpPr>
+          <p:cNvPr id="3" name="TextBox 2">
+            <a:extLst>
+              <a:ext uri="{FF2B5EF4-FFF2-40B4-BE49-F238E27FC236}">
+                <a16:creationId xmlns:a16="http://schemas.microsoft.com/office/drawing/2014/main" id="{75074EFB-2DA3-4947-A782-4C55AAE65B6B}"/>
+              </a:ext>
+            </a:extLst>
+          </p:cNvPr>
+          <p:cNvSpPr txBox="1"/>
+          <p:nvPr/>
+        </p:nvSpPr>
+        <p:spPr>
+          <a:xfrm>
+            <a:off x="2789753" y="2163060"/>
+            <a:ext cx="2336800" cy="307777"/>
+          </a:xfrm>
+          <a:prstGeom prst="rect">
+            <a:avLst/>
+          </a:prstGeom>
+          <a:noFill/>
+        </p:spPr>
+        <p:txBody>
+          <a:bodyPr wrap="square" rtlCol="0">
+            <a:spAutoFit/>
+          </a:bodyPr>
+          <a:lstStyle/>
+          <a:p>
+            <a:r>
+              <a:rPr lang="en-US" sz="1400" b="1" dirty="0" err="1">
+                <a:solidFill>
+                  <a:srgbClr val="285B7C"/>
+                </a:solidFill>
+                <a:latin typeface="Calibri Light" panose="020F0302020204030204" pitchFamily="34" charset="0"/>
+                <a:cs typeface="Calibri Light" panose="020F0302020204030204" pitchFamily="34" charset="0"/>
+              </a:rPr>
+              <a:t>my_function</a:t>
+            </a:r>
+            <a:r>
+              <a:rPr lang="en-US" sz="1400" b="1" dirty="0">
+                <a:solidFill>
+                  <a:srgbClr val="285B7C"/>
+                </a:solidFill>
+                <a:latin typeface="Calibri Light" panose="020F0302020204030204" pitchFamily="34" charset="0"/>
+                <a:cs typeface="Calibri Light" panose="020F0302020204030204" pitchFamily="34" charset="0"/>
+              </a:rPr>
+              <a:t>{…}</a:t>
+            </a:r>
+          </a:p>
+        </p:txBody>
+      </p:sp>
+    </p:spTree>
+    <p:extLst>
+      <p:ext uri="{BB962C8B-B14F-4D97-AF65-F5344CB8AC3E}">
+        <p14:creationId xmlns:p14="http://schemas.microsoft.com/office/powerpoint/2010/main" val="2078802400"/>
       </p:ext>
     </p:extLst>
   </p:cSld>
